--- a/architect/jvm/1、虚拟机的前世今生，深入理解JVM内存区域.pptx
+++ b/architect/jvm/1、虚拟机的前世今生，深入理解JVM内存区域.pptx
@@ -8370,6 +8370,22 @@
               </a:rPr>
               <a:t>栈帧</a:t>
             </a:r>
+            <a:r>
+              <a:rPr lang="en-US" altLang="zh-CN" sz="2200" b="1" dirty="0">
+                <a:latin typeface="宋体" panose="02010600030101010101" pitchFamily="2" charset="-122"/>
+                <a:ea typeface="宋体" panose="02010600030101010101" pitchFamily="2" charset="-122"/>
+                <a:cs typeface="宋体" panose="02010600030101010101" pitchFamily="2" charset="-122"/>
+              </a:rPr>
+              <a:t>——</a:t>
+            </a:r>
+            <a:r>
+              <a:rPr lang="zh-CN" altLang="en-US" sz="2200" b="1" dirty="0">
+                <a:latin typeface="宋体" panose="02010600030101010101" pitchFamily="2" charset="-122"/>
+                <a:ea typeface="宋体" panose="02010600030101010101" pitchFamily="2" charset="-122"/>
+                <a:cs typeface="宋体" panose="02010600030101010101" pitchFamily="2" charset="-122"/>
+              </a:rPr>
+              <a:t>每个方法对应一个栈帧</a:t>
+            </a:r>
             <a:endParaRPr lang="zh-CN" altLang="en-US" b="1" dirty="0">
               <a:solidFill>
                 <a:schemeClr val="tx1"/>
@@ -9325,7 +9341,7 @@
         <p:spPr>
           <a:xfrm>
             <a:off x="235076" y="4300348"/>
-            <a:ext cx="9823046" cy="1165397"/>
+            <a:ext cx="9823046" cy="1051250"/>
           </a:xfrm>
           <a:prstGeom prst="rect">
             <a:avLst/>
@@ -9371,7 +9387,7 @@
             <a:r>
               <a:rPr lang="en-US" altLang="zh-CN" sz="2000" kern="0" dirty="0" err="1">
                 <a:solidFill>
-                  <a:sysClr val="windowText" lastClr="000000"/>
+                  <a:srgbClr val="FF0000"/>
                 </a:solidFill>
                 <a:latin typeface="宋体" panose="02010600030101010101" pitchFamily="2" charset="-122"/>
                 <a:ea typeface="宋体" panose="02010600030101010101" pitchFamily="2" charset="-122"/>
@@ -9381,7 +9397,7 @@
             <a:r>
               <a:rPr lang="zh-CN" altLang="en-US" sz="2000" kern="0" dirty="0">
                 <a:solidFill>
-                  <a:sysClr val="windowText" lastClr="000000"/>
+                  <a:srgbClr val="FF0000"/>
                 </a:solidFill>
                 <a:latin typeface="宋体" panose="02010600030101010101" pitchFamily="2" charset="-122"/>
                 <a:ea typeface="宋体" panose="02010600030101010101" pitchFamily="2" charset="-122"/>
@@ -9389,6 +9405,9 @@
               <a:t>直接把本地方法栈和虚拟机栈合二为一</a:t>
             </a:r>
             <a:endParaRPr lang="zh-CN" altLang="en-US" sz="2000" dirty="0">
+              <a:solidFill>
+                <a:srgbClr val="FF0000"/>
+              </a:solidFill>
               <a:latin typeface="宋体" panose="02010600030101010101" pitchFamily="2" charset="-122"/>
               <a:ea typeface="宋体" panose="02010600030101010101" pitchFamily="2" charset="-122"/>
               <a:cs typeface="宋体" panose="02010600030101010101" pitchFamily="2" charset="-122"/>
@@ -9700,7 +9719,7 @@
         <p:spPr bwMode="auto">
           <a:xfrm>
             <a:off x="232061" y="1234460"/>
-            <a:ext cx="11383363" cy="3977838"/>
+            <a:ext cx="11383363" cy="4031956"/>
           </a:xfrm>
           <a:prstGeom prst="rect">
             <a:avLst/>
@@ -9746,7 +9765,24 @@
                 <a:latin typeface="微软雅黑" panose="020B0503020204020204" pitchFamily="34" charset="-122"/>
                 <a:ea typeface="微软雅黑" panose="020B0503020204020204" pitchFamily="34" charset="-122"/>
               </a:rPr>
-              <a:t>和以前）、元空间（</a:t>
+              <a:t>和以前）、</a:t>
+            </a:r>
+            <a:r>
+              <a:rPr lang="zh-CN" altLang="en-US" sz="2000" b="1" dirty="0">
+                <a:solidFill>
+                  <a:srgbClr val="FF0000"/>
+                </a:solidFill>
+                <a:latin typeface="微软雅黑" panose="020B0503020204020204" pitchFamily="34" charset="-122"/>
+                <a:ea typeface="微软雅黑" panose="020B0503020204020204" pitchFamily="34" charset="-122"/>
+              </a:rPr>
+              <a:t>元空间</a:t>
+            </a:r>
+            <a:r>
+              <a:rPr lang="zh-CN" altLang="en-US" sz="2000" b="1" dirty="0">
+                <a:latin typeface="微软雅黑" panose="020B0503020204020204" pitchFamily="34" charset="-122"/>
+                <a:ea typeface="微软雅黑" panose="020B0503020204020204" pitchFamily="34" charset="-122"/>
+              </a:rPr>
+              <a:t>（</a:t>
             </a:r>
             <a:r>
               <a:rPr lang="en-US" altLang="zh-CN" sz="2000" b="1" dirty="0">
@@ -9761,6 +9797,20 @@
                 <a:ea typeface="微软雅黑" panose="020B0503020204020204" pitchFamily="34" charset="-122"/>
               </a:rPr>
               <a:t>））</a:t>
+            </a:r>
+            <a:r>
+              <a:rPr lang="en-US" altLang="zh-CN" sz="2000" b="1" dirty="0">
+                <a:latin typeface="微软雅黑" panose="020B0503020204020204" pitchFamily="34" charset="-122"/>
+                <a:ea typeface="微软雅黑" panose="020B0503020204020204" pitchFamily="34" charset="-122"/>
+              </a:rPr>
+              <a:t>——</a:t>
+            </a:r>
+            <a:r>
+              <a:rPr lang="zh-CN" altLang="en-US" sz="2000" b="1" dirty="0">
+                <a:latin typeface="微软雅黑" panose="020B0503020204020204" pitchFamily="34" charset="-122"/>
+                <a:ea typeface="微软雅黑" panose="020B0503020204020204" pitchFamily="34" charset="-122"/>
+              </a:rPr>
+              <a:t>大部分时间不会涉及垃圾回收</a:t>
             </a:r>
             <a:endParaRPr lang="zh-CN" altLang="en-US" sz="2000" dirty="0">
               <a:latin typeface="微软雅黑" panose="020B0503020204020204" pitchFamily="34" charset="-122"/>
@@ -10029,11 +10079,19 @@
               </a:buClr>
             </a:pPr>
             <a:r>
-              <a:rPr lang="zh-CN" altLang="en-US" sz="1600" dirty="0"/>
+              <a:rPr lang="zh-CN" altLang="en-US" sz="2000" dirty="0">
+                <a:solidFill>
+                  <a:srgbClr val="FF0000"/>
+                </a:solidFill>
+              </a:rPr>
               <a:t>几乎所有的对象都是在堆中分配</a:t>
             </a:r>
             <a:r>
-              <a:rPr lang="en-US" altLang="zh-CN" sz="1600" dirty="0"/>
+              <a:rPr lang="en-US" altLang="zh-CN" sz="2000" dirty="0">
+                <a:solidFill>
+                  <a:srgbClr val="FF0000"/>
+                </a:solidFill>
+              </a:rPr>
               <a:t>.</a:t>
             </a:r>
           </a:p>
@@ -10398,6 +10456,20 @@
               </a:rPr>
               <a:t>运行时常量池</a:t>
             </a:r>
+            <a:r>
+              <a:rPr lang="en-US" altLang="zh-CN" sz="2000" b="1" dirty="0">
+                <a:latin typeface="微软雅黑" panose="020B0503020204020204" pitchFamily="34" charset="-122"/>
+                <a:ea typeface="微软雅黑" panose="020B0503020204020204" pitchFamily="34" charset="-122"/>
+              </a:rPr>
+              <a:t>——</a:t>
+            </a:r>
+            <a:r>
+              <a:rPr lang="zh-CN" altLang="en-US" sz="2000" b="1" dirty="0">
+                <a:latin typeface="微软雅黑" panose="020B0503020204020204" pitchFamily="34" charset="-122"/>
+                <a:ea typeface="微软雅黑" panose="020B0503020204020204" pitchFamily="34" charset="-122"/>
+              </a:rPr>
+              <a:t>一块区域，不是常量本身</a:t>
+            </a:r>
             <a:endParaRPr lang="en-US" altLang="zh-CN" sz="2000" b="1" dirty="0">
               <a:latin typeface="微软雅黑" panose="020B0503020204020204" pitchFamily="34" charset="-122"/>
               <a:ea typeface="微软雅黑" panose="020B0503020204020204" pitchFamily="34" charset="-122"/>
@@ -10563,10 +10635,18 @@
               <a:t>	</a:t>
             </a:r>
             <a:r>
-              <a:rPr lang="zh-CN" altLang="en-US" sz="1600" dirty="0"/>
+              <a:rPr lang="zh-CN" altLang="en-US" sz="2000" dirty="0">
+                <a:solidFill>
+                  <a:srgbClr val="FF0000"/>
+                </a:solidFill>
+              </a:rPr>
               <a:t>运行时常量池在堆中</a:t>
             </a:r>
-            <a:endParaRPr lang="en-US" altLang="zh-CN" sz="1600" dirty="0"/>
+            <a:endParaRPr lang="en-US" altLang="zh-CN" sz="2000" dirty="0">
+              <a:solidFill>
+                <a:srgbClr val="FF0000"/>
+              </a:solidFill>
+            </a:endParaRPr>
           </a:p>
           <a:p>
             <a:pPr marL="308610" lvl="1" indent="-308610">
@@ -10609,7 +10689,11 @@
               <a:t>(</a:t>
             </a:r>
             <a:r>
-              <a:rPr lang="zh-CN" altLang="en-US" sz="1600" dirty="0"/>
+              <a:rPr lang="zh-CN" altLang="en-US" sz="1600" dirty="0">
+                <a:solidFill>
+                  <a:srgbClr val="FF0000"/>
+                </a:solidFill>
+              </a:rPr>
               <a:t>空间大小只受制于机器的内存</a:t>
             </a:r>
             <a:r>
@@ -19049,42 +19133,6 @@
       </p:sp>
       <p:sp>
         <p:nvSpPr>
-          <p:cNvPr id="2" name="文本框 1">
-            <a:extLst>
-              <a:ext uri="{FF2B5EF4-FFF2-40B4-BE49-F238E27FC236}">
-                <a16:creationId xmlns:a16="http://schemas.microsoft.com/office/drawing/2014/main" id="{F708AEB8-6C0A-BE4E-A7E9-6F2532B78AB8}"/>
-              </a:ext>
-            </a:extLst>
-          </p:cNvPr>
-          <p:cNvSpPr txBox="1"/>
-          <p:nvPr/>
-        </p:nvSpPr>
-        <p:spPr>
-          <a:xfrm>
-            <a:off x="856646" y="4010025"/>
-            <a:ext cx="673582" cy="384721"/>
-          </a:xfrm>
-          <a:prstGeom prst="rect">
-            <a:avLst/>
-          </a:prstGeom>
-          <a:noFill/>
-        </p:spPr>
-        <p:txBody>
-          <a:bodyPr wrap="none" rtlCol="0">
-            <a:spAutoFit/>
-          </a:bodyPr>
-          <a:lstStyle/>
-          <a:p>
-            <a:r>
-              <a:rPr kumimoji="1" lang="en-US" altLang="zh-CN" dirty="0"/>
-              <a:t>OSGI</a:t>
-            </a:r>
-            <a:endParaRPr kumimoji="1" lang="zh-CN" altLang="en-US" dirty="0"/>
-          </a:p>
-        </p:txBody>
-      </p:sp>
-      <p:sp>
-        <p:nvSpPr>
           <p:cNvPr id="4" name="文本框 3">
             <a:extLst>
               <a:ext uri="{FF2B5EF4-FFF2-40B4-BE49-F238E27FC236}">
@@ -21225,7 +21273,7 @@
         <p:spPr>
           <a:xfrm>
             <a:off x="285519" y="3400255"/>
-            <a:ext cx="4877036" cy="2874660"/>
+            <a:ext cx="4877036" cy="4041503"/>
           </a:xfrm>
           <a:prstGeom prst="rect">
             <a:avLst/>
@@ -21287,7 +21335,7 @@
                 <a:ea typeface="宋体" panose="02010600030101010101" pitchFamily="2" charset="-122"/>
                 <a:cs typeface="宋体" panose="02010600030101010101" pitchFamily="2" charset="-122"/>
               </a:rPr>
-              <a:t>是多线程的，意味着线程切换</a:t>
+              <a:t>是多线程的，意味着线程需要进行上下文切换</a:t>
             </a:r>
             <a:endParaRPr lang="en-US" altLang="zh-CN" sz="2200" dirty="0">
               <a:latin typeface="宋体" panose="02010600030101010101" pitchFamily="2" charset="-122"/>
@@ -21312,7 +21360,7 @@
                 <a:ea typeface="宋体" panose="02010600030101010101" pitchFamily="2" charset="-122"/>
                 <a:cs typeface="宋体" panose="02010600030101010101" pitchFamily="2" charset="-122"/>
               </a:rPr>
-              <a:t>确保多线程情况下的程序正常执行</a:t>
+              <a:t>程序计数器确保多线程情况下的程序正常执行</a:t>
             </a:r>
             <a:endParaRPr lang="en-US" altLang="zh-CN" sz="2200" dirty="0">
               <a:latin typeface="宋体" panose="02010600030101010101" pitchFamily="2" charset="-122"/>

--- a/architect/jvm/1、虚拟机的前世今生，深入理解JVM内存区域.pptx
+++ b/architect/jvm/1、虚拟机的前世今生，深入理解JVM内存区域.pptx
@@ -11282,8 +11282,25 @@
                 <a:latin typeface="微软雅黑" panose="020B0503020204020204" pitchFamily="34" charset="-122"/>
                 <a:ea typeface="微软雅黑" panose="020B0503020204020204" pitchFamily="34" charset="-122"/>
               </a:rPr>
-              <a:t>直接管理不了的</a:t>
-            </a:r>
+              <a:t>规范</a:t>
+            </a:r>
+            <a:r>
+              <a:rPr lang="zh-CN" altLang="en-US" sz="2700">
+                <a:solidFill>
+                  <a:srgbClr val="1D69A3"/>
+                </a:solidFill>
+                <a:latin typeface="微软雅黑" panose="020B0503020204020204" pitchFamily="34" charset="-122"/>
+                <a:ea typeface="微软雅黑" panose="020B0503020204020204" pitchFamily="34" charset="-122"/>
+              </a:rPr>
+              <a:t>中没有定义</a:t>
+            </a:r>
+            <a:endParaRPr lang="zh-CN" altLang="en-US" sz="2700" dirty="0">
+              <a:solidFill>
+                <a:srgbClr val="1D69A3"/>
+              </a:solidFill>
+              <a:latin typeface="微软雅黑" panose="020B0503020204020204" pitchFamily="34" charset="-122"/>
+              <a:ea typeface="微软雅黑" panose="020B0503020204020204" pitchFamily="34" charset="-122"/>
+            </a:endParaRPr>
           </a:p>
         </p:txBody>
       </p:sp>

--- a/architect/jvm/1、虚拟机的前世今生，深入理解JVM内存区域.pptx
+++ b/architect/jvm/1、虚拟机的前世今生，深入理解JVM内存区域.pptx
@@ -5,28 +5,28 @@
     <p:sldMasterId id="2147483648" r:id="rId1"/>
   </p:sldMasterIdLst>
   <p:notesMasterIdLst>
-    <p:notesMasterId r:id="rId21"/>
+    <p:notesMasterId r:id="rId22"/>
   </p:notesMasterIdLst>
   <p:sldIdLst>
-    <p:sldId id="314" r:id="rId2"/>
-    <p:sldId id="324" r:id="rId3"/>
-    <p:sldId id="317" r:id="rId4"/>
-    <p:sldId id="292" r:id="rId5"/>
-    <p:sldId id="293" r:id="rId6"/>
-    <p:sldId id="295" r:id="rId7"/>
-    <p:sldId id="343" r:id="rId8"/>
-    <p:sldId id="344" r:id="rId9"/>
-    <p:sldId id="318" r:id="rId10"/>
-    <p:sldId id="319" r:id="rId11"/>
-    <p:sldId id="320" r:id="rId12"/>
-    <p:sldId id="345" r:id="rId13"/>
-    <p:sldId id="321" r:id="rId14"/>
-    <p:sldId id="322" r:id="rId15"/>
-    <p:sldId id="346" r:id="rId16"/>
-    <p:sldId id="302" r:id="rId17"/>
-    <p:sldId id="303" r:id="rId18"/>
-    <p:sldId id="304" r:id="rId19"/>
-    <p:sldId id="347" r:id="rId20"/>
+    <p:sldId id="314" r:id="rId3"/>
+    <p:sldId id="324" r:id="rId4"/>
+    <p:sldId id="317" r:id="rId5"/>
+    <p:sldId id="292" r:id="rId6"/>
+    <p:sldId id="293" r:id="rId7"/>
+    <p:sldId id="295" r:id="rId8"/>
+    <p:sldId id="343" r:id="rId9"/>
+    <p:sldId id="344" r:id="rId10"/>
+    <p:sldId id="318" r:id="rId11"/>
+    <p:sldId id="319" r:id="rId12"/>
+    <p:sldId id="320" r:id="rId13"/>
+    <p:sldId id="345" r:id="rId14"/>
+    <p:sldId id="321" r:id="rId15"/>
+    <p:sldId id="322" r:id="rId16"/>
+    <p:sldId id="346" r:id="rId17"/>
+    <p:sldId id="302" r:id="rId18"/>
+    <p:sldId id="303" r:id="rId19"/>
+    <p:sldId id="304" r:id="rId20"/>
+    <p:sldId id="347" r:id="rId21"/>
   </p:sldIdLst>
   <p:sldSz cx="11880850" cy="7921625"/>
   <p:notesSz cx="6858000" cy="9144000"/>
@@ -125,22 +125,6 @@
       </a:defRPr>
     </a:lvl9pPr>
   </p:defaultTextStyle>
-  <p:extLst>
-    <p:ext uri="{EFAFB233-063F-42B5-8137-9DF3F51BA10A}">
-      <p15:sldGuideLst xmlns:p15="http://schemas.microsoft.com/office/powerpoint/2012/main">
-        <p15:guide id="1" orient="horz" pos="2495">
-          <p15:clr>
-            <a:srgbClr val="A4A3A4"/>
-          </p15:clr>
-        </p15:guide>
-        <p15:guide id="2" pos="3742">
-          <p15:clr>
-            <a:srgbClr val="A4A3A4"/>
-          </p15:clr>
-        </p15:guide>
-      </p15:sldGuideLst>
-    </p:ext>
-  </p:extLst>
 </p:presentation>
 </file>
 
@@ -913,14 +897,14 @@
         <a:lstStyle/>
         <a:p>
           <a:r>
-            <a:rPr lang="zh-CN" altLang="en-US" dirty="0">
+            <a:rPr lang="zh-CN" altLang="en-US" dirty="0" smtClean="0">
               <a:solidFill>
                 <a:srgbClr val="FF0000"/>
               </a:solidFill>
             </a:rPr>
             <a:t>栈区</a:t>
           </a:r>
-          <a:endParaRPr lang="en-US" altLang="zh-CN" dirty="0">
+          <a:endParaRPr lang="en-US" altLang="zh-CN" dirty="0" smtClean="0">
             <a:solidFill>
               <a:srgbClr val="FF0000"/>
             </a:solidFill>
@@ -928,7 +912,7 @@
         </a:p>
       </dgm:t>
     </dgm:pt>
-    <dgm:pt modelId="{85237845-FFD5-4E06-9C37-07B270187D31}" type="parTrans" cxnId="{2CF3F545-03C4-4EBB-95C6-42C327C5DFB5}">
+    <dgm:pt modelId="{85237845-FFD5-4E06-9C37-07B270187D31}" cxnId="{2CF3F545-03C4-4EBB-95C6-42C327C5DFB5}" type="parTrans">
       <dgm:prSet/>
       <dgm:spPr/>
       <dgm:t>
@@ -939,7 +923,7 @@
         </a:p>
       </dgm:t>
     </dgm:pt>
-    <dgm:pt modelId="{F14251E8-CA6E-41C5-844C-CF5EB13542E2}" type="sibTrans" cxnId="{2CF3F545-03C4-4EBB-95C6-42C327C5DFB5}">
+    <dgm:pt modelId="{F14251E8-CA6E-41C5-844C-CF5EB13542E2}" cxnId="{2CF3F545-03C4-4EBB-95C6-42C327C5DFB5}" type="sibTrans">
       <dgm:prSet/>
       <dgm:spPr/>
       <dgm:t>
@@ -958,13 +942,14 @@
         <a:lstStyle/>
         <a:p>
           <a:r>
-            <a:rPr lang="zh-CN" altLang="en-US"/>
+            <a:rPr lang="zh-CN" altLang="en-US" smtClean="0"/>
             <a:t>本地内存</a:t>
           </a:r>
+          <a:endParaRPr lang="zh-CN" altLang="en-US"/>
         </a:p>
       </dgm:t>
     </dgm:pt>
-    <dgm:pt modelId="{362945DF-330F-4C68-BCBE-4F2C041B9A83}" type="parTrans" cxnId="{C02776F5-43B8-471F-8B0C-34CE63093CCD}">
+    <dgm:pt modelId="{362945DF-330F-4C68-BCBE-4F2C041B9A83}" cxnId="{C02776F5-43B8-471F-8B0C-34CE63093CCD}" type="parTrans">
       <dgm:prSet/>
       <dgm:spPr/>
       <dgm:t>
@@ -975,7 +960,7 @@
         </a:p>
       </dgm:t>
     </dgm:pt>
-    <dgm:pt modelId="{B3E72255-A2F1-4309-B651-B1BB078D3519}" type="sibTrans" cxnId="{C02776F5-43B8-471F-8B0C-34CE63093CCD}">
+    <dgm:pt modelId="{B3E72255-A2F1-4309-B651-B1BB078D3519}" cxnId="{C02776F5-43B8-471F-8B0C-34CE63093CCD}" type="sibTrans">
       <dgm:prSet/>
       <dgm:spPr/>
       <dgm:t>
@@ -1001,7 +986,7 @@
         <a:lstStyle/>
         <a:p>
           <a:r>
-            <a:rPr lang="zh-CN" altLang="en-US" dirty="0">
+            <a:rPr lang="zh-CN" altLang="en-US" dirty="0" smtClean="0">
               <a:solidFill>
                 <a:schemeClr val="accent6">
                   <a:lumMod val="50000"/>
@@ -1011,7 +996,7 @@
             <a:t>堆</a:t>
           </a:r>
           <a:r>
-            <a:rPr lang="en-US" altLang="zh-CN" dirty="0">
+            <a:rPr lang="en-US" altLang="zh-CN" dirty="0" smtClean="0">
               <a:solidFill>
                 <a:schemeClr val="accent6">
                   <a:lumMod val="50000"/>
@@ -1021,7 +1006,7 @@
             <a:t>+</a:t>
           </a:r>
           <a:r>
-            <a:rPr lang="zh-CN" altLang="en-US" dirty="0">
+            <a:rPr lang="zh-CN" altLang="en-US" dirty="0" smtClean="0">
               <a:solidFill>
                 <a:schemeClr val="accent6">
                   <a:lumMod val="50000"/>
@@ -1030,10 +1015,17 @@
             </a:rPr>
             <a:t>方法区</a:t>
           </a:r>
+          <a:endParaRPr lang="zh-CN" altLang="en-US" dirty="0">
+            <a:solidFill>
+              <a:schemeClr val="accent6">
+                <a:lumMod val="50000"/>
+              </a:schemeClr>
+            </a:solidFill>
+          </a:endParaRPr>
         </a:p>
       </dgm:t>
     </dgm:pt>
-    <dgm:pt modelId="{EF5F3930-A54B-4638-9918-B0EBFDD341C8}" type="parTrans" cxnId="{8C1711BF-313B-43E7-9DEC-26C4F4AEB6B7}">
+    <dgm:pt modelId="{EF5F3930-A54B-4638-9918-B0EBFDD341C8}" cxnId="{8C1711BF-313B-43E7-9DEC-26C4F4AEB6B7}" type="parTrans">
       <dgm:prSet/>
       <dgm:spPr/>
       <dgm:t>
@@ -1044,7 +1036,7 @@
         </a:p>
       </dgm:t>
     </dgm:pt>
-    <dgm:pt modelId="{ECFFAA5B-734A-4F5C-937C-E043FF5E07BD}" type="sibTrans" cxnId="{8C1711BF-313B-43E7-9DEC-26C4F4AEB6B7}">
+    <dgm:pt modelId="{ECFFAA5B-734A-4F5C-937C-E043FF5E07BD}" cxnId="{8C1711BF-313B-43E7-9DEC-26C4F4AEB6B7}" type="sibTrans">
       <dgm:prSet/>
       <dgm:spPr/>
       <dgm:t>
@@ -1068,6 +1060,13 @@
     <dgm:pt modelId="{BBAAD37F-4C5E-4903-880D-140331E63F12}" type="pres">
       <dgm:prSet presAssocID="{DC60C15C-B219-474B-8BB4-C8FBBEC0CF3E}" presName="wedge1" presStyleLbl="node1" presStyleIdx="0" presStyleCnt="3"/>
       <dgm:spPr/>
+      <dgm:t>
+        <a:bodyPr/>
+        <a:lstStyle/>
+        <a:p>
+          <a:endParaRPr lang="zh-CN" altLang="en-US"/>
+        </a:p>
+      </dgm:t>
     </dgm:pt>
     <dgm:pt modelId="{BBE6EB90-9800-42CE-8AE7-2F481FC87F7C}" type="pres">
       <dgm:prSet presAssocID="{DC60C15C-B219-474B-8BB4-C8FBBEC0CF3E}" presName="dummy1a" presStyleCnt="0"/>
@@ -1086,10 +1085,24 @@
         </dgm:presLayoutVars>
       </dgm:prSet>
       <dgm:spPr/>
+      <dgm:t>
+        <a:bodyPr/>
+        <a:lstStyle/>
+        <a:p>
+          <a:endParaRPr lang="zh-CN" altLang="en-US"/>
+        </a:p>
+      </dgm:t>
     </dgm:pt>
     <dgm:pt modelId="{44CDE89C-6F43-47D6-9738-74EFA898A27B}" type="pres">
       <dgm:prSet presAssocID="{DC60C15C-B219-474B-8BB4-C8FBBEC0CF3E}" presName="wedge2" presStyleLbl="node1" presStyleIdx="1" presStyleCnt="3"/>
       <dgm:spPr/>
+      <dgm:t>
+        <a:bodyPr/>
+        <a:lstStyle/>
+        <a:p>
+          <a:endParaRPr lang="zh-CN" altLang="en-US"/>
+        </a:p>
+      </dgm:t>
     </dgm:pt>
     <dgm:pt modelId="{C3BB0005-83DC-4F5D-A17A-11C58875F570}" type="pres">
       <dgm:prSet presAssocID="{DC60C15C-B219-474B-8BB4-C8FBBEC0CF3E}" presName="dummy2a" presStyleCnt="0"/>
@@ -1108,10 +1121,24 @@
         </dgm:presLayoutVars>
       </dgm:prSet>
       <dgm:spPr/>
+      <dgm:t>
+        <a:bodyPr/>
+        <a:lstStyle/>
+        <a:p>
+          <a:endParaRPr lang="zh-CN" altLang="en-US"/>
+        </a:p>
+      </dgm:t>
     </dgm:pt>
     <dgm:pt modelId="{D08C7EFE-69E0-4C7A-99E9-0B1A25E3ABB4}" type="pres">
       <dgm:prSet presAssocID="{DC60C15C-B219-474B-8BB4-C8FBBEC0CF3E}" presName="wedge3" presStyleLbl="node1" presStyleIdx="2" presStyleCnt="3"/>
       <dgm:spPr/>
+      <dgm:t>
+        <a:bodyPr/>
+        <a:lstStyle/>
+        <a:p>
+          <a:endParaRPr lang="zh-CN" altLang="en-US"/>
+        </a:p>
+      </dgm:t>
     </dgm:pt>
     <dgm:pt modelId="{231F2C04-AFB4-4D79-9366-C1398262DABA}" type="pres">
       <dgm:prSet presAssocID="{DC60C15C-B219-474B-8BB4-C8FBBEC0CF3E}" presName="dummy3a" presStyleCnt="0"/>
@@ -1130,6 +1157,13 @@
         </dgm:presLayoutVars>
       </dgm:prSet>
       <dgm:spPr/>
+      <dgm:t>
+        <a:bodyPr/>
+        <a:lstStyle/>
+        <a:p>
+          <a:endParaRPr lang="zh-CN" altLang="en-US"/>
+        </a:p>
+      </dgm:t>
     </dgm:pt>
     <dgm:pt modelId="{FDB9B5BA-0CA0-4699-A570-B2A72FC6AE46}" type="pres">
       <dgm:prSet presAssocID="{F14251E8-CA6E-41C5-844C-CF5EB13542E2}" presName="arrowWedge1" presStyleLbl="fgSibTrans2D1" presStyleIdx="0" presStyleCnt="3"/>
@@ -1145,16 +1179,16 @@
     </dgm:pt>
   </dgm:ptLst>
   <dgm:cxnLst>
+    <dgm:cxn modelId="{B614F2D7-0250-4FBD-8CEE-E85805DED4D6}" type="presOf" srcId="{456A26F6-854E-43D4-A0D3-3454A7604405}" destId="{BBAAD37F-4C5E-4903-880D-140331E63F12}" srcOrd="0" destOrd="0" presId="urn:microsoft.com/office/officeart/2005/8/layout/cycle8#1"/>
+    <dgm:cxn modelId="{3FDA74D0-1F0D-4723-8F31-63FF092E5192}" type="presOf" srcId="{F9CDEFC6-3340-470D-980F-A9AD8522C7DA}" destId="{D08C7EFE-69E0-4C7A-99E9-0B1A25E3ABB4}" srcOrd="0" destOrd="0" presId="urn:microsoft.com/office/officeart/2005/8/layout/cycle8#1"/>
+    <dgm:cxn modelId="{450CD58A-3D84-4AB7-AE9B-5CB3F9776887}" type="presOf" srcId="{F9CDEFC6-3340-470D-980F-A9AD8522C7DA}" destId="{92FE6840-8E14-423E-95EA-15C7E9C12BF1}" srcOrd="1" destOrd="0" presId="urn:microsoft.com/office/officeart/2005/8/layout/cycle8#1"/>
+    <dgm:cxn modelId="{03572A7F-10C4-43FF-89FE-C326394565A3}" type="presOf" srcId="{DC60C15C-B219-474B-8BB4-C8FBBEC0CF3E}" destId="{D3F4DAA7-3854-46E5-A99E-DFF77A32C685}" srcOrd="0" destOrd="0" presId="urn:microsoft.com/office/officeart/2005/8/layout/cycle8#1"/>
+    <dgm:cxn modelId="{C02776F5-43B8-471F-8B0C-34CE63093CCD}" srcId="{DC60C15C-B219-474B-8BB4-C8FBBEC0CF3E}" destId="{61578042-3FCE-4747-9971-9A101DE70980}" srcOrd="1" destOrd="0" parTransId="{362945DF-330F-4C68-BCBE-4F2C041B9A83}" sibTransId="{B3E72255-A2F1-4309-B651-B1BB078D3519}"/>
     <dgm:cxn modelId="{2CF3F545-03C4-4EBB-95C6-42C327C5DFB5}" srcId="{DC60C15C-B219-474B-8BB4-C8FBBEC0CF3E}" destId="{456A26F6-854E-43D4-A0D3-3454A7604405}" srcOrd="0" destOrd="0" parTransId="{85237845-FFD5-4E06-9C37-07B270187D31}" sibTransId="{F14251E8-CA6E-41C5-844C-CF5EB13542E2}"/>
+    <dgm:cxn modelId="{1F54D4B4-9FCA-4BF1-9DDA-36FB76652AD1}" type="presOf" srcId="{61578042-3FCE-4747-9971-9A101DE70980}" destId="{44CDE89C-6F43-47D6-9738-74EFA898A27B}" srcOrd="0" destOrd="0" presId="urn:microsoft.com/office/officeart/2005/8/layout/cycle8#1"/>
     <dgm:cxn modelId="{6B280570-4F56-4594-949F-3477FCD96810}" type="presOf" srcId="{456A26F6-854E-43D4-A0D3-3454A7604405}" destId="{261F8A2C-DAD0-4D25-B148-968DC9D342BA}" srcOrd="1" destOrd="0" presId="urn:microsoft.com/office/officeart/2005/8/layout/cycle8#1"/>
     <dgm:cxn modelId="{3D4C8576-1A3A-412E-A9A7-B94A969A6F4D}" type="presOf" srcId="{61578042-3FCE-4747-9971-9A101DE70980}" destId="{ECEBEE6C-F0A1-47B8-854A-9B7D74ADF8ED}" srcOrd="1" destOrd="0" presId="urn:microsoft.com/office/officeart/2005/8/layout/cycle8#1"/>
-    <dgm:cxn modelId="{03572A7F-10C4-43FF-89FE-C326394565A3}" type="presOf" srcId="{DC60C15C-B219-474B-8BB4-C8FBBEC0CF3E}" destId="{D3F4DAA7-3854-46E5-A99E-DFF77A32C685}" srcOrd="0" destOrd="0" presId="urn:microsoft.com/office/officeart/2005/8/layout/cycle8#1"/>
-    <dgm:cxn modelId="{450CD58A-3D84-4AB7-AE9B-5CB3F9776887}" type="presOf" srcId="{F9CDEFC6-3340-470D-980F-A9AD8522C7DA}" destId="{92FE6840-8E14-423E-95EA-15C7E9C12BF1}" srcOrd="1" destOrd="0" presId="urn:microsoft.com/office/officeart/2005/8/layout/cycle8#1"/>
-    <dgm:cxn modelId="{1F54D4B4-9FCA-4BF1-9DDA-36FB76652AD1}" type="presOf" srcId="{61578042-3FCE-4747-9971-9A101DE70980}" destId="{44CDE89C-6F43-47D6-9738-74EFA898A27B}" srcOrd="0" destOrd="0" presId="urn:microsoft.com/office/officeart/2005/8/layout/cycle8#1"/>
     <dgm:cxn modelId="{8C1711BF-313B-43E7-9DEC-26C4F4AEB6B7}" srcId="{DC60C15C-B219-474B-8BB4-C8FBBEC0CF3E}" destId="{F9CDEFC6-3340-470D-980F-A9AD8522C7DA}" srcOrd="2" destOrd="0" parTransId="{EF5F3930-A54B-4638-9918-B0EBFDD341C8}" sibTransId="{ECFFAA5B-734A-4F5C-937C-E043FF5E07BD}"/>
-    <dgm:cxn modelId="{3FDA74D0-1F0D-4723-8F31-63FF092E5192}" type="presOf" srcId="{F9CDEFC6-3340-470D-980F-A9AD8522C7DA}" destId="{D08C7EFE-69E0-4C7A-99E9-0B1A25E3ABB4}" srcOrd="0" destOrd="0" presId="urn:microsoft.com/office/officeart/2005/8/layout/cycle8#1"/>
-    <dgm:cxn modelId="{B614F2D7-0250-4FBD-8CEE-E85805DED4D6}" type="presOf" srcId="{456A26F6-854E-43D4-A0D3-3454A7604405}" destId="{BBAAD37F-4C5E-4903-880D-140331E63F12}" srcOrd="0" destOrd="0" presId="urn:microsoft.com/office/officeart/2005/8/layout/cycle8#1"/>
-    <dgm:cxn modelId="{C02776F5-43B8-471F-8B0C-34CE63093CCD}" srcId="{DC60C15C-B219-474B-8BB4-C8FBBEC0CF3E}" destId="{61578042-3FCE-4747-9971-9A101DE70980}" srcOrd="1" destOrd="0" parTransId="{362945DF-330F-4C68-BCBE-4F2C041B9A83}" sibTransId="{B3E72255-A2F1-4309-B651-B1BB078D3519}"/>
     <dgm:cxn modelId="{63EED5EF-FB70-4A3F-B05A-24A86CE5A3F5}" type="presParOf" srcId="{D3F4DAA7-3854-46E5-A99E-DFF77A32C685}" destId="{BBAAD37F-4C5E-4903-880D-140331E63F12}" srcOrd="0" destOrd="0" presId="urn:microsoft.com/office/officeart/2005/8/layout/cycle8#1"/>
     <dgm:cxn modelId="{6011E156-EC54-4C34-A7CA-C6F59946BEBF}" type="presParOf" srcId="{D3F4DAA7-3854-46E5-A99E-DFF77A32C685}" destId="{BBE6EB90-9800-42CE-8AE7-2F481FC87F7C}" srcOrd="1" destOrd="0" presId="urn:microsoft.com/office/officeart/2005/8/layout/cycle8#1"/>
     <dgm:cxn modelId="{816D39AE-292A-4BF7-8DB6-280320A60DA4}" type="presParOf" srcId="{D3F4DAA7-3854-46E5-A99E-DFF77A32C685}" destId="{53FF81AD-3480-4D05-81A0-56AB2B40B843}" srcOrd="2" destOrd="0" presId="urn:microsoft.com/office/officeart/2005/8/layout/cycle8#1"/>
@@ -1175,29 +1209,36 @@
   <dgm:whole/>
   <dgm:extLst>
     <a:ext uri="http://schemas.microsoft.com/office/drawing/2008/diagram">
-      <dsp:dataModelExt xmlns:dsp="http://schemas.microsoft.com/office/drawing/2008/diagram" relId="rId7" minVer="http://schemas.openxmlformats.org/drawingml/2006/diagram"/>
+      <dsp:dataModelExt xmlns:dsp="http://schemas.microsoft.com/office/drawing/2008/diagram" relId="rId6" minVer="http://schemas.openxmlformats.org/drawingml/2006/diagram"/>
     </a:ext>
   </dgm:extLst>
 </dgm:dataModel>
 </file>
 
 <file path=ppt/diagrams/drawing1.xml><?xml version="1.0" encoding="utf-8"?>
-<dsp:drawing xmlns:dgm="http://schemas.openxmlformats.org/drawingml/2006/diagram" xmlns:dsp="http://schemas.microsoft.com/office/drawing/2008/diagram" xmlns:a="http://schemas.openxmlformats.org/drawingml/2006/main">
+<dsp:drawing xmlns:dgm="http://schemas.openxmlformats.org/drawingml/2006/diagram" xmlns:dsp="http://schemas.microsoft.com/office/drawing/2008/diagram" xmlns:a="http://schemas.openxmlformats.org/drawingml/2006/main" xmlns:r="http://schemas.openxmlformats.org/officeDocument/2006/relationships">
   <dsp:spTree>
     <dsp:nvGrpSpPr>
-      <dsp:cNvPr id="0" name=""/>
+      <dsp:cNvPr id="2" name="组合 1"/>
       <dsp:cNvGrpSpPr/>
     </dsp:nvGrpSpPr>
-    <dsp:grpSpPr/>
-    <dsp:sp modelId="{BBAAD37F-4C5E-4903-880D-140331E63F12}">
+    <dsp:grpSpPr>
+      <a:xfrm>
+        <a:off x="0" y="0"/>
+        <a:ext cx="4901315" cy="4901315"/>
+        <a:chOff x="0" y="0"/>
+        <a:chExt cx="4901315" cy="4901315"/>
+      </a:xfrm>
+    </dsp:grpSpPr>
+    <dsp:sp>
       <dsp:nvSpPr>
-        <dsp:cNvPr id="0" name=""/>
+        <dsp:cNvPr id="3" name="饼形 2"/>
         <dsp:cNvSpPr/>
       </dsp:nvSpPr>
-      <dsp:spPr>
+      <dsp:spPr bwMode="white">
         <a:xfrm>
-          <a:off x="597878" y="318585"/>
-          <a:ext cx="4117104" cy="4117104"/>
+          <a:off x="597879" y="318585"/>
+          <a:ext cx="4117105" cy="4117105"/>
         </a:xfrm>
         <a:prstGeom prst="pie">
           <a:avLst>
@@ -1211,25 +1252,13 @@
             <a:lumOff val="60000"/>
           </a:schemeClr>
         </a:solidFill>
-        <a:ln w="25400" cap="flat" cmpd="sng" algn="ctr">
-          <a:solidFill>
-            <a:schemeClr val="lt1">
-              <a:hueOff val="0"/>
-              <a:satOff val="0"/>
-              <a:lumOff val="0"/>
-              <a:alphaOff val="0"/>
-            </a:schemeClr>
-          </a:solidFill>
-          <a:prstDash val="solid"/>
-        </a:ln>
-        <a:effectLst/>
       </dsp:spPr>
       <dsp:style>
         <a:lnRef idx="2">
-          <a:scrgbClr r="0" g="0" b="0"/>
+          <a:schemeClr val="lt1"/>
         </a:lnRef>
         <a:fillRef idx="1">
-          <a:scrgbClr r="0" g="0" b="0"/>
+          <a:schemeClr val="accent1"/>
         </a:fillRef>
         <a:effectRef idx="0">
           <a:scrgbClr r="0" g="0" b="0"/>
@@ -1239,14 +1268,40 @@
         </a:fontRef>
       </dsp:style>
       <dsp:txBody>
-        <a:bodyPr spcFirstLastPara="0" vert="horz" wrap="square" lIns="46990" tIns="46990" rIns="46990" bIns="46990" numCol="1" spcCol="1270" anchor="ctr" anchorCtr="0">
-          <a:noAutofit/>
-        </a:bodyPr>
-        <a:lstStyle/>
+        <a:bodyPr lIns="45720" tIns="45720" rIns="45720" bIns="45720" anchor="ctr"/>
+        <a:lstStyle>
+          <a:lvl1pPr algn="ctr">
+            <a:defRPr sz="3600"/>
+          </a:lvl1pPr>
+          <a:lvl2pPr marL="285750" indent="-285750" algn="ctr">
+            <a:defRPr sz="2800"/>
+          </a:lvl2pPr>
+          <a:lvl3pPr marL="571500" indent="-285750" algn="ctr">
+            <a:defRPr sz="2800"/>
+          </a:lvl3pPr>
+          <a:lvl4pPr marL="857250" indent="-285750" algn="ctr">
+            <a:defRPr sz="2800"/>
+          </a:lvl4pPr>
+          <a:lvl5pPr marL="1143000" indent="-285750" algn="ctr">
+            <a:defRPr sz="2800"/>
+          </a:lvl5pPr>
+          <a:lvl6pPr marL="1428750" indent="-285750" algn="ctr">
+            <a:defRPr sz="2800"/>
+          </a:lvl6pPr>
+          <a:lvl7pPr marL="1714500" indent="-285750" algn="ctr">
+            <a:defRPr sz="2800"/>
+          </a:lvl7pPr>
+          <a:lvl8pPr marL="2000250" indent="-285750" algn="ctr">
+            <a:defRPr sz="2800"/>
+          </a:lvl8pPr>
+          <a:lvl9pPr marL="2286000" indent="-285750" algn="ctr">
+            <a:defRPr sz="2800"/>
+          </a:lvl9pPr>
+        </a:lstStyle>
         <a:p>
-          <a:pPr marL="0" lvl="0" indent="0" algn="ctr" defTabSz="1644650">
+          <a:pPr lvl="0">
             <a:lnSpc>
-              <a:spcPct val="90000"/>
+              <a:spcPct val="100000"/>
             </a:lnSpc>
             <a:spcBef>
               <a:spcPct val="0"/>
@@ -1254,17 +1309,16 @@
             <a:spcAft>
               <a:spcPct val="35000"/>
             </a:spcAft>
-            <a:buNone/>
           </a:pPr>
           <a:r>
-            <a:rPr lang="zh-CN" altLang="en-US" sz="3700" kern="1200" dirty="0">
+            <a:rPr lang="zh-CN" altLang="en-US" dirty="0" smtClean="0">
               <a:solidFill>
                 <a:srgbClr val="FF0000"/>
               </a:solidFill>
             </a:rPr>
             <a:t>栈区</a:t>
           </a:r>
-          <a:endParaRPr lang="en-US" altLang="zh-CN" sz="3700" kern="1200" dirty="0">
+          <a:endParaRPr lang="en-US" altLang="zh-CN" dirty="0" smtClean="0">
             <a:solidFill>
               <a:srgbClr val="FF0000"/>
             </a:solidFill>
@@ -1272,19 +1326,19 @@
         </a:p>
       </dsp:txBody>
       <dsp:txXfrm>
-        <a:off x="2767691" y="1191019"/>
-        <a:ext cx="1470394" cy="1225328"/>
+        <a:off x="597879" y="318585"/>
+        <a:ext cx="4117105" cy="4117105"/>
       </dsp:txXfrm>
     </dsp:sp>
-    <dsp:sp modelId="{44CDE89C-6F43-47D6-9738-74EFA898A27B}">
+    <dsp:sp>
       <dsp:nvSpPr>
-        <dsp:cNvPr id="0" name=""/>
+        <dsp:cNvPr id="4" name="饼形 3"/>
         <dsp:cNvSpPr/>
       </dsp:nvSpPr>
-      <dsp:spPr>
+      <dsp:spPr bwMode="white">
         <a:xfrm>
-          <a:off x="513086" y="465624"/>
-          <a:ext cx="4117104" cy="4117104"/>
+          <a:off x="513086" y="465625"/>
+          <a:ext cx="4117105" cy="4117105"/>
         </a:xfrm>
         <a:prstGeom prst="pie">
           <a:avLst>
@@ -1292,33 +1346,13 @@
             <a:gd name="adj2" fmla="val 9000000"/>
           </a:avLst>
         </a:prstGeom>
-        <a:solidFill>
-          <a:schemeClr val="accent1">
-            <a:hueOff val="0"/>
-            <a:satOff val="0"/>
-            <a:lumOff val="0"/>
-            <a:alphaOff val="0"/>
-          </a:schemeClr>
-        </a:solidFill>
-        <a:ln w="25400" cap="flat" cmpd="sng" algn="ctr">
-          <a:solidFill>
-            <a:schemeClr val="lt1">
-              <a:hueOff val="0"/>
-              <a:satOff val="0"/>
-              <a:lumOff val="0"/>
-              <a:alphaOff val="0"/>
-            </a:schemeClr>
-          </a:solidFill>
-          <a:prstDash val="solid"/>
-        </a:ln>
-        <a:effectLst/>
       </dsp:spPr>
       <dsp:style>
         <a:lnRef idx="2">
-          <a:scrgbClr r="0" g="0" b="0"/>
+          <a:schemeClr val="lt1"/>
         </a:lnRef>
         <a:fillRef idx="1">
-          <a:scrgbClr r="0" g="0" b="0"/>
+          <a:schemeClr val="accent1"/>
         </a:fillRef>
         <a:effectRef idx="0">
           <a:scrgbClr r="0" g="0" b="0"/>
@@ -1328,14 +1362,40 @@
         </a:fontRef>
       </dsp:style>
       <dsp:txBody>
-        <a:bodyPr spcFirstLastPara="0" vert="horz" wrap="square" lIns="46990" tIns="46990" rIns="46990" bIns="46990" numCol="1" spcCol="1270" anchor="ctr" anchorCtr="0">
-          <a:noAutofit/>
-        </a:bodyPr>
-        <a:lstStyle/>
+        <a:bodyPr lIns="45720" tIns="45720" rIns="45720" bIns="45720" anchor="ctr"/>
+        <a:lstStyle>
+          <a:lvl1pPr algn="ctr">
+            <a:defRPr sz="3600"/>
+          </a:lvl1pPr>
+          <a:lvl2pPr marL="285750" indent="-285750" algn="ctr">
+            <a:defRPr sz="2800"/>
+          </a:lvl2pPr>
+          <a:lvl3pPr marL="571500" indent="-285750" algn="ctr">
+            <a:defRPr sz="2800"/>
+          </a:lvl3pPr>
+          <a:lvl4pPr marL="857250" indent="-285750" algn="ctr">
+            <a:defRPr sz="2800"/>
+          </a:lvl4pPr>
+          <a:lvl5pPr marL="1143000" indent="-285750" algn="ctr">
+            <a:defRPr sz="2800"/>
+          </a:lvl5pPr>
+          <a:lvl6pPr marL="1428750" indent="-285750" algn="ctr">
+            <a:defRPr sz="2800"/>
+          </a:lvl6pPr>
+          <a:lvl7pPr marL="1714500" indent="-285750" algn="ctr">
+            <a:defRPr sz="2800"/>
+          </a:lvl7pPr>
+          <a:lvl8pPr marL="2000250" indent="-285750" algn="ctr">
+            <a:defRPr sz="2800"/>
+          </a:lvl8pPr>
+          <a:lvl9pPr marL="2286000" indent="-285750" algn="ctr">
+            <a:defRPr sz="2800"/>
+          </a:lvl9pPr>
+        </a:lstStyle>
         <a:p>
-          <a:pPr marL="0" lvl="0" indent="0" algn="ctr" defTabSz="1644650">
+          <a:pPr lvl="0">
             <a:lnSpc>
-              <a:spcPct val="90000"/>
+              <a:spcPct val="100000"/>
             </a:lnSpc>
             <a:spcBef>
               <a:spcPct val="0"/>
@@ -1343,28 +1403,28 @@
             <a:spcAft>
               <a:spcPct val="35000"/>
             </a:spcAft>
-            <a:buNone/>
           </a:pPr>
           <a:r>
-            <a:rPr lang="zh-CN" altLang="en-US" sz="3700" kern="1200"/>
+            <a:rPr lang="zh-CN" altLang="en-US" smtClean="0"/>
             <a:t>本地内存</a:t>
           </a:r>
+          <a:endParaRPr lang="zh-CN" altLang="en-US"/>
         </a:p>
       </dsp:txBody>
       <dsp:txXfrm>
-        <a:off x="1493349" y="3136841"/>
-        <a:ext cx="2205591" cy="1078289"/>
+        <a:off x="513086" y="465625"/>
+        <a:ext cx="4117105" cy="4117105"/>
       </dsp:txXfrm>
     </dsp:sp>
-    <dsp:sp modelId="{D08C7EFE-69E0-4C7A-99E9-0B1A25E3ABB4}">
+    <dsp:sp>
       <dsp:nvSpPr>
-        <dsp:cNvPr id="0" name=""/>
+        <dsp:cNvPr id="5" name="饼形 4"/>
         <dsp:cNvSpPr/>
       </dsp:nvSpPr>
-      <dsp:spPr>
+      <dsp:spPr bwMode="white">
         <a:xfrm>
           <a:off x="428293" y="318585"/>
-          <a:ext cx="4117104" cy="4117104"/>
+          <a:ext cx="4117105" cy="4117105"/>
         </a:xfrm>
         <a:prstGeom prst="pie">
           <a:avLst>
@@ -1378,25 +1438,13 @@
             <a:lumOff val="50000"/>
           </a:schemeClr>
         </a:solidFill>
-        <a:ln w="25400" cap="flat" cmpd="sng" algn="ctr">
-          <a:solidFill>
-            <a:schemeClr val="lt1">
-              <a:hueOff val="0"/>
-              <a:satOff val="0"/>
-              <a:lumOff val="0"/>
-              <a:alphaOff val="0"/>
-            </a:schemeClr>
-          </a:solidFill>
-          <a:prstDash val="solid"/>
-        </a:ln>
-        <a:effectLst/>
       </dsp:spPr>
       <dsp:style>
         <a:lnRef idx="2">
-          <a:scrgbClr r="0" g="0" b="0"/>
+          <a:schemeClr val="lt1"/>
         </a:lnRef>
         <a:fillRef idx="1">
-          <a:scrgbClr r="0" g="0" b="0"/>
+          <a:schemeClr val="accent1"/>
         </a:fillRef>
         <a:effectRef idx="0">
           <a:scrgbClr r="0" g="0" b="0"/>
@@ -1406,14 +1454,40 @@
         </a:fontRef>
       </dsp:style>
       <dsp:txBody>
-        <a:bodyPr spcFirstLastPara="0" vert="horz" wrap="square" lIns="46990" tIns="46990" rIns="46990" bIns="46990" numCol="1" spcCol="1270" anchor="ctr" anchorCtr="0">
-          <a:noAutofit/>
-        </a:bodyPr>
-        <a:lstStyle/>
+        <a:bodyPr lIns="45720" tIns="45720" rIns="45720" bIns="45720" anchor="ctr"/>
+        <a:lstStyle>
+          <a:lvl1pPr algn="ctr">
+            <a:defRPr sz="3600"/>
+          </a:lvl1pPr>
+          <a:lvl2pPr marL="285750" indent="-285750" algn="ctr">
+            <a:defRPr sz="2800"/>
+          </a:lvl2pPr>
+          <a:lvl3pPr marL="571500" indent="-285750" algn="ctr">
+            <a:defRPr sz="2800"/>
+          </a:lvl3pPr>
+          <a:lvl4pPr marL="857250" indent="-285750" algn="ctr">
+            <a:defRPr sz="2800"/>
+          </a:lvl4pPr>
+          <a:lvl5pPr marL="1143000" indent="-285750" algn="ctr">
+            <a:defRPr sz="2800"/>
+          </a:lvl5pPr>
+          <a:lvl6pPr marL="1428750" indent="-285750" algn="ctr">
+            <a:defRPr sz="2800"/>
+          </a:lvl6pPr>
+          <a:lvl7pPr marL="1714500" indent="-285750" algn="ctr">
+            <a:defRPr sz="2800"/>
+          </a:lvl7pPr>
+          <a:lvl8pPr marL="2000250" indent="-285750" algn="ctr">
+            <a:defRPr sz="2800"/>
+          </a:lvl8pPr>
+          <a:lvl9pPr marL="2286000" indent="-285750" algn="ctr">
+            <a:defRPr sz="2800"/>
+          </a:lvl9pPr>
+        </a:lstStyle>
         <a:p>
-          <a:pPr marL="0" lvl="0" indent="0" algn="ctr" defTabSz="1644650">
+          <a:pPr lvl="0">
             <a:lnSpc>
-              <a:spcPct val="90000"/>
+              <a:spcPct val="100000"/>
             </a:lnSpc>
             <a:spcBef>
               <a:spcPct val="0"/>
@@ -1421,10 +1495,9 @@
             <a:spcAft>
               <a:spcPct val="35000"/>
             </a:spcAft>
-            <a:buNone/>
           </a:pPr>
           <a:r>
-            <a:rPr lang="zh-CN" altLang="en-US" sz="3700" kern="1200" dirty="0">
+            <a:rPr lang="zh-CN" altLang="en-US" dirty="0" smtClean="0">
               <a:solidFill>
                 <a:schemeClr val="accent6">
                   <a:lumMod val="50000"/>
@@ -1434,7 +1507,7 @@
             <a:t>堆</a:t>
           </a:r>
           <a:r>
-            <a:rPr lang="en-US" altLang="zh-CN" sz="3700" kern="1200" dirty="0">
+            <a:rPr lang="en-US" altLang="zh-CN" dirty="0" smtClean="0">
               <a:solidFill>
                 <a:schemeClr val="accent6">
                   <a:lumMod val="50000"/>
@@ -1444,7 +1517,7 @@
             <a:t>+</a:t>
           </a:r>
           <a:r>
-            <a:rPr lang="zh-CN" altLang="en-US" sz="3700" kern="1200" dirty="0">
+            <a:rPr lang="zh-CN" altLang="en-US" dirty="0" smtClean="0">
               <a:solidFill>
                 <a:schemeClr val="accent6">
                   <a:lumMod val="50000"/>
@@ -1453,52 +1526,50 @@
             </a:rPr>
             <a:t>方法区</a:t>
           </a:r>
+          <a:endParaRPr lang="zh-CN" altLang="en-US" dirty="0">
+            <a:solidFill>
+              <a:schemeClr val="accent6">
+                <a:lumMod val="50000"/>
+              </a:schemeClr>
+            </a:solidFill>
+          </a:endParaRPr>
         </a:p>
       </dsp:txBody>
       <dsp:txXfrm>
-        <a:off x="905191" y="1191019"/>
-        <a:ext cx="1470394" cy="1225328"/>
+        <a:off x="428293" y="318585"/>
+        <a:ext cx="4117105" cy="4117105"/>
       </dsp:txXfrm>
     </dsp:sp>
-    <dsp:sp modelId="{FDB9B5BA-0CA0-4699-A570-B2A72FC6AE46}">
+    <dsp:sp>
       <dsp:nvSpPr>
-        <dsp:cNvPr id="0" name=""/>
+        <dsp:cNvPr id="6" name="环形箭头 5"/>
         <dsp:cNvSpPr/>
       </dsp:nvSpPr>
-      <dsp:spPr>
+      <dsp:spPr bwMode="white">
         <a:xfrm>
-          <a:off x="343350" y="63717"/>
-          <a:ext cx="4626841" cy="4626841"/>
+          <a:off x="371778" y="92145"/>
+          <a:ext cx="4569986" cy="4569986"/>
         </a:xfrm>
         <a:prstGeom prst="circularArrow">
           <a:avLst>
-            <a:gd name="adj1" fmla="val 5085"/>
-            <a:gd name="adj2" fmla="val 327528"/>
-            <a:gd name="adj3" fmla="val 1472472"/>
+            <a:gd name="adj1" fmla="val 5000"/>
+            <a:gd name="adj2" fmla="val 360000"/>
+            <a:gd name="adj3" fmla="val 1440000"/>
             <a:gd name="adj4" fmla="val 16199432"/>
-            <a:gd name="adj5" fmla="val 5932"/>
+            <a:gd name="adj5" fmla="val 5500"/>
           </a:avLst>
         </a:prstGeom>
-        <a:solidFill>
-          <a:schemeClr val="accent1">
-            <a:tint val="60000"/>
-            <a:hueOff val="0"/>
-            <a:satOff val="0"/>
-            <a:lumOff val="0"/>
-            <a:alphaOff val="0"/>
-          </a:schemeClr>
-        </a:solidFill>
-        <a:ln>
-          <a:noFill/>
-        </a:ln>
-        <a:effectLst/>
       </dsp:spPr>
       <dsp:style>
         <a:lnRef idx="0">
-          <a:scrgbClr r="0" g="0" b="0"/>
+          <a:schemeClr val="accent1">
+            <a:tint val="60000"/>
+          </a:schemeClr>
         </a:lnRef>
         <a:fillRef idx="1">
-          <a:scrgbClr r="0" g="0" b="0"/>
+          <a:schemeClr val="accent1">
+            <a:tint val="60000"/>
+          </a:schemeClr>
         </a:fillRef>
         <a:effectRef idx="0">
           <a:scrgbClr r="0" g="0" b="0"/>
@@ -1507,46 +1578,41 @@
           <a:schemeClr val="lt1"/>
         </a:fontRef>
       </dsp:style>
+      <dsp:txXfrm>
+        <a:off x="371778" y="92145"/>
+        <a:ext cx="4569986" cy="4569986"/>
+      </dsp:txXfrm>
     </dsp:sp>
-    <dsp:sp modelId="{63392D2A-E74B-4992-8242-F21FC4B41FB9}">
+    <dsp:sp>
       <dsp:nvSpPr>
-        <dsp:cNvPr id="0" name=""/>
+        <dsp:cNvPr id="7" name="环形箭头 6"/>
         <dsp:cNvSpPr/>
       </dsp:nvSpPr>
-      <dsp:spPr>
+      <dsp:spPr bwMode="white">
         <a:xfrm>
-          <a:off x="258217" y="210496"/>
-          <a:ext cx="4626841" cy="4626841"/>
+          <a:off x="286645" y="238924"/>
+          <a:ext cx="4569986" cy="4569986"/>
         </a:xfrm>
         <a:prstGeom prst="circularArrow">
           <a:avLst>
-            <a:gd name="adj1" fmla="val 5085"/>
-            <a:gd name="adj2" fmla="val 327528"/>
-            <a:gd name="adj3" fmla="val 8671970"/>
+            <a:gd name="adj1" fmla="val 5000"/>
+            <a:gd name="adj2" fmla="val 360000"/>
+            <a:gd name="adj3" fmla="val 8639497"/>
             <a:gd name="adj4" fmla="val 1800502"/>
-            <a:gd name="adj5" fmla="val 5932"/>
+            <a:gd name="adj5" fmla="val 5500"/>
           </a:avLst>
         </a:prstGeom>
-        <a:solidFill>
-          <a:schemeClr val="accent1">
-            <a:tint val="60000"/>
-            <a:hueOff val="0"/>
-            <a:satOff val="0"/>
-            <a:lumOff val="0"/>
-            <a:alphaOff val="0"/>
-          </a:schemeClr>
-        </a:solidFill>
-        <a:ln>
-          <a:noFill/>
-        </a:ln>
-        <a:effectLst/>
       </dsp:spPr>
       <dsp:style>
         <a:lnRef idx="0">
-          <a:scrgbClr r="0" g="0" b="0"/>
+          <a:schemeClr val="accent1">
+            <a:tint val="60000"/>
+          </a:schemeClr>
         </a:lnRef>
         <a:fillRef idx="1">
-          <a:scrgbClr r="0" g="0" b="0"/>
+          <a:schemeClr val="accent1">
+            <a:tint val="60000"/>
+          </a:schemeClr>
         </a:fillRef>
         <a:effectRef idx="0">
           <a:scrgbClr r="0" g="0" b="0"/>
@@ -1555,46 +1621,41 @@
           <a:schemeClr val="lt1"/>
         </a:fontRef>
       </dsp:style>
+      <dsp:txXfrm>
+        <a:off x="286645" y="238924"/>
+        <a:ext cx="4569986" cy="4569986"/>
+      </dsp:txXfrm>
     </dsp:sp>
-    <dsp:sp modelId="{D2D5DCCF-6C25-4412-A78B-966154BE06E6}">
+    <dsp:sp>
       <dsp:nvSpPr>
-        <dsp:cNvPr id="0" name=""/>
+        <dsp:cNvPr id="8" name="环形箭头 7"/>
         <dsp:cNvSpPr/>
       </dsp:nvSpPr>
-      <dsp:spPr>
+      <dsp:spPr bwMode="white">
         <a:xfrm>
-          <a:off x="173085" y="63717"/>
-          <a:ext cx="4626841" cy="4626841"/>
+          <a:off x="201513" y="92145"/>
+          <a:ext cx="4569986" cy="4569986"/>
         </a:xfrm>
         <a:prstGeom prst="circularArrow">
           <a:avLst>
-            <a:gd name="adj1" fmla="val 5085"/>
-            <a:gd name="adj2" fmla="val 327528"/>
-            <a:gd name="adj3" fmla="val 15873039"/>
-            <a:gd name="adj4" fmla="val 9000000"/>
-            <a:gd name="adj5" fmla="val 5932"/>
+            <a:gd name="adj1" fmla="val 5000"/>
+            <a:gd name="adj2" fmla="val 360000"/>
+            <a:gd name="adj3" fmla="val 15840567"/>
+            <a:gd name="adj4" fmla="val 8999999"/>
+            <a:gd name="adj5" fmla="val 5500"/>
           </a:avLst>
         </a:prstGeom>
-        <a:solidFill>
-          <a:schemeClr val="accent1">
-            <a:tint val="60000"/>
-            <a:hueOff val="0"/>
-            <a:satOff val="0"/>
-            <a:lumOff val="0"/>
-            <a:alphaOff val="0"/>
-          </a:schemeClr>
-        </a:solidFill>
-        <a:ln>
-          <a:noFill/>
-        </a:ln>
-        <a:effectLst/>
       </dsp:spPr>
       <dsp:style>
         <a:lnRef idx="0">
-          <a:scrgbClr r="0" g="0" b="0"/>
+          <a:schemeClr val="accent1">
+            <a:tint val="60000"/>
+          </a:schemeClr>
         </a:lnRef>
         <a:fillRef idx="1">
-          <a:scrgbClr r="0" g="0" b="0"/>
+          <a:schemeClr val="accent1">
+            <a:tint val="60000"/>
+          </a:schemeClr>
         </a:fillRef>
         <a:effectRef idx="0">
           <a:scrgbClr r="0" g="0" b="0"/>
@@ -1603,6 +1664,10 @@
           <a:schemeClr val="lt1"/>
         </a:fontRef>
       </dsp:style>
+      <dsp:txXfrm>
+        <a:off x="201513" y="92145"/>
+        <a:ext cx="4569986" cy="4569986"/>
+      </dsp:txXfrm>
     </dsp:sp>
   </dsp:spTree>
 </dsp:drawing>
@@ -3384,7 +3449,6 @@
       <a:camera prst="orthographicFront"/>
       <a:lightRig rig="threePt" dir="t"/>
     </dgm:scene3d>
-    <dgm:sp3d/>
     <dgm:txPr/>
     <dgm:style>
       <a:lnRef idx="2">
@@ -3404,7 +3468,6 @@
       <a:camera prst="orthographicFront"/>
       <a:lightRig rig="threePt" dir="t"/>
     </dgm:scene3d>
-    <dgm:sp3d/>
     <dgm:txPr/>
     <dgm:style>
       <a:lnRef idx="2">
@@ -3424,7 +3487,6 @@
       <a:camera prst="orthographicFront"/>
       <a:lightRig rig="threePt" dir="t"/>
     </dgm:scene3d>
-    <dgm:sp3d/>
     <dgm:txPr/>
     <dgm:style>
       <a:lnRef idx="2">
@@ -3444,7 +3506,6 @@
       <a:camera prst="orthographicFront"/>
       <a:lightRig rig="threePt" dir="t"/>
     </dgm:scene3d>
-    <dgm:sp3d/>
     <dgm:txPr/>
     <dgm:style>
       <a:lnRef idx="2">
@@ -3466,7 +3527,6 @@
       <a:camera prst="orthographicFront"/>
       <a:lightRig rig="threePt" dir="t"/>
     </dgm:scene3d>
-    <dgm:sp3d/>
     <dgm:txPr/>
     <dgm:style>
       <a:lnRef idx="2">
@@ -3488,7 +3548,6 @@
       <a:camera prst="orthographicFront"/>
       <a:lightRig rig="threePt" dir="t"/>
     </dgm:scene3d>
-    <dgm:sp3d/>
     <dgm:txPr/>
     <dgm:style>
       <a:lnRef idx="2">
@@ -3510,7 +3569,6 @@
       <a:camera prst="orthographicFront"/>
       <a:lightRig rig="threePt" dir="t"/>
     </dgm:scene3d>
-    <dgm:sp3d/>
     <dgm:txPr/>
     <dgm:style>
       <a:lnRef idx="2">
@@ -3532,7 +3590,6 @@
       <a:camera prst="orthographicFront"/>
       <a:lightRig rig="threePt" dir="t"/>
     </dgm:scene3d>
-    <dgm:sp3d/>
     <dgm:txPr/>
     <dgm:style>
       <a:lnRef idx="2">
@@ -3554,7 +3611,6 @@
       <a:camera prst="orthographicFront"/>
       <a:lightRig rig="threePt" dir="t"/>
     </dgm:scene3d>
-    <dgm:sp3d/>
     <dgm:txPr/>
     <dgm:style>
       <a:lnRef idx="2">
@@ -3576,7 +3632,6 @@
       <a:camera prst="orthographicFront"/>
       <a:lightRig rig="threePt" dir="t"/>
     </dgm:scene3d>
-    <dgm:sp3d/>
     <dgm:txPr/>
     <dgm:style>
       <a:lnRef idx="2">
@@ -3596,7 +3651,6 @@
       <a:camera prst="orthographicFront"/>
       <a:lightRig rig="threePt" dir="t"/>
     </dgm:scene3d>
-    <dgm:sp3d/>
     <dgm:txPr/>
     <dgm:style>
       <a:lnRef idx="2">
@@ -3616,7 +3670,6 @@
       <a:camera prst="orthographicFront"/>
       <a:lightRig rig="threePt" dir="t"/>
     </dgm:scene3d>
-    <dgm:sp3d/>
     <dgm:txPr/>
     <dgm:style>
       <a:lnRef idx="2">
@@ -3636,7 +3689,6 @@
       <a:camera prst="orthographicFront"/>
       <a:lightRig rig="threePt" dir="t"/>
     </dgm:scene3d>
-    <dgm:sp3d/>
     <dgm:txPr/>
     <dgm:style>
       <a:lnRef idx="0">
@@ -3656,7 +3708,6 @@
       <a:camera prst="orthographicFront"/>
       <a:lightRig rig="threePt" dir="t"/>
     </dgm:scene3d>
-    <dgm:sp3d/>
     <dgm:txPr/>
     <dgm:style>
       <a:lnRef idx="0">
@@ -3678,7 +3729,6 @@
       <a:camera prst="orthographicFront"/>
       <a:lightRig rig="threePt" dir="t"/>
     </dgm:scene3d>
-    <dgm:sp3d/>
     <dgm:txPr/>
     <dgm:style>
       <a:lnRef idx="2">
@@ -3698,7 +3748,6 @@
       <a:camera prst="orthographicFront"/>
       <a:lightRig rig="threePt" dir="t"/>
     </dgm:scene3d>
-    <dgm:sp3d/>
     <dgm:txPr/>
     <dgm:style>
       <a:lnRef idx="2">
@@ -3718,7 +3767,6 @@
       <a:camera prst="orthographicFront"/>
       <a:lightRig rig="threePt" dir="t"/>
     </dgm:scene3d>
-    <dgm:sp3d/>
     <dgm:txPr/>
     <dgm:style>
       <a:lnRef idx="0">
@@ -3738,7 +3786,6 @@
       <a:camera prst="orthographicFront"/>
       <a:lightRig rig="threePt" dir="t"/>
     </dgm:scene3d>
-    <dgm:sp3d/>
     <dgm:txPr/>
     <dgm:style>
       <a:lnRef idx="2">
@@ -3758,7 +3805,6 @@
       <a:camera prst="orthographicFront"/>
       <a:lightRig rig="threePt" dir="t"/>
     </dgm:scene3d>
-    <dgm:sp3d/>
     <dgm:txPr/>
     <dgm:style>
       <a:lnRef idx="2">
@@ -3778,7 +3824,6 @@
       <a:camera prst="orthographicFront"/>
       <a:lightRig rig="threePt" dir="t"/>
     </dgm:scene3d>
-    <dgm:sp3d/>
     <dgm:txPr/>
     <dgm:style>
       <a:lnRef idx="2">
@@ -3798,7 +3843,6 @@
       <a:camera prst="orthographicFront"/>
       <a:lightRig rig="threePt" dir="t"/>
     </dgm:scene3d>
-    <dgm:sp3d/>
     <dgm:txPr/>
     <dgm:style>
       <a:lnRef idx="2">
@@ -3818,7 +3862,6 @@
       <a:camera prst="orthographicFront"/>
       <a:lightRig rig="threePt" dir="t"/>
     </dgm:scene3d>
-    <dgm:sp3d/>
     <dgm:txPr/>
     <dgm:style>
       <a:lnRef idx="2">
@@ -3838,7 +3881,6 @@
       <a:camera prst="orthographicFront"/>
       <a:lightRig rig="threePt" dir="t"/>
     </dgm:scene3d>
-    <dgm:sp3d/>
     <dgm:txPr/>
     <dgm:style>
       <a:lnRef idx="2">
@@ -3858,7 +3900,6 @@
       <a:camera prst="orthographicFront"/>
       <a:lightRig rig="threePt" dir="t"/>
     </dgm:scene3d>
-    <dgm:sp3d/>
     <dgm:txPr/>
     <dgm:style>
       <a:lnRef idx="2">
@@ -3878,7 +3919,6 @@
       <a:camera prst="orthographicFront"/>
       <a:lightRig rig="threePt" dir="t"/>
     </dgm:scene3d>
-    <dgm:sp3d/>
     <dgm:txPr/>
     <dgm:style>
       <a:lnRef idx="2">
@@ -3898,7 +3938,6 @@
       <a:camera prst="orthographicFront"/>
       <a:lightRig rig="threePt" dir="t"/>
     </dgm:scene3d>
-    <dgm:sp3d/>
     <dgm:txPr/>
     <dgm:style>
       <a:lnRef idx="0">
@@ -3920,7 +3959,6 @@
       <a:camera prst="orthographicFront"/>
       <a:lightRig rig="threePt" dir="t"/>
     </dgm:scene3d>
-    <dgm:sp3d/>
     <dgm:txPr/>
     <dgm:style>
       <a:lnRef idx="2">
@@ -3942,7 +3980,6 @@
       <a:camera prst="orthographicFront"/>
       <a:lightRig rig="threePt" dir="t"/>
     </dgm:scene3d>
-    <dgm:sp3d/>
     <dgm:txPr/>
     <dgm:style>
       <a:lnRef idx="2">
@@ -3964,7 +4001,6 @@
       <a:camera prst="orthographicFront"/>
       <a:lightRig rig="threePt" dir="t"/>
     </dgm:scene3d>
-    <dgm:sp3d/>
     <dgm:txPr/>
     <dgm:style>
       <a:lnRef idx="2">
@@ -3986,7 +4022,6 @@
       <a:camera prst="orthographicFront"/>
       <a:lightRig rig="threePt" dir="t"/>
     </dgm:scene3d>
-    <dgm:sp3d/>
     <dgm:txPr/>
     <dgm:style>
       <a:lnRef idx="2">
@@ -4008,7 +4043,6 @@
       <a:camera prst="orthographicFront"/>
       <a:lightRig rig="threePt" dir="t"/>
     </dgm:scene3d>
-    <dgm:sp3d/>
     <dgm:txPr/>
     <dgm:style>
       <a:lnRef idx="2">
@@ -4030,7 +4064,6 @@
       <a:camera prst="orthographicFront"/>
       <a:lightRig rig="threePt" dir="t"/>
     </dgm:scene3d>
-    <dgm:sp3d/>
     <dgm:txPr/>
     <dgm:style>
       <a:lnRef idx="2">
@@ -4052,7 +4085,6 @@
       <a:camera prst="orthographicFront"/>
       <a:lightRig rig="threePt" dir="t"/>
     </dgm:scene3d>
-    <dgm:sp3d/>
     <dgm:txPr/>
     <dgm:style>
       <a:lnRef idx="2">
@@ -4072,7 +4104,6 @@
       <a:camera prst="orthographicFront"/>
       <a:lightRig rig="threePt" dir="t"/>
     </dgm:scene3d>
-    <dgm:sp3d/>
     <dgm:txPr/>
     <dgm:style>
       <a:lnRef idx="2">
@@ -4092,7 +4123,6 @@
       <a:camera prst="orthographicFront"/>
       <a:lightRig rig="threePt" dir="t"/>
     </dgm:scene3d>
-    <dgm:sp3d/>
     <dgm:txPr/>
     <dgm:style>
       <a:lnRef idx="2">
@@ -4112,7 +4142,6 @@
       <a:camera prst="orthographicFront"/>
       <a:lightRig rig="threePt" dir="t"/>
     </dgm:scene3d>
-    <dgm:sp3d/>
     <dgm:txPr/>
     <dgm:style>
       <a:lnRef idx="2">
@@ -4132,7 +4161,6 @@
       <a:camera prst="orthographicFront"/>
       <a:lightRig rig="threePt" dir="t"/>
     </dgm:scene3d>
-    <dgm:sp3d/>
     <dgm:txPr/>
     <dgm:style>
       <a:lnRef idx="2">
@@ -4154,7 +4182,6 @@
       <a:camera prst="orthographicFront"/>
       <a:lightRig rig="threePt" dir="t"/>
     </dgm:scene3d>
-    <dgm:sp3d/>
     <dgm:txPr/>
     <dgm:style>
       <a:lnRef idx="2">
@@ -4176,7 +4203,6 @@
       <a:camera prst="orthographicFront"/>
       <a:lightRig rig="threePt" dir="t"/>
     </dgm:scene3d>
-    <dgm:sp3d/>
     <dgm:txPr/>
     <dgm:style>
       <a:lnRef idx="2">
@@ -4198,7 +4224,6 @@
       <a:camera prst="orthographicFront"/>
       <a:lightRig rig="threePt" dir="t"/>
     </dgm:scene3d>
-    <dgm:sp3d/>
     <dgm:txPr/>
     <dgm:style>
       <a:lnRef idx="2">
@@ -4220,7 +4245,6 @@
       <a:camera prst="orthographicFront"/>
       <a:lightRig rig="threePt" dir="t"/>
     </dgm:scene3d>
-    <dgm:sp3d/>
     <dgm:txPr/>
     <dgm:style>
       <a:lnRef idx="0">
@@ -4240,7 +4264,6 @@
       <a:camera prst="orthographicFront"/>
       <a:lightRig rig="threePt" dir="t"/>
     </dgm:scene3d>
-    <dgm:sp3d/>
     <dgm:txPr/>
     <dgm:style>
       <a:lnRef idx="1">
@@ -4260,7 +4283,6 @@
       <a:camera prst="orthographicFront"/>
       <a:lightRig rig="threePt" dir="t"/>
     </dgm:scene3d>
-    <dgm:sp3d/>
     <dgm:txPr/>
     <dgm:style>
       <a:lnRef idx="0">
@@ -4282,7 +4304,6 @@
       <a:camera prst="orthographicFront"/>
       <a:lightRig rig="threePt" dir="t"/>
     </dgm:scene3d>
-    <dgm:sp3d/>
     <dgm:txPr/>
     <dgm:style>
       <a:lnRef idx="2">
@@ -4302,7 +4323,6 @@
       <a:camera prst="orthographicFront"/>
       <a:lightRig rig="threePt" dir="t"/>
     </dgm:scene3d>
-    <dgm:sp3d/>
     <dgm:txPr/>
     <dgm:style>
       <a:lnRef idx="2">
@@ -4322,7 +4342,6 @@
       <a:camera prst="orthographicFront"/>
       <a:lightRig rig="threePt" dir="t"/>
     </dgm:scene3d>
-    <dgm:sp3d/>
     <dgm:txPr/>
     <dgm:style>
       <a:lnRef idx="2">
@@ -4342,7 +4361,6 @@
       <a:camera prst="orthographicFront"/>
       <a:lightRig rig="threePt" dir="t"/>
     </dgm:scene3d>
-    <dgm:sp3d/>
     <dgm:txPr/>
     <dgm:style>
       <a:lnRef idx="1">
@@ -4362,7 +4380,6 @@
       <a:camera prst="orthographicFront"/>
       <a:lightRig rig="threePt" dir="t"/>
     </dgm:scene3d>
-    <dgm:sp3d/>
     <dgm:txPr/>
     <dgm:style>
       <a:lnRef idx="0">
@@ -4382,7 +4399,6 @@
       <a:camera prst="orthographicFront"/>
       <a:lightRig rig="threePt" dir="t"/>
     </dgm:scene3d>
-    <dgm:sp3d/>
     <dgm:txPr/>
     <dgm:style>
       <a:lnRef idx="2">
@@ -4484,8 +4500,6 @@
           <a:p>
             <a:fld id="{5CE42986-7278-4353-98A2-826C12DEB039}" type="datetimeFigureOut">
               <a:rPr lang="zh-CN" altLang="en-US" smtClean="0"/>
-              <a:pPr/>
-              <a:t>2019/9/2</a:t>
             </a:fld>
             <a:endParaRPr lang="zh-CN" altLang="en-US"/>
           </a:p>
@@ -4552,6 +4566,7 @@
               <a:rPr lang="zh-CN" altLang="en-US"/>
               <a:t>编辑母版文本样式</a:t>
             </a:r>
+            <a:endParaRPr lang="zh-CN" altLang="en-US"/>
           </a:p>
           <a:p>
             <a:pPr lvl="1"/>
@@ -4559,6 +4574,7 @@
               <a:rPr lang="zh-CN" altLang="en-US"/>
               <a:t>第二级</a:t>
             </a:r>
+            <a:endParaRPr lang="zh-CN" altLang="en-US"/>
           </a:p>
           <a:p>
             <a:pPr lvl="2"/>
@@ -4566,6 +4582,7 @@
               <a:rPr lang="zh-CN" altLang="en-US"/>
               <a:t>第三级</a:t>
             </a:r>
+            <a:endParaRPr lang="zh-CN" altLang="en-US"/>
           </a:p>
           <a:p>
             <a:pPr lvl="3"/>
@@ -4573,6 +4590,7 @@
               <a:rPr lang="zh-CN" altLang="en-US"/>
               <a:t>第四级</a:t>
             </a:r>
+            <a:endParaRPr lang="zh-CN" altLang="en-US"/>
           </a:p>
           <a:p>
             <a:pPr lvl="4"/>
@@ -4580,6 +4598,7 @@
               <a:rPr lang="zh-CN" altLang="en-US"/>
               <a:t>第五级</a:t>
             </a:r>
+            <a:endParaRPr lang="zh-CN" altLang="en-US"/>
           </a:p>
         </p:txBody>
       </p:sp>
@@ -4643,8 +4662,6 @@
           <a:p>
             <a:fld id="{50286AFD-4707-4CD9-9835-ABA1131554EB}" type="slidenum">
               <a:rPr lang="zh-CN" altLang="en-US" smtClean="0"/>
-              <a:pPr/>
-              <a:t>‹#›</a:t>
             </a:fld>
             <a:endParaRPr lang="zh-CN" altLang="en-US"/>
           </a:p>
@@ -4792,8 +4809,6 @@
           <a:p>
             <a:fld id="{8035C5D1-AD16-4B01-871F-DE047A6CFB67}" type="datetimeFigureOut">
               <a:rPr lang="zh-CN" altLang="en-US" smtClean="0"/>
-              <a:pPr/>
-              <a:t>2019/9/2</a:t>
             </a:fld>
             <a:endParaRPr lang="zh-CN" altLang="en-US"/>
           </a:p>
@@ -4835,8 +4850,6 @@
           <a:p>
             <a:fld id="{8BCDE635-3FC4-4B83-A3D1-632FFA341E9A}" type="slidenum">
               <a:rPr lang="zh-CN" altLang="en-US" smtClean="0"/>
-              <a:pPr/>
-              <a:t>‹#›</a:t>
             </a:fld>
             <a:endParaRPr lang="zh-CN" altLang="en-US"/>
           </a:p>
@@ -5060,8 +5073,6 @@
           <a:p>
             <a:fld id="{F61BD0C8-D35A-439E-96FB-C8D4A6430554}" type="datetimeFigureOut">
               <a:rPr lang="zh-CN" altLang="en-US" smtClean="0"/>
-              <a:pPr/>
-              <a:t>2019/9/2</a:t>
             </a:fld>
             <a:endParaRPr lang="zh-CN" altLang="en-US"/>
           </a:p>
@@ -5103,8 +5114,6 @@
           <a:p>
             <a:fld id="{670F15A6-E82C-4E1E-834E-C415C51F7DF3}" type="slidenum">
               <a:rPr lang="zh-CN" altLang="en-US" smtClean="0"/>
-              <a:pPr/>
-              <a:t>‹#›</a:t>
             </a:fld>
             <a:endParaRPr lang="zh-CN" altLang="en-US"/>
           </a:p>
@@ -5368,6 +5377,7 @@
               <a:rPr lang="zh-CN" altLang="en-US"/>
               <a:t>单击此处编辑母版标题样式</a:t>
             </a:r>
+            <a:endParaRPr lang="zh-CN" altLang="en-US"/>
           </a:p>
         </p:txBody>
       </p:sp>
@@ -5401,6 +5411,7 @@
               <a:rPr lang="zh-CN" altLang="en-US"/>
               <a:t>单击此处编辑母版文本样式</a:t>
             </a:r>
+            <a:endParaRPr lang="zh-CN" altLang="en-US"/>
           </a:p>
           <a:p>
             <a:pPr lvl="1"/>
@@ -5408,6 +5419,7 @@
               <a:rPr lang="zh-CN" altLang="en-US"/>
               <a:t>第二级</a:t>
             </a:r>
+            <a:endParaRPr lang="zh-CN" altLang="en-US"/>
           </a:p>
           <a:p>
             <a:pPr lvl="2"/>
@@ -5415,6 +5427,7 @@
               <a:rPr lang="zh-CN" altLang="en-US"/>
               <a:t>第三级</a:t>
             </a:r>
+            <a:endParaRPr lang="zh-CN" altLang="en-US"/>
           </a:p>
           <a:p>
             <a:pPr lvl="3"/>
@@ -5422,6 +5435,7 @@
               <a:rPr lang="zh-CN" altLang="en-US"/>
               <a:t>第四级</a:t>
             </a:r>
+            <a:endParaRPr lang="zh-CN" altLang="en-US"/>
           </a:p>
           <a:p>
             <a:pPr lvl="4"/>
@@ -5429,6 +5443,7 @@
               <a:rPr lang="zh-CN" altLang="en-US"/>
               <a:t>第五级</a:t>
             </a:r>
+            <a:endParaRPr lang="zh-CN" altLang="en-US"/>
           </a:p>
         </p:txBody>
       </p:sp>
@@ -5467,8 +5482,6 @@
           <a:p>
             <a:fld id="{8035C5D1-AD16-4B01-871F-DE047A6CFB67}" type="datetimeFigureOut">
               <a:rPr lang="zh-CN" altLang="en-US" smtClean="0"/>
-              <a:pPr/>
-              <a:t>2019/9/2</a:t>
             </a:fld>
             <a:endParaRPr lang="zh-CN" altLang="en-US"/>
           </a:p>
@@ -5546,8 +5559,6 @@
           <a:p>
             <a:fld id="{8BCDE635-3FC4-4B83-A3D1-632FFA341E9A}" type="slidenum">
               <a:rPr lang="zh-CN" altLang="en-US" smtClean="0"/>
-              <a:pPr/>
-              <a:t>‹#›</a:t>
             </a:fld>
             <a:endParaRPr lang="zh-CN" altLang="en-US"/>
           </a:p>
@@ -5584,7 +5595,7 @@
         <a:spcBef>
           <a:spcPct val="20000"/>
         </a:spcBef>
-        <a:buFont typeface="Arial" panose="020B0604020202020204" pitchFamily="34" charset="0"/>
+        <a:buFont typeface="Arial" panose="020B0604020202090204" pitchFamily="34" charset="0"/>
         <a:buChar char="•"/>
         <a:defRPr sz="4400" kern="1200">
           <a:solidFill>
@@ -5599,7 +5610,7 @@
         <a:spcBef>
           <a:spcPct val="20000"/>
         </a:spcBef>
-        <a:buFont typeface="Arial" panose="020B0604020202020204" pitchFamily="34" charset="0"/>
+        <a:buFont typeface="Arial" panose="020B0604020202090204" pitchFamily="34" charset="0"/>
         <a:buChar char="–"/>
         <a:defRPr sz="3800" kern="1200">
           <a:solidFill>
@@ -5614,7 +5625,7 @@
         <a:spcBef>
           <a:spcPct val="20000"/>
         </a:spcBef>
-        <a:buFont typeface="Arial" panose="020B0604020202020204" pitchFamily="34" charset="0"/>
+        <a:buFont typeface="Arial" panose="020B0604020202090204" pitchFamily="34" charset="0"/>
         <a:buChar char="•"/>
         <a:defRPr sz="3300" kern="1200">
           <a:solidFill>
@@ -5629,7 +5640,7 @@
         <a:spcBef>
           <a:spcPct val="20000"/>
         </a:spcBef>
-        <a:buFont typeface="Arial" panose="020B0604020202020204" pitchFamily="34" charset="0"/>
+        <a:buFont typeface="Arial" panose="020B0604020202090204" pitchFamily="34" charset="0"/>
         <a:buChar char="–"/>
         <a:defRPr sz="2700" kern="1200">
           <a:solidFill>
@@ -5644,7 +5655,7 @@
         <a:spcBef>
           <a:spcPct val="20000"/>
         </a:spcBef>
-        <a:buFont typeface="Arial" panose="020B0604020202020204" pitchFamily="34" charset="0"/>
+        <a:buFont typeface="Arial" panose="020B0604020202090204" pitchFamily="34" charset="0"/>
         <a:buChar char="»"/>
         <a:defRPr sz="2700" kern="1200">
           <a:solidFill>
@@ -5659,7 +5670,7 @@
         <a:spcBef>
           <a:spcPct val="20000"/>
         </a:spcBef>
-        <a:buFont typeface="Arial" panose="020B0604020202020204" pitchFamily="34" charset="0"/>
+        <a:buFont typeface="Arial" panose="020B0604020202090204" pitchFamily="34" charset="0"/>
         <a:buChar char="•"/>
         <a:defRPr sz="2700" kern="1200">
           <a:solidFill>
@@ -5674,7 +5685,7 @@
         <a:spcBef>
           <a:spcPct val="20000"/>
         </a:spcBef>
-        <a:buFont typeface="Arial" panose="020B0604020202020204" pitchFamily="34" charset="0"/>
+        <a:buFont typeface="Arial" panose="020B0604020202090204" pitchFamily="34" charset="0"/>
         <a:buChar char="•"/>
         <a:defRPr sz="2700" kern="1200">
           <a:solidFill>
@@ -5689,7 +5700,7 @@
         <a:spcBef>
           <a:spcPct val="20000"/>
         </a:spcBef>
-        <a:buFont typeface="Arial" panose="020B0604020202020204" pitchFamily="34" charset="0"/>
+        <a:buFont typeface="Arial" panose="020B0604020202090204" pitchFamily="34" charset="0"/>
         <a:buChar char="•"/>
         <a:defRPr sz="2700" kern="1200">
           <a:solidFill>
@@ -5704,7 +5715,7 @@
         <a:spcBef>
           <a:spcPct val="20000"/>
         </a:spcBef>
-        <a:buFont typeface="Arial" panose="020B0604020202020204" pitchFamily="34" charset="0"/>
+        <a:buFont typeface="Arial" panose="020B0604020202090204" pitchFamily="34" charset="0"/>
         <a:buChar char="•"/>
         <a:defRPr sz="2700" kern="1200">
           <a:solidFill>
@@ -5864,7 +5875,7 @@
               </a:lnSpc>
             </a:pPr>
             <a:r>
-              <a:rPr lang="zh-CN" altLang="en-US" sz="3700" dirty="0">
+              <a:rPr lang="zh-CN" altLang="en-US" sz="3700" dirty="0" smtClean="0">
                 <a:ln w="6350">
                   <a:noFill/>
                 </a:ln>
@@ -5874,6 +5885,14 @@
               </a:rPr>
               <a:t>虚拟机的前世今生</a:t>
             </a:r>
+            <a:endParaRPr lang="zh-CN" altLang="en-US" sz="3700" dirty="0" smtClean="0">
+              <a:ln w="6350">
+                <a:noFill/>
+              </a:ln>
+              <a:latin typeface="微软雅黑" panose="020B0503020204020204" pitchFamily="34" charset="-122"/>
+              <a:ea typeface="微软雅黑" panose="020B0503020204020204" pitchFamily="34" charset="-122"/>
+              <a:sym typeface="+mn-ea"/>
+            </a:endParaRPr>
           </a:p>
           <a:p>
             <a:pPr algn="ctr" defTabSz="1217295">
@@ -5882,7 +5901,7 @@
               </a:lnSpc>
             </a:pPr>
             <a:r>
-              <a:rPr lang="zh-CN" altLang="en-US" sz="3700" dirty="0">
+              <a:rPr lang="zh-CN" altLang="en-US" sz="3700" dirty="0" smtClean="0">
                 <a:ln w="6350">
                   <a:noFill/>
                 </a:ln>
@@ -5893,7 +5912,7 @@
               <a:t>深入理解</a:t>
             </a:r>
             <a:r>
-              <a:rPr lang="en-US" altLang="zh-CN" sz="3700" dirty="0">
+              <a:rPr lang="en-US" altLang="zh-CN" sz="3700" dirty="0" smtClean="0">
                 <a:ln w="6350">
                   <a:noFill/>
                 </a:ln>
@@ -5904,7 +5923,7 @@
               <a:t>JVM</a:t>
             </a:r>
             <a:r>
-              <a:rPr lang="zh-CN" altLang="en-US" sz="3700" dirty="0">
+              <a:rPr lang="zh-CN" altLang="en-US" sz="3700" dirty="0" smtClean="0">
                 <a:ln w="6350">
                   <a:noFill/>
                 </a:ln>
@@ -5914,7 +5933,7 @@
               </a:rPr>
               <a:t>内存区域</a:t>
             </a:r>
-            <a:endParaRPr lang="en-US" altLang="zh-CN" sz="3700" dirty="0">
+            <a:endParaRPr lang="en-US" altLang="zh-CN" sz="3700" dirty="0" smtClean="0">
               <a:ln w="6350">
                 <a:noFill/>
               </a:ln>
@@ -6099,18 +6118,35 @@
                 <a:latin typeface="微软雅黑" panose="020B0503020204020204" pitchFamily="34" charset="-122"/>
                 <a:ea typeface="微软雅黑" panose="020B0503020204020204" pitchFamily="34" charset="-122"/>
               </a:rPr>
-              <a:t>主讲老师：</a:t>
-            </a:r>
-            <a:r>
-              <a:rPr lang="en-US" altLang="zh-CN" sz="2400" b="1" dirty="0">
+              <a:t>主讲</a:t>
+            </a:r>
+            <a:r>
+              <a:rPr lang="zh-CN" altLang="en-US" sz="2400" b="1" dirty="0" smtClean="0">
                 <a:solidFill>
                   <a:srgbClr val="FF0000"/>
                 </a:solidFill>
                 <a:latin typeface="微软雅黑" panose="020B0503020204020204" pitchFamily="34" charset="-122"/>
                 <a:ea typeface="微软雅黑" panose="020B0503020204020204" pitchFamily="34" charset="-122"/>
               </a:rPr>
+              <a:t>老师：</a:t>
+            </a:r>
+            <a:r>
+              <a:rPr lang="en-US" altLang="zh-CN" sz="2400" b="1" dirty="0" smtClean="0">
+                <a:solidFill>
+                  <a:srgbClr val="FF0000"/>
+                </a:solidFill>
+                <a:latin typeface="微软雅黑" panose="020B0503020204020204" pitchFamily="34" charset="-122"/>
+                <a:ea typeface="微软雅黑" panose="020B0503020204020204" pitchFamily="34" charset="-122"/>
+              </a:rPr>
               <a:t>King</a:t>
             </a:r>
+            <a:endParaRPr lang="en-US" altLang="zh-CN" sz="2400" b="1" dirty="0" smtClean="0">
+              <a:solidFill>
+                <a:srgbClr val="FF0000"/>
+              </a:solidFill>
+              <a:latin typeface="微软雅黑" panose="020B0503020204020204" pitchFamily="34" charset="-122"/>
+              <a:ea typeface="微软雅黑" panose="020B0503020204020204" pitchFamily="34" charset="-122"/>
+            </a:endParaRPr>
           </a:p>
         </p:txBody>
       </p:sp>
@@ -6454,7 +6490,7 @@
           <p:nvPr/>
         </p:nvPicPr>
         <p:blipFill>
-          <a:blip r:embed="rId6">
+          <a:blip r:embed="rId5">
             <a:extLst>
               <a:ext uri="{28A0092B-C50C-407E-A947-70E740481C1C}">
                 <a14:useLocalDpi xmlns:a14="http://schemas.microsoft.com/office/drawing/2010/main" val="0"/>
@@ -6508,7 +6544,7 @@
           <p:nvPr/>
         </p:nvPicPr>
         <p:blipFill>
-          <a:blip r:embed="rId7"/>
+          <a:blip r:embed="rId6"/>
           <a:srcRect/>
           <a:stretch>
             <a:fillRect/>
@@ -6530,13 +6566,13 @@
   <p:clrMapOvr>
     <a:masterClrMapping/>
   </p:clrMapOvr>
-  <mc:AlternateContent xmlns:mc="http://schemas.openxmlformats.org/markup-compatibility/2006" xmlns:p14="http://schemas.microsoft.com/office/powerpoint/2010/main">
-    <mc:Choice Requires="p14">
+  <mc:AlternateContent xmlns:mc="http://schemas.openxmlformats.org/markup-compatibility/2006">
+    <mc:Choice xmlns:p14="http://schemas.microsoft.com/office/powerpoint/2010/main" Requires="p14">
       <p:transition spd="slow" p14:dur="1500">
         <p:random/>
       </p:transition>
     </mc:Choice>
-    <mc:Fallback xmlns="">
+    <mc:Fallback>
       <p:transition spd="slow">
         <p:random/>
       </p:transition>
@@ -7080,7 +7116,7 @@
           <a:p>
             <a:pPr defTabSz="1341120"/>
             <a:r>
-              <a:rPr lang="zh-CN" altLang="en-US" sz="2900" dirty="0">
+              <a:rPr lang="zh-CN" altLang="en-US" sz="2900" dirty="0" smtClean="0">
                 <a:solidFill>
                   <a:srgbClr val="1D69A3"/>
                 </a:solidFill>
@@ -7089,6 +7125,13 @@
               </a:rPr>
               <a:t>栈</a:t>
             </a:r>
+            <a:endParaRPr lang="zh-CN" altLang="en-US" sz="2900" dirty="0" smtClean="0">
+              <a:solidFill>
+                <a:srgbClr val="1D69A3"/>
+              </a:solidFill>
+              <a:latin typeface="微软雅黑" panose="020B0503020204020204" pitchFamily="34" charset="-122"/>
+              <a:ea typeface="微软雅黑" panose="020B0503020204020204" pitchFamily="34" charset="-122"/>
+            </a:endParaRPr>
           </a:p>
         </p:txBody>
       </p:sp>
@@ -7145,12 +7188,16 @@
               <a:t>Stack</a:t>
             </a:r>
             <a:r>
-              <a:rPr lang="zh-CN" altLang="en-US" sz="2200" dirty="0">
+              <a:rPr lang="zh-CN" altLang="en-US" sz="2200" dirty="0" smtClean="0">
                 <a:latin typeface="微软雅黑" panose="020B0503020204020204" pitchFamily="34" charset="-122"/>
                 <a:ea typeface="微软雅黑" panose="020B0503020204020204" pitchFamily="34" charset="-122"/>
               </a:rPr>
               <a:t>）：数据结构</a:t>
             </a:r>
+            <a:endParaRPr lang="zh-CN" altLang="en-US" sz="2200" dirty="0">
+              <a:latin typeface="微软雅黑" panose="020B0503020204020204" pitchFamily="34" charset="-122"/>
+              <a:ea typeface="微软雅黑" panose="020B0503020204020204" pitchFamily="34" charset="-122"/>
+            </a:endParaRPr>
           </a:p>
           <a:p>
             <a:pPr marL="377190" indent="-377190">
@@ -7173,6 +7220,13 @@
               </a:rPr>
               <a:t> 入口和出口只有一个</a:t>
             </a:r>
+            <a:endParaRPr lang="zh-CN" altLang="en-US" dirty="0">
+              <a:solidFill>
+                <a:schemeClr val="tx1"/>
+              </a:solidFill>
+              <a:latin typeface="微软雅黑" panose="020B0503020204020204" pitchFamily="34" charset="-122"/>
+              <a:ea typeface="微软雅黑" panose="020B0503020204020204" pitchFamily="34" charset="-122"/>
+            </a:endParaRPr>
           </a:p>
           <a:p>
             <a:pPr marL="377190" indent="-377190">
@@ -7195,6 +7249,13 @@
               </a:rPr>
               <a:t>入栈</a:t>
             </a:r>
+            <a:endParaRPr lang="zh-CN" altLang="en-US" dirty="0">
+              <a:solidFill>
+                <a:schemeClr val="tx1"/>
+              </a:solidFill>
+              <a:latin typeface="微软雅黑" panose="020B0503020204020204" pitchFamily="34" charset="-122"/>
+              <a:ea typeface="微软雅黑" panose="020B0503020204020204" pitchFamily="34" charset="-122"/>
+            </a:endParaRPr>
           </a:p>
           <a:p>
             <a:pPr marL="377190" indent="-377190">
@@ -7257,13 +7318,18 @@
               <a:buChar char="n"/>
             </a:pPr>
             <a:r>
-              <a:rPr lang="zh-CN" altLang="en-US" sz="2200" b="1" dirty="0">
+              <a:rPr lang="zh-CN" altLang="en-US" sz="2200" b="1" dirty="0" smtClean="0">
                 <a:latin typeface="宋体" panose="02010600030101010101" pitchFamily="2" charset="-122"/>
                 <a:ea typeface="宋体" panose="02010600030101010101" pitchFamily="2" charset="-122"/>
                 <a:cs typeface="宋体" panose="02010600030101010101" pitchFamily="2" charset="-122"/>
               </a:rPr>
               <a:t>特点</a:t>
             </a:r>
+            <a:endParaRPr lang="zh-CN" altLang="en-US" sz="2200" b="1" dirty="0" smtClean="0">
+              <a:latin typeface="宋体" panose="02010600030101010101" pitchFamily="2" charset="-122"/>
+              <a:ea typeface="宋体" panose="02010600030101010101" pitchFamily="2" charset="-122"/>
+              <a:cs typeface="宋体" panose="02010600030101010101" pitchFamily="2" charset="-122"/>
+            </a:endParaRPr>
           </a:p>
           <a:p>
             <a:pPr>
@@ -7275,19 +7341,31 @@
               </a:buClr>
             </a:pPr>
             <a:r>
+              <a:rPr lang="zh-CN" altLang="en-US" sz="2200" dirty="0" smtClean="0">
+                <a:sym typeface="+mn-ea"/>
+              </a:rPr>
+              <a:t>先</a:t>
+            </a:r>
+            <a:r>
               <a:rPr lang="zh-CN" altLang="en-US" sz="2200" dirty="0">
                 <a:sym typeface="+mn-ea"/>
               </a:rPr>
-              <a:t>先进后出（</a:t>
-            </a:r>
-            <a:r>
-              <a:rPr lang="en-US" altLang="zh-CN" sz="2200" dirty="0">
+              <a:t>进后</a:t>
+            </a:r>
+            <a:r>
+              <a:rPr lang="zh-CN" altLang="en-US" sz="2200" dirty="0" smtClean="0">
                 <a:sym typeface="+mn-ea"/>
               </a:rPr>
+              <a:t>出（</a:t>
+            </a:r>
+            <a:r>
+              <a:rPr lang="en-US" altLang="zh-CN" sz="2200" dirty="0" smtClean="0">
+                <a:sym typeface="+mn-ea"/>
+              </a:rPr>
               <a:t>FIL0</a:t>
             </a:r>
             <a:r>
-              <a:rPr lang="zh-CN" altLang="en-US" sz="2200" dirty="0">
+              <a:rPr lang="zh-CN" altLang="en-US" sz="2200" dirty="0" smtClean="0">
                 <a:sym typeface="+mn-ea"/>
               </a:rPr>
               <a:t>）</a:t>
@@ -7305,7 +7383,7 @@
           <p:nvPr/>
         </p:nvPicPr>
         <p:blipFill>
-          <a:blip r:embed="rId3" cstate="print"/>
+          <a:blip r:embed="rId2" cstate="print"/>
           <a:srcRect/>
           <a:stretch>
             <a:fillRect/>
@@ -7359,13 +7437,14 @@
           <a:p>
             <a:pPr algn="ctr"/>
             <a:r>
-              <a:rPr lang="en-US" altLang="zh-CN" dirty="0"/>
+              <a:rPr lang="en-US" altLang="zh-CN" dirty="0" smtClean="0"/>
               <a:t>C</a:t>
             </a:r>
             <a:r>
-              <a:rPr lang="zh-CN" altLang="en-US" dirty="0"/>
+              <a:rPr lang="zh-CN" altLang="en-US" dirty="0" smtClean="0"/>
               <a:t>方法</a:t>
             </a:r>
+            <a:endParaRPr lang="zh-CN" altLang="en-US" dirty="0"/>
           </a:p>
         </p:txBody>
       </p:sp>
@@ -7486,13 +7565,14 @@
           <a:p>
             <a:pPr algn="ctr"/>
             <a:r>
-              <a:rPr lang="en-US" altLang="zh-CN" dirty="0"/>
+              <a:rPr lang="en-US" altLang="zh-CN" dirty="0" smtClean="0"/>
               <a:t>B</a:t>
             </a:r>
             <a:r>
-              <a:rPr lang="zh-CN" altLang="en-US" dirty="0"/>
+              <a:rPr lang="zh-CN" altLang="en-US" dirty="0" smtClean="0"/>
               <a:t>方法</a:t>
             </a:r>
+            <a:endParaRPr lang="zh-CN" altLang="en-US" dirty="0"/>
           </a:p>
         </p:txBody>
       </p:sp>
@@ -7533,13 +7613,14 @@
           <a:p>
             <a:pPr algn="ctr"/>
             <a:r>
-              <a:rPr lang="en-US" altLang="zh-CN" dirty="0"/>
+              <a:rPr lang="en-US" altLang="zh-CN" dirty="0" smtClean="0"/>
               <a:t>A</a:t>
             </a:r>
             <a:r>
-              <a:rPr lang="zh-CN" altLang="en-US" dirty="0"/>
+              <a:rPr lang="zh-CN" altLang="en-US" dirty="0" smtClean="0"/>
               <a:t>方法</a:t>
             </a:r>
+            <a:endParaRPr lang="zh-CN" altLang="en-US" dirty="0"/>
           </a:p>
         </p:txBody>
       </p:sp>
@@ -7576,27 +7657,27 @@
               <a:buChar char="n"/>
             </a:pPr>
             <a:r>
-              <a:rPr lang="zh-CN" altLang="en-US" sz="2200" b="1" dirty="0">
+              <a:rPr lang="zh-CN" altLang="en-US" sz="2200" b="1" dirty="0" smtClean="0">
                 <a:latin typeface="宋体" panose="02010600030101010101" pitchFamily="2" charset="-122"/>
                 <a:ea typeface="宋体" panose="02010600030101010101" pitchFamily="2" charset="-122"/>
               </a:rPr>
               <a:t>为什么</a:t>
             </a:r>
             <a:r>
-              <a:rPr lang="en-US" altLang="zh-CN" sz="2200" b="1" dirty="0">
+              <a:rPr lang="en-US" altLang="zh-CN" sz="2200" b="1" dirty="0" smtClean="0">
                 <a:latin typeface="宋体" panose="02010600030101010101" pitchFamily="2" charset="-122"/>
                 <a:ea typeface="宋体" panose="02010600030101010101" pitchFamily="2" charset="-122"/>
               </a:rPr>
               <a:t>JVM</a:t>
             </a:r>
             <a:r>
-              <a:rPr lang="zh-CN" altLang="en-US" sz="2200" b="1" dirty="0">
+              <a:rPr lang="zh-CN" altLang="en-US" sz="2200" b="1" dirty="0" smtClean="0">
                 <a:latin typeface="宋体" panose="02010600030101010101" pitchFamily="2" charset="-122"/>
                 <a:ea typeface="宋体" panose="02010600030101010101" pitchFamily="2" charset="-122"/>
               </a:rPr>
               <a:t>要使用栈？</a:t>
             </a:r>
-            <a:endParaRPr lang="en-US" altLang="zh-CN" sz="2200" b="1" dirty="0">
+            <a:endParaRPr lang="en-US" altLang="zh-CN" sz="2200" b="1" dirty="0" smtClean="0">
               <a:latin typeface="宋体" panose="02010600030101010101" pitchFamily="2" charset="-122"/>
               <a:ea typeface="宋体" panose="02010600030101010101" pitchFamily="2" charset="-122"/>
             </a:endParaRPr>
@@ -7640,13 +7721,14 @@
           <a:p>
             <a:pPr algn="ctr"/>
             <a:r>
-              <a:rPr lang="en-US" altLang="zh-CN" dirty="0"/>
+              <a:rPr lang="en-US" altLang="zh-CN" dirty="0" smtClean="0"/>
               <a:t>A</a:t>
             </a:r>
             <a:r>
-              <a:rPr lang="zh-CN" altLang="en-US" dirty="0"/>
+              <a:rPr lang="zh-CN" altLang="en-US" dirty="0" smtClean="0"/>
               <a:t>方法</a:t>
             </a:r>
+            <a:endParaRPr lang="zh-CN" altLang="en-US" dirty="0"/>
           </a:p>
         </p:txBody>
       </p:sp>
@@ -7687,13 +7769,14 @@
           <a:p>
             <a:pPr algn="ctr"/>
             <a:r>
-              <a:rPr lang="en-US" altLang="zh-CN" dirty="0"/>
+              <a:rPr lang="en-US" altLang="zh-CN" dirty="0" smtClean="0"/>
               <a:t>B</a:t>
             </a:r>
             <a:r>
-              <a:rPr lang="zh-CN" altLang="en-US" dirty="0"/>
+              <a:rPr lang="zh-CN" altLang="en-US" dirty="0" smtClean="0"/>
               <a:t>方法</a:t>
             </a:r>
+            <a:endParaRPr lang="zh-CN" altLang="en-US" dirty="0"/>
           </a:p>
         </p:txBody>
       </p:sp>
@@ -7734,13 +7817,14 @@
           <a:p>
             <a:pPr algn="ctr"/>
             <a:r>
-              <a:rPr lang="en-US" altLang="zh-CN" dirty="0"/>
+              <a:rPr lang="en-US" altLang="zh-CN" dirty="0" smtClean="0"/>
               <a:t>C</a:t>
             </a:r>
             <a:r>
-              <a:rPr lang="zh-CN" altLang="en-US" dirty="0"/>
+              <a:rPr lang="zh-CN" altLang="en-US" dirty="0" smtClean="0"/>
               <a:t>方法</a:t>
             </a:r>
+            <a:endParaRPr lang="zh-CN" altLang="en-US" dirty="0"/>
           </a:p>
         </p:txBody>
       </p:sp>
@@ -7847,9 +7931,10 @@
           <a:lstStyle/>
           <a:p>
             <a:r>
-              <a:rPr lang="zh-CN" altLang="en-US" dirty="0"/>
+              <a:rPr lang="zh-CN" altLang="en-US" dirty="0" smtClean="0"/>
               <a:t>入栈</a:t>
             </a:r>
+            <a:endParaRPr lang="zh-CN" altLang="en-US" dirty="0"/>
           </a:p>
         </p:txBody>
       </p:sp>
@@ -7916,9 +8001,10 @@
           <a:lstStyle/>
           <a:p>
             <a:r>
-              <a:rPr lang="zh-CN" altLang="en-US" dirty="0"/>
+              <a:rPr lang="zh-CN" altLang="en-US" dirty="0" smtClean="0"/>
               <a:t>出栈</a:t>
             </a:r>
+            <a:endParaRPr lang="zh-CN" altLang="en-US" dirty="0"/>
           </a:p>
         </p:txBody>
       </p:sp>
@@ -7927,13 +8013,13 @@
   <p:clrMapOvr>
     <a:masterClrMapping/>
   </p:clrMapOvr>
-  <mc:AlternateContent xmlns:mc="http://schemas.openxmlformats.org/markup-compatibility/2006" xmlns:p14="http://schemas.microsoft.com/office/powerpoint/2010/main">
-    <mc:Choice Requires="p14">
+  <mc:AlternateContent xmlns:mc="http://schemas.openxmlformats.org/markup-compatibility/2006">
+    <mc:Choice xmlns:p14="http://schemas.microsoft.com/office/powerpoint/2010/main" Requires="p14">
       <p:transition spd="slow" p14:dur="1500">
         <p:random/>
       </p:transition>
     </mc:Choice>
-    <mc:Fallback xmlns="">
+    <mc:Fallback>
       <p:transition spd="slow">
         <p:random/>
       </p:transition>
@@ -8203,7 +8289,7 @@
           <a:p>
             <a:pPr defTabSz="1341120"/>
             <a:r>
-              <a:rPr lang="zh-CN" altLang="en-US" sz="2900" dirty="0">
+              <a:rPr lang="zh-CN" altLang="en-US" sz="2900" dirty="0" smtClean="0">
                 <a:solidFill>
                   <a:srgbClr val="1D69A3"/>
                 </a:solidFill>
@@ -8212,6 +8298,13 @@
               </a:rPr>
               <a:t>虚拟机栈</a:t>
             </a:r>
+            <a:endParaRPr lang="zh-CN" altLang="en-US" sz="2900" dirty="0" smtClean="0">
+              <a:solidFill>
+                <a:srgbClr val="1D69A3"/>
+              </a:solidFill>
+              <a:latin typeface="微软雅黑" panose="020B0503020204020204" pitchFamily="34" charset="-122"/>
+              <a:ea typeface="微软雅黑" panose="020B0503020204020204" pitchFamily="34" charset="-122"/>
+            </a:endParaRPr>
           </a:p>
         </p:txBody>
       </p:sp>
@@ -8248,7 +8341,7 @@
               <a:buChar char="n"/>
             </a:pPr>
             <a:r>
-              <a:rPr lang="zh-CN" altLang="en-US" sz="2200" b="1" dirty="0">
+              <a:rPr lang="zh-CN" altLang="en-US" sz="2200" b="1" dirty="0" smtClean="0">
                 <a:latin typeface="宋体" panose="02010600030101010101" pitchFamily="2" charset="-122"/>
                 <a:ea typeface="宋体" panose="02010600030101010101" pitchFamily="2" charset="-122"/>
                 <a:cs typeface="宋体" panose="02010600030101010101" pitchFamily="2" charset="-122"/>
@@ -8256,7 +8349,7 @@
               <a:t>虚拟机栈（大小设置  </a:t>
             </a:r>
             <a:r>
-              <a:rPr lang="en-US" altLang="zh-CN" sz="2400" dirty="0">
+              <a:rPr lang="en-US" altLang="zh-CN" sz="2400" dirty="0" smtClean="0">
                 <a:solidFill>
                   <a:srgbClr val="FF0000"/>
                 </a:solidFill>
@@ -8264,7 +8357,7 @@
               <a:t>-</a:t>
             </a:r>
             <a:r>
-              <a:rPr lang="en-US" altLang="zh-CN" sz="2400" dirty="0" err="1">
+              <a:rPr lang="en-US" altLang="zh-CN" sz="2400" dirty="0" err="1" smtClean="0">
                 <a:solidFill>
                   <a:srgbClr val="FF0000"/>
                 </a:solidFill>
@@ -8272,7 +8365,7 @@
               <a:t>Xss</a:t>
             </a:r>
             <a:r>
-              <a:rPr lang="en-US" altLang="zh-CN" sz="2400" dirty="0">
+              <a:rPr lang="en-US" altLang="zh-CN" sz="2400" dirty="0" smtClean="0">
                 <a:solidFill>
                   <a:srgbClr val="FF0000"/>
                 </a:solidFill>
@@ -8280,13 +8373,18 @@
               <a:t> 1M </a:t>
             </a:r>
             <a:r>
-              <a:rPr lang="zh-CN" altLang="en-US" sz="2200" b="1" dirty="0">
+              <a:rPr lang="zh-CN" altLang="en-US" sz="2200" b="1" dirty="0" smtClean="0">
                 <a:latin typeface="宋体" panose="02010600030101010101" pitchFamily="2" charset="-122"/>
                 <a:ea typeface="宋体" panose="02010600030101010101" pitchFamily="2" charset="-122"/>
                 <a:cs typeface="宋体" panose="02010600030101010101" pitchFamily="2" charset="-122"/>
               </a:rPr>
               <a:t>）</a:t>
             </a:r>
+            <a:endParaRPr lang="zh-CN" altLang="en-US" sz="2200" b="1" dirty="0" smtClean="0">
+              <a:latin typeface="宋体" panose="02010600030101010101" pitchFamily="2" charset="-122"/>
+              <a:ea typeface="宋体" panose="02010600030101010101" pitchFamily="2" charset="-122"/>
+              <a:cs typeface="宋体" panose="02010600030101010101" pitchFamily="2" charset="-122"/>
+            </a:endParaRPr>
           </a:p>
           <a:p>
             <a:pPr marL="377190" indent="-377190">
@@ -8298,7 +8396,7 @@
               </a:buClr>
             </a:pPr>
             <a:r>
-              <a:rPr lang="zh-CN" altLang="en-US" sz="2200" dirty="0">
+              <a:rPr lang="zh-CN" altLang="en-US" sz="2200" dirty="0" smtClean="0">
                 <a:latin typeface="宋体" panose="02010600030101010101" pitchFamily="2" charset="-122"/>
                 <a:ea typeface="宋体" panose="02010600030101010101" pitchFamily="2" charset="-122"/>
                 <a:cs typeface="宋体" panose="02010600030101010101" pitchFamily="2" charset="-122"/>
@@ -8306,7 +8404,7 @@
               <a:t>存储</a:t>
             </a:r>
             <a:r>
-              <a:rPr lang="zh-CN" altLang="en-US" sz="2200" dirty="0">
+              <a:rPr lang="zh-CN" altLang="en-US" sz="2200" dirty="0" smtClean="0">
                 <a:solidFill>
                   <a:srgbClr val="FF0000"/>
                 </a:solidFill>
@@ -8317,7 +8415,7 @@
               <a:t>当前线程</a:t>
             </a:r>
             <a:r>
-              <a:rPr lang="zh-CN" altLang="en-US" sz="2200" dirty="0">
+              <a:rPr lang="zh-CN" altLang="en-US" sz="2200" dirty="0" smtClean="0">
                 <a:solidFill>
                   <a:srgbClr val="0070C0"/>
                 </a:solidFill>
@@ -8328,13 +8426,18 @@
               <a:t>运行方法</a:t>
             </a:r>
             <a:r>
-              <a:rPr lang="zh-CN" altLang="en-US" sz="2200" dirty="0">
+              <a:rPr lang="zh-CN" altLang="en-US" sz="2200" dirty="0" smtClean="0">
                 <a:latin typeface="宋体" panose="02010600030101010101" pitchFamily="2" charset="-122"/>
                 <a:ea typeface="宋体" panose="02010600030101010101" pitchFamily="2" charset="-122"/>
                 <a:cs typeface="宋体" panose="02010600030101010101" pitchFamily="2" charset="-122"/>
               </a:rPr>
               <a:t>所需的数据，指令、返回地址</a:t>
             </a:r>
+            <a:endParaRPr lang="zh-CN" altLang="en-US" sz="2200" dirty="0" smtClean="0">
+              <a:latin typeface="宋体" panose="02010600030101010101" pitchFamily="2" charset="-122"/>
+              <a:ea typeface="宋体" panose="02010600030101010101" pitchFamily="2" charset="-122"/>
+              <a:cs typeface="宋体" panose="02010600030101010101" pitchFamily="2" charset="-122"/>
+            </a:endParaRPr>
           </a:p>
           <a:p>
             <a:pPr marL="377190" indent="-377190">
@@ -8345,7 +8448,7 @@
                 <a:srgbClr val="FFC000"/>
               </a:buClr>
             </a:pPr>
-            <a:endParaRPr lang="en-US" altLang="zh-CN" sz="2200" b="1" dirty="0">
+            <a:endParaRPr lang="en-US" altLang="zh-CN" sz="2200" b="1" dirty="0" smtClean="0">
               <a:latin typeface="宋体" panose="02010600030101010101" pitchFamily="2" charset="-122"/>
               <a:ea typeface="宋体" panose="02010600030101010101" pitchFamily="2" charset="-122"/>
               <a:cs typeface="宋体" panose="02010600030101010101" pitchFamily="2" charset="-122"/>
@@ -8363,28 +8466,20 @@
               <a:buChar char="n"/>
             </a:pPr>
             <a:r>
+              <a:rPr lang="zh-CN" altLang="en-US" sz="2200" b="1" dirty="0" smtClean="0">
+                <a:latin typeface="宋体" panose="02010600030101010101" pitchFamily="2" charset="-122"/>
+                <a:ea typeface="宋体" panose="02010600030101010101" pitchFamily="2" charset="-122"/>
+                <a:cs typeface="宋体" panose="02010600030101010101" pitchFamily="2" charset="-122"/>
+              </a:rPr>
+              <a:t>栈</a:t>
+            </a:r>
+            <a:r>
               <a:rPr lang="zh-CN" altLang="en-US" sz="2200" b="1" dirty="0">
                 <a:latin typeface="宋体" panose="02010600030101010101" pitchFamily="2" charset="-122"/>
                 <a:ea typeface="宋体" panose="02010600030101010101" pitchFamily="2" charset="-122"/>
                 <a:cs typeface="宋体" panose="02010600030101010101" pitchFamily="2" charset="-122"/>
               </a:rPr>
-              <a:t>栈帧</a:t>
-            </a:r>
-            <a:r>
-              <a:rPr lang="en-US" altLang="zh-CN" sz="2200" b="1" dirty="0">
-                <a:latin typeface="宋体" panose="02010600030101010101" pitchFamily="2" charset="-122"/>
-                <a:ea typeface="宋体" panose="02010600030101010101" pitchFamily="2" charset="-122"/>
-                <a:cs typeface="宋体" panose="02010600030101010101" pitchFamily="2" charset="-122"/>
-              </a:rPr>
-              <a:t>——</a:t>
-            </a:r>
-            <a:r>
-              <a:rPr lang="zh-CN" altLang="en-US" sz="2200" b="1" dirty="0">
-                <a:latin typeface="宋体" panose="02010600030101010101" pitchFamily="2" charset="-122"/>
-                <a:ea typeface="宋体" panose="02010600030101010101" pitchFamily="2" charset="-122"/>
-                <a:cs typeface="宋体" panose="02010600030101010101" pitchFamily="2" charset="-122"/>
-              </a:rPr>
-              <a:t>每个方法对应一个栈帧</a:t>
+              <a:t>帧</a:t>
             </a:r>
             <a:endParaRPr lang="zh-CN" altLang="en-US" b="1" dirty="0">
               <a:solidFill>
@@ -8405,14 +8500,14 @@
               </a:buClr>
             </a:pPr>
             <a:r>
-              <a:rPr lang="zh-CN" altLang="en-US" dirty="0"/>
+              <a:rPr lang="zh-CN" altLang="en-US" dirty="0" smtClean="0"/>
               <a:t>每个方法在执行的同时都会创建一个</a:t>
             </a:r>
             <a:r>
-              <a:rPr lang="zh-CN" altLang="en-US" b="1" dirty="0"/>
+              <a:rPr lang="zh-CN" altLang="en-US" b="1" dirty="0" smtClean="0"/>
               <a:t>栈帧</a:t>
             </a:r>
-            <a:endParaRPr lang="en-US" altLang="zh-CN" dirty="0"/>
+            <a:endParaRPr lang="en-US" altLang="zh-CN" dirty="0" smtClean="0"/>
           </a:p>
           <a:p>
             <a:pPr>
@@ -8424,9 +8519,10 @@
               </a:buClr>
             </a:pPr>
             <a:r>
-              <a:rPr lang="zh-CN" altLang="en-US" dirty="0"/>
+              <a:rPr lang="zh-CN" altLang="en-US" dirty="0" smtClean="0"/>
               <a:t>栈帧还可以划分：</a:t>
             </a:r>
+            <a:endParaRPr lang="zh-CN" altLang="en-US" dirty="0"/>
           </a:p>
           <a:p>
             <a:pPr marL="314325" indent="-314325">
@@ -8443,6 +8539,7 @@
               <a:rPr lang="zh-CN" altLang="en-US" sz="1800" dirty="0"/>
               <a:t>局部变量表</a:t>
             </a:r>
+            <a:endParaRPr lang="zh-CN" altLang="en-US" sz="1800" dirty="0"/>
           </a:p>
           <a:p>
             <a:pPr marL="314325" indent="-314325">
@@ -8459,6 +8556,7 @@
               <a:rPr lang="zh-CN" altLang="en-US" sz="1800" dirty="0"/>
               <a:t>操作数栈</a:t>
             </a:r>
+            <a:endParaRPr lang="zh-CN" altLang="en-US" sz="1800" dirty="0"/>
           </a:p>
           <a:p>
             <a:pPr marL="314325" indent="-314325">
@@ -8472,9 +8570,10 @@
               <a:buChar char="Ø"/>
             </a:pPr>
             <a:r>
-              <a:rPr lang="zh-CN" altLang="en-US" sz="1800" dirty="0"/>
+              <a:rPr lang="zh-CN" altLang="en-US" sz="1800" dirty="0" smtClean="0"/>
               <a:t>动态连接</a:t>
             </a:r>
+            <a:endParaRPr lang="zh-CN" altLang="en-US" sz="1800" dirty="0" smtClean="0"/>
           </a:p>
           <a:p>
             <a:pPr marL="314325" indent="-314325">
@@ -8488,9 +8587,10 @@
               <a:buChar char="Ø"/>
             </a:pPr>
             <a:r>
-              <a:rPr lang="zh-CN" altLang="en-US" sz="1800" dirty="0"/>
+              <a:rPr lang="zh-CN" altLang="en-US" sz="1800" dirty="0" smtClean="0"/>
               <a:t>返回地址</a:t>
             </a:r>
+            <a:endParaRPr lang="zh-CN" altLang="en-US" sz="1800" dirty="0"/>
           </a:p>
         </p:txBody>
       </p:sp>
@@ -8499,13 +8599,13 @@
   <p:clrMapOvr>
     <a:masterClrMapping/>
   </p:clrMapOvr>
-  <mc:AlternateContent xmlns:mc="http://schemas.openxmlformats.org/markup-compatibility/2006" xmlns:p14="http://schemas.microsoft.com/office/powerpoint/2010/main">
-    <mc:Choice Requires="p14">
+  <mc:AlternateContent xmlns:mc="http://schemas.openxmlformats.org/markup-compatibility/2006">
+    <mc:Choice xmlns:p14="http://schemas.microsoft.com/office/powerpoint/2010/main" Requires="p14">
       <p:transition spd="slow" p14:dur="1500">
         <p:random/>
       </p:transition>
     </mc:Choice>
-    <mc:Fallback xmlns="">
+    <mc:Fallback>
       <p:transition spd="slow">
         <p:random/>
       </p:transition>
@@ -8775,7 +8875,7 @@
           <a:p>
             <a:pPr defTabSz="1341120"/>
             <a:r>
-              <a:rPr lang="zh-CN" altLang="en-US" sz="3100" dirty="0">
+              <a:rPr lang="zh-CN" altLang="en-US" sz="3100" dirty="0" smtClean="0">
                 <a:solidFill>
                   <a:srgbClr val="1D69A3"/>
                 </a:solidFill>
@@ -8784,6 +8884,13 @@
               </a:rPr>
               <a:t>虚拟机栈的执行过程</a:t>
             </a:r>
+            <a:endParaRPr lang="zh-CN" altLang="en-US" sz="3100" dirty="0" smtClean="0">
+              <a:solidFill>
+                <a:srgbClr val="1D69A3"/>
+              </a:solidFill>
+              <a:latin typeface="微软雅黑" panose="020B0503020204020204" pitchFamily="34" charset="-122"/>
+              <a:ea typeface="微软雅黑" panose="020B0503020204020204" pitchFamily="34" charset="-122"/>
+            </a:endParaRPr>
           </a:p>
         </p:txBody>
       </p:sp>
@@ -8826,19 +8933,23 @@
               <a:buChar char="n"/>
             </a:pPr>
             <a:r>
-              <a:rPr lang="en-US" altLang="zh-CN" b="1" dirty="0">
+              <a:rPr lang="en-US" altLang="zh-CN" b="1" dirty="0" smtClean="0">
                 <a:latin typeface="微软雅黑" panose="020B0503020204020204" pitchFamily="34" charset="-122"/>
                 <a:ea typeface="微软雅黑" panose="020B0503020204020204" pitchFamily="34" charset="-122"/>
               </a:rPr>
               <a:t>Java</a:t>
             </a:r>
             <a:r>
-              <a:rPr lang="zh-CN" altLang="en-US" b="1" dirty="0">
+              <a:rPr lang="zh-CN" altLang="en-US" b="1" dirty="0" smtClean="0">
                 <a:latin typeface="微软雅黑" panose="020B0503020204020204" pitchFamily="34" charset="-122"/>
                 <a:ea typeface="微软雅黑" panose="020B0503020204020204" pitchFamily="34" charset="-122"/>
               </a:rPr>
               <a:t>中方法在虚拟机栈的执行过程</a:t>
             </a:r>
+            <a:endParaRPr lang="zh-CN" altLang="en-US" b="1" dirty="0">
+              <a:latin typeface="微软雅黑" panose="020B0503020204020204" pitchFamily="34" charset="-122"/>
+              <a:ea typeface="微软雅黑" panose="020B0503020204020204" pitchFamily="34" charset="-122"/>
+            </a:endParaRPr>
           </a:p>
         </p:txBody>
       </p:sp>
@@ -8875,7 +8986,7 @@
               <a:buChar char="n"/>
             </a:pPr>
             <a:r>
-              <a:rPr lang="zh-CN" altLang="en-US" sz="2200" b="1" dirty="0">
+              <a:rPr lang="zh-CN" altLang="en-US" sz="2200" b="1" dirty="0" smtClean="0">
                 <a:solidFill>
                   <a:srgbClr val="FF0000"/>
                 </a:solidFill>
@@ -8901,7 +9012,7 @@
           <p:nvPr/>
         </p:nvPicPr>
         <p:blipFill>
-          <a:blip r:embed="rId3"/>
+          <a:blip r:embed="rId2"/>
           <a:srcRect/>
           <a:stretch>
             <a:fillRect/>
@@ -8925,18 +9036,51 @@
           <a:effectLst/>
         </p:spPr>
       </p:pic>
+      <p:sp>
+        <p:nvSpPr>
+          <p:cNvPr id="2" name="文本框 1"/>
+          <p:cNvSpPr txBox="1"/>
+          <p:nvPr/>
+        </p:nvSpPr>
+        <p:spPr>
+          <a:xfrm>
+            <a:off x="701675" y="6932930"/>
+            <a:ext cx="9477375" cy="383540"/>
+          </a:xfrm>
+          <a:prstGeom prst="rect">
+            <a:avLst/>
+          </a:prstGeom>
+          <a:noFill/>
+        </p:spPr>
+        <p:txBody>
+          <a:bodyPr wrap="square" rtlCol="0">
+            <a:spAutoFit/>
+          </a:bodyPr>
+          <a:p>
+            <a:r>
+              <a:rPr lang="zh-CN" altLang="en-US"/>
+              <a:t>反编译：</a:t>
+            </a:r>
+            <a:r>
+              <a:rPr lang="en-US" altLang="zh-CN"/>
+              <a:t>javap -v xxx.class &gt; xxx.txt</a:t>
+            </a:r>
+            <a:endParaRPr lang="en-US" altLang="zh-CN"/>
+          </a:p>
+        </p:txBody>
+      </p:sp>
     </p:spTree>
   </p:cSld>
   <p:clrMapOvr>
     <a:masterClrMapping/>
   </p:clrMapOvr>
-  <mc:AlternateContent xmlns:mc="http://schemas.openxmlformats.org/markup-compatibility/2006" xmlns:p14="http://schemas.microsoft.com/office/powerpoint/2010/main">
-    <mc:Choice Requires="p14">
+  <mc:AlternateContent xmlns:mc="http://schemas.openxmlformats.org/markup-compatibility/2006">
+    <mc:Choice xmlns:p14="http://schemas.microsoft.com/office/powerpoint/2010/main" Requires="p14">
       <p:transition spd="slow" p14:dur="1500">
         <p:random/>
       </p:transition>
     </mc:Choice>
-    <mc:Fallback xmlns="">
+    <mc:Fallback>
       <p:transition spd="slow">
         <p:random/>
       </p:transition>
@@ -9206,7 +9350,7 @@
           <a:p>
             <a:pPr defTabSz="1341120"/>
             <a:r>
-              <a:rPr lang="zh-CN" altLang="en-US" sz="2900" dirty="0">
+              <a:rPr lang="zh-CN" altLang="en-US" sz="2900" dirty="0" smtClean="0">
                 <a:solidFill>
                   <a:srgbClr val="1D69A3"/>
                 </a:solidFill>
@@ -9215,6 +9359,13 @@
               </a:rPr>
               <a:t>本地方法栈</a:t>
             </a:r>
+            <a:endParaRPr lang="zh-CN" altLang="en-US" sz="2900" dirty="0" smtClean="0">
+              <a:solidFill>
+                <a:srgbClr val="1D69A3"/>
+              </a:solidFill>
+              <a:latin typeface="微软雅黑" panose="020B0503020204020204" pitchFamily="34" charset="-122"/>
+              <a:ea typeface="微软雅黑" panose="020B0503020204020204" pitchFamily="34" charset="-122"/>
+            </a:endParaRPr>
           </a:p>
         </p:txBody>
       </p:sp>
@@ -9251,13 +9402,18 @@
               <a:buChar char="n"/>
             </a:pPr>
             <a:r>
-              <a:rPr lang="zh-CN" altLang="en-US" sz="2200" b="1" dirty="0">
+              <a:rPr lang="zh-CN" altLang="en-US" sz="2200" b="1" dirty="0" smtClean="0">
                 <a:latin typeface="宋体" panose="02010600030101010101" pitchFamily="2" charset="-122"/>
                 <a:ea typeface="宋体" panose="02010600030101010101" pitchFamily="2" charset="-122"/>
                 <a:cs typeface="宋体" panose="02010600030101010101" pitchFamily="2" charset="-122"/>
               </a:rPr>
               <a:t>本地方法栈</a:t>
             </a:r>
+            <a:endParaRPr lang="zh-CN" altLang="en-US" sz="2200" b="1" dirty="0" smtClean="0">
+              <a:latin typeface="宋体" panose="02010600030101010101" pitchFamily="2" charset="-122"/>
+              <a:ea typeface="宋体" panose="02010600030101010101" pitchFamily="2" charset="-122"/>
+              <a:cs typeface="宋体" panose="02010600030101010101" pitchFamily="2" charset="-122"/>
+            </a:endParaRPr>
           </a:p>
           <a:p>
             <a:pPr marL="377190" indent="-377190">
@@ -9269,62 +9425,62 @@
               </a:buClr>
             </a:pPr>
             <a:r>
-              <a:rPr lang="en-US" altLang="zh-CN" sz="2000" dirty="0"/>
+              <a:rPr lang="en-US" altLang="zh-CN" sz="2000" dirty="0" smtClean="0"/>
               <a:t>	</a:t>
             </a:r>
             <a:r>
-              <a:rPr lang="zh-CN" altLang="en-US" sz="2000" dirty="0"/>
+              <a:rPr lang="zh-CN" altLang="en-US" sz="2000" dirty="0" smtClean="0"/>
               <a:t>本地方法栈保存的是</a:t>
             </a:r>
             <a:r>
-              <a:rPr lang="en-US" altLang="zh-CN" sz="2000" dirty="0"/>
+              <a:rPr lang="en-US" altLang="zh-CN" sz="2000" dirty="0" smtClean="0"/>
               <a:t>native</a:t>
             </a:r>
             <a:r>
-              <a:rPr lang="zh-CN" altLang="en-US" sz="2000" dirty="0"/>
+              <a:rPr lang="zh-CN" altLang="en-US" sz="2000" dirty="0" smtClean="0"/>
               <a:t>方法的信息，当一个</a:t>
             </a:r>
             <a:r>
-              <a:rPr lang="en-US" altLang="zh-CN" sz="2000" dirty="0"/>
+              <a:rPr lang="en-US" altLang="zh-CN" sz="2000" dirty="0" smtClean="0"/>
               <a:t>JVM</a:t>
             </a:r>
             <a:r>
-              <a:rPr lang="zh-CN" altLang="en-US" sz="2000" dirty="0"/>
+              <a:rPr lang="zh-CN" altLang="en-US" sz="2000" dirty="0" smtClean="0"/>
               <a:t>创建的线程调用</a:t>
             </a:r>
             <a:r>
-              <a:rPr lang="en-US" altLang="zh-CN" sz="2000" dirty="0"/>
+              <a:rPr lang="en-US" altLang="zh-CN" sz="2000" dirty="0" smtClean="0"/>
               <a:t>native</a:t>
             </a:r>
             <a:r>
-              <a:rPr lang="zh-CN" altLang="en-US" sz="2000" dirty="0"/>
+              <a:rPr lang="zh-CN" altLang="en-US" sz="2000" dirty="0" smtClean="0"/>
               <a:t>方法后，</a:t>
             </a:r>
             <a:r>
-              <a:rPr lang="en-US" altLang="zh-CN" sz="2000" dirty="0"/>
+              <a:rPr lang="en-US" altLang="zh-CN" sz="2000" dirty="0" smtClean="0"/>
               <a:t>JVM</a:t>
             </a:r>
             <a:r>
-              <a:rPr lang="zh-CN" altLang="en-US" sz="2000" dirty="0"/>
+              <a:rPr lang="zh-CN" altLang="en-US" sz="2000" dirty="0" smtClean="0"/>
               <a:t>不再为其在虚拟机栈中创建栈帧，</a:t>
             </a:r>
             <a:r>
-              <a:rPr lang="en-US" altLang="zh-CN" sz="2000" dirty="0"/>
+              <a:rPr lang="en-US" altLang="zh-CN" sz="2000" dirty="0" smtClean="0"/>
               <a:t>JVM</a:t>
             </a:r>
             <a:r>
-              <a:rPr lang="zh-CN" altLang="en-US" sz="2000" dirty="0"/>
+              <a:rPr lang="zh-CN" altLang="en-US" sz="2000" dirty="0" smtClean="0"/>
               <a:t>只是简单地动态链接并直接调用</a:t>
             </a:r>
             <a:r>
-              <a:rPr lang="en-US" altLang="zh-CN" sz="2000" dirty="0"/>
+              <a:rPr lang="en-US" altLang="zh-CN" sz="2000" dirty="0" smtClean="0"/>
               <a:t>native</a:t>
             </a:r>
             <a:r>
-              <a:rPr lang="zh-CN" altLang="en-US" sz="2000" dirty="0"/>
+              <a:rPr lang="zh-CN" altLang="en-US" sz="2000" dirty="0" smtClean="0"/>
               <a:t>方法</a:t>
             </a:r>
-            <a:endParaRPr lang="en-US" altLang="zh-CN" sz="2000" dirty="0">
+            <a:endParaRPr lang="en-US" altLang="zh-CN" sz="2000" dirty="0" smtClean="0">
               <a:latin typeface="宋体" panose="02010600030101010101" pitchFamily="2" charset="-122"/>
               <a:ea typeface="宋体" panose="02010600030101010101" pitchFamily="2" charset="-122"/>
               <a:cs typeface="宋体" panose="02010600030101010101" pitchFamily="2" charset="-122"/>
@@ -9341,7 +9497,7 @@
         <p:spPr>
           <a:xfrm>
             <a:off x="235076" y="4300348"/>
-            <a:ext cx="9823046" cy="1051250"/>
+            <a:ext cx="9823046" cy="1165397"/>
           </a:xfrm>
           <a:prstGeom prst="rect">
             <a:avLst/>
@@ -9362,14 +9518,14 @@
               </a:buClr>
             </a:pPr>
             <a:r>
-              <a:rPr lang="zh-CN" altLang="en-US" sz="2000" dirty="0">
+              <a:rPr lang="zh-CN" altLang="en-US" sz="2000" dirty="0" smtClean="0">
                 <a:latin typeface="宋体" panose="02010600030101010101" pitchFamily="2" charset="-122"/>
                 <a:ea typeface="宋体" panose="02010600030101010101" pitchFamily="2" charset="-122"/>
                 <a:cs typeface="宋体" panose="02010600030101010101" pitchFamily="2" charset="-122"/>
               </a:rPr>
               <a:t>虚拟机规范无强制规定，各版本虚拟机自由实现</a:t>
             </a:r>
-            <a:endParaRPr lang="en-US" altLang="zh-CN" sz="2000" dirty="0">
+            <a:endParaRPr lang="en-US" altLang="zh-CN" sz="2000" dirty="0" smtClean="0">
               <a:latin typeface="宋体" panose="02010600030101010101" pitchFamily="2" charset="-122"/>
               <a:ea typeface="宋体" panose="02010600030101010101" pitchFamily="2" charset="-122"/>
               <a:cs typeface="宋体" panose="02010600030101010101" pitchFamily="2" charset="-122"/>
@@ -9385,9 +9541,9 @@
               </a:buClr>
             </a:pPr>
             <a:r>
-              <a:rPr lang="en-US" altLang="zh-CN" sz="2000" kern="0" dirty="0" err="1">
+              <a:rPr lang="en-US" altLang="zh-CN" sz="2000" kern="0" dirty="0" err="1" smtClean="0">
                 <a:solidFill>
-                  <a:srgbClr val="FF0000"/>
+                  <a:sysClr val="windowText" lastClr="000000"/>
                 </a:solidFill>
                 <a:latin typeface="宋体" panose="02010600030101010101" pitchFamily="2" charset="-122"/>
                 <a:ea typeface="宋体" panose="02010600030101010101" pitchFamily="2" charset="-122"/>
@@ -9395,19 +9551,16 @@
               <a:t>HotSpot</a:t>
             </a:r>
             <a:r>
-              <a:rPr lang="zh-CN" altLang="en-US" sz="2000" kern="0" dirty="0">
+              <a:rPr lang="zh-CN" altLang="en-US" sz="2000" kern="0" dirty="0" smtClean="0">
                 <a:solidFill>
-                  <a:srgbClr val="FF0000"/>
+                  <a:sysClr val="windowText" lastClr="000000"/>
                 </a:solidFill>
                 <a:latin typeface="宋体" panose="02010600030101010101" pitchFamily="2" charset="-122"/>
                 <a:ea typeface="宋体" panose="02010600030101010101" pitchFamily="2" charset="-122"/>
               </a:rPr>
               <a:t>直接把本地方法栈和虚拟机栈合二为一</a:t>
             </a:r>
-            <a:endParaRPr lang="zh-CN" altLang="en-US" sz="2000" dirty="0">
-              <a:solidFill>
-                <a:srgbClr val="FF0000"/>
-              </a:solidFill>
+            <a:endParaRPr lang="zh-CN" altLang="en-US" sz="2000" dirty="0" smtClean="0">
               <a:latin typeface="宋体" panose="02010600030101010101" pitchFamily="2" charset="-122"/>
               <a:ea typeface="宋体" panose="02010600030101010101" pitchFamily="2" charset="-122"/>
               <a:cs typeface="宋体" panose="02010600030101010101" pitchFamily="2" charset="-122"/>
@@ -9420,13 +9573,13 @@
   <p:clrMapOvr>
     <a:masterClrMapping/>
   </p:clrMapOvr>
-  <mc:AlternateContent xmlns:mc="http://schemas.openxmlformats.org/markup-compatibility/2006" xmlns:p14="http://schemas.microsoft.com/office/powerpoint/2010/main">
-    <mc:Choice Requires="p14">
+  <mc:AlternateContent xmlns:mc="http://schemas.openxmlformats.org/markup-compatibility/2006">
+    <mc:Choice xmlns:p14="http://schemas.microsoft.com/office/powerpoint/2010/main" Requires="p14">
       <p:transition spd="slow" p14:dur="1500">
         <p:random/>
       </p:transition>
     </mc:Choice>
-    <mc:Fallback xmlns="">
+    <mc:Fallback>
       <p:transition spd="slow">
         <p:random/>
       </p:transition>
@@ -9696,7 +9849,7 @@
           <a:p>
             <a:pPr defTabSz="1317625"/>
             <a:r>
-              <a:rPr lang="zh-CN" altLang="en-US" sz="2900" dirty="0">
+              <a:rPr lang="zh-CN" altLang="en-US" sz="2900" dirty="0" smtClean="0">
                 <a:solidFill>
                   <a:srgbClr val="1D69A3"/>
                 </a:solidFill>
@@ -9705,6 +9858,13 @@
               </a:rPr>
               <a:t>线程共享的区域</a:t>
             </a:r>
+            <a:endParaRPr lang="zh-CN" altLang="en-US" sz="2900" dirty="0" smtClean="0">
+              <a:solidFill>
+                <a:srgbClr val="1D69A3"/>
+              </a:solidFill>
+              <a:latin typeface="微软雅黑" panose="020B0503020204020204" pitchFamily="34" charset="-122"/>
+              <a:ea typeface="微软雅黑" panose="020B0503020204020204" pitchFamily="34" charset="-122"/>
+            </a:endParaRPr>
           </a:p>
         </p:txBody>
       </p:sp>
@@ -9719,7 +9879,7 @@
         <p:spPr bwMode="auto">
           <a:xfrm>
             <a:off x="232061" y="1234460"/>
-            <a:ext cx="11383363" cy="4031956"/>
+            <a:ext cx="11383363" cy="3975735"/>
           </a:xfrm>
           <a:prstGeom prst="rect">
             <a:avLst/>
@@ -9747,72 +9907,41 @@
               <a:buChar char="n"/>
             </a:pPr>
             <a:r>
-              <a:rPr lang="zh-CN" altLang="en-US" sz="2000" b="1" dirty="0">
+              <a:rPr lang="zh-CN" altLang="en-US" sz="2000" b="1" dirty="0" smtClean="0">
                 <a:latin typeface="微软雅黑" panose="020B0503020204020204" pitchFamily="34" charset="-122"/>
                 <a:ea typeface="微软雅黑" panose="020B0503020204020204" pitchFamily="34" charset="-122"/>
               </a:rPr>
               <a:t>方法区（永久代（</a:t>
             </a:r>
             <a:r>
-              <a:rPr lang="en-US" altLang="zh-CN" sz="2000" b="1" dirty="0">
+              <a:rPr lang="en-US" altLang="zh-CN" sz="2000" b="1" dirty="0" smtClean="0">
                 <a:latin typeface="微软雅黑" panose="020B0503020204020204" pitchFamily="34" charset="-122"/>
                 <a:ea typeface="微软雅黑" panose="020B0503020204020204" pitchFamily="34" charset="-122"/>
               </a:rPr>
               <a:t>JDK1.7</a:t>
             </a:r>
             <a:r>
-              <a:rPr lang="zh-CN" altLang="en-US" sz="2000" b="1" dirty="0">
+              <a:rPr lang="zh-CN" altLang="en-US" sz="2000" b="1" dirty="0" smtClean="0">
                 <a:latin typeface="微软雅黑" panose="020B0503020204020204" pitchFamily="34" charset="-122"/>
                 <a:ea typeface="微软雅黑" panose="020B0503020204020204" pitchFamily="34" charset="-122"/>
               </a:rPr>
-              <a:t>和以前）、</a:t>
-            </a:r>
-            <a:r>
-              <a:rPr lang="zh-CN" altLang="en-US" sz="2000" b="1" dirty="0">
-                <a:solidFill>
-                  <a:srgbClr val="FF0000"/>
-                </a:solidFill>
+              <a:t>和以前）、元空间（</a:t>
+            </a:r>
+            <a:r>
+              <a:rPr lang="en-US" altLang="zh-CN" sz="2000" b="1" dirty="0" smtClean="0">
                 <a:latin typeface="微软雅黑" panose="020B0503020204020204" pitchFamily="34" charset="-122"/>
                 <a:ea typeface="微软雅黑" panose="020B0503020204020204" pitchFamily="34" charset="-122"/>
               </a:rPr>
-              <a:t>元空间</a:t>
-            </a:r>
-            <a:r>
-              <a:rPr lang="zh-CN" altLang="en-US" sz="2000" b="1" dirty="0">
+              <a:t>JDK1.8</a:t>
+            </a:r>
+            <a:r>
+              <a:rPr lang="zh-CN" altLang="en-US" sz="2000" b="1" dirty="0" smtClean="0">
                 <a:latin typeface="微软雅黑" panose="020B0503020204020204" pitchFamily="34" charset="-122"/>
                 <a:ea typeface="微软雅黑" panose="020B0503020204020204" pitchFamily="34" charset="-122"/>
               </a:rPr>
-              <a:t>（</a:t>
-            </a:r>
-            <a:r>
-              <a:rPr lang="en-US" altLang="zh-CN" sz="2000" b="1" dirty="0">
-                <a:latin typeface="微软雅黑" panose="020B0503020204020204" pitchFamily="34" charset="-122"/>
-                <a:ea typeface="微软雅黑" panose="020B0503020204020204" pitchFamily="34" charset="-122"/>
-              </a:rPr>
-              <a:t>JDK1.8</a:t>
-            </a:r>
-            <a:r>
-              <a:rPr lang="zh-CN" altLang="en-US" sz="2000" b="1" dirty="0">
-                <a:latin typeface="微软雅黑" panose="020B0503020204020204" pitchFamily="34" charset="-122"/>
-                <a:ea typeface="微软雅黑" panose="020B0503020204020204" pitchFamily="34" charset="-122"/>
-              </a:rPr>
               <a:t>））</a:t>
             </a:r>
-            <a:r>
-              <a:rPr lang="en-US" altLang="zh-CN" sz="2000" b="1" dirty="0">
-                <a:latin typeface="微软雅黑" panose="020B0503020204020204" pitchFamily="34" charset="-122"/>
-                <a:ea typeface="微软雅黑" panose="020B0503020204020204" pitchFamily="34" charset="-122"/>
-              </a:rPr>
-              <a:t>——</a:t>
-            </a:r>
-            <a:r>
-              <a:rPr lang="zh-CN" altLang="en-US" sz="2000" b="1" dirty="0">
-                <a:latin typeface="微软雅黑" panose="020B0503020204020204" pitchFamily="34" charset="-122"/>
-                <a:ea typeface="微软雅黑" panose="020B0503020204020204" pitchFamily="34" charset="-122"/>
-              </a:rPr>
-              <a:t>大部分时间不会涉及垃圾回收</a:t>
-            </a:r>
-            <a:endParaRPr lang="zh-CN" altLang="en-US" sz="2000" dirty="0">
+            <a:endParaRPr lang="zh-CN" altLang="en-US" sz="2000" dirty="0" smtClean="0">
               <a:latin typeface="微软雅黑" panose="020B0503020204020204" pitchFamily="34" charset="-122"/>
               <a:ea typeface="微软雅黑" panose="020B0503020204020204" pitchFamily="34" charset="-122"/>
             </a:endParaRPr>
@@ -9829,13 +9958,13 @@
               <a:buChar char="ü"/>
             </a:pPr>
             <a:r>
-              <a:rPr lang="zh-CN" altLang="en-US" sz="1600" dirty="0">
+              <a:rPr lang="zh-CN" altLang="en-US" sz="1600" dirty="0" smtClean="0">
                 <a:latin typeface="微软雅黑" panose="020B0503020204020204" pitchFamily="34" charset="-122"/>
                 <a:ea typeface="微软雅黑" panose="020B0503020204020204" pitchFamily="34" charset="-122"/>
               </a:rPr>
               <a:t>类信息</a:t>
             </a:r>
-            <a:endParaRPr lang="en-US" altLang="zh-CN" sz="1600" dirty="0">
+            <a:endParaRPr lang="en-US" altLang="zh-CN" sz="1600" dirty="0" smtClean="0">
               <a:latin typeface="微软雅黑" panose="020B0503020204020204" pitchFamily="34" charset="-122"/>
               <a:ea typeface="微软雅黑" panose="020B0503020204020204" pitchFamily="34" charset="-122"/>
             </a:endParaRPr>
@@ -9852,13 +9981,13 @@
               <a:buChar char="ü"/>
             </a:pPr>
             <a:r>
-              <a:rPr lang="zh-CN" altLang="en-US" sz="1600" dirty="0">
+              <a:rPr lang="zh-CN" altLang="en-US" sz="1600" dirty="0" smtClean="0">
                 <a:latin typeface="微软雅黑" panose="020B0503020204020204" pitchFamily="34" charset="-122"/>
                 <a:ea typeface="微软雅黑" panose="020B0503020204020204" pitchFamily="34" charset="-122"/>
               </a:rPr>
               <a:t>常量</a:t>
             </a:r>
-            <a:endParaRPr lang="en-US" altLang="zh-CN" sz="1600" dirty="0">
+            <a:endParaRPr lang="en-US" altLang="zh-CN" sz="1600" dirty="0" smtClean="0">
               <a:latin typeface="微软雅黑" panose="020B0503020204020204" pitchFamily="34" charset="-122"/>
               <a:ea typeface="微软雅黑" panose="020B0503020204020204" pitchFamily="34" charset="-122"/>
             </a:endParaRPr>
@@ -9875,12 +10004,16 @@
               <a:buChar char="ü"/>
             </a:pPr>
             <a:r>
-              <a:rPr lang="zh-CN" altLang="en-US" sz="1600" dirty="0">
+              <a:rPr lang="zh-CN" altLang="en-US" sz="1600" dirty="0" smtClean="0">
                 <a:latin typeface="微软雅黑" panose="020B0503020204020204" pitchFamily="34" charset="-122"/>
                 <a:ea typeface="微软雅黑" panose="020B0503020204020204" pitchFamily="34" charset="-122"/>
               </a:rPr>
               <a:t>静态变量</a:t>
             </a:r>
+            <a:endParaRPr lang="zh-CN" altLang="en-US" sz="1600" dirty="0" smtClean="0">
+              <a:latin typeface="微软雅黑" panose="020B0503020204020204" pitchFamily="34" charset="-122"/>
+              <a:ea typeface="微软雅黑" panose="020B0503020204020204" pitchFamily="34" charset="-122"/>
+            </a:endParaRPr>
           </a:p>
           <a:p>
             <a:pPr marL="758190" lvl="1" indent="-308610">
@@ -9894,13 +10027,13 @@
               <a:buChar char="ü"/>
             </a:pPr>
             <a:r>
-              <a:rPr lang="zh-CN" altLang="en-US" sz="1600" dirty="0">
+              <a:rPr lang="zh-CN" altLang="en-US" sz="1600" dirty="0" smtClean="0">
                 <a:latin typeface="微软雅黑" panose="020B0503020204020204" pitchFamily="34" charset="-122"/>
                 <a:ea typeface="微软雅黑" panose="020B0503020204020204" pitchFamily="34" charset="-122"/>
               </a:rPr>
               <a:t>即时编译期编译后的代码</a:t>
             </a:r>
-            <a:endParaRPr lang="en-US" altLang="zh-CN" sz="1600" dirty="0">
+            <a:endParaRPr lang="en-US" altLang="zh-CN" sz="1600" dirty="0" smtClean="0">
               <a:latin typeface="微软雅黑" panose="020B0503020204020204" pitchFamily="34" charset="-122"/>
               <a:ea typeface="微软雅黑" panose="020B0503020204020204" pitchFamily="34" charset="-122"/>
             </a:endParaRPr>
@@ -9914,7 +10047,7 @@
                 <a:srgbClr val="FFC000"/>
               </a:buClr>
             </a:pPr>
-            <a:endParaRPr lang="en-US" altLang="zh-CN" sz="1600" b="1" dirty="0">
+            <a:endParaRPr lang="en-US" altLang="zh-CN" sz="1600" b="1" dirty="0" smtClean="0">
               <a:latin typeface="微软雅黑" panose="020B0503020204020204" pitchFamily="34" charset="-122"/>
               <a:ea typeface="微软雅黑" panose="020B0503020204020204" pitchFamily="34" charset="-122"/>
             </a:endParaRPr>
@@ -9931,28 +10064,28 @@
               <a:buChar char="n"/>
             </a:pPr>
             <a:r>
-              <a:rPr lang="en-US" altLang="zh-CN" sz="2000" b="1" dirty="0">
+              <a:rPr lang="en-US" altLang="zh-CN" sz="2000" b="1" dirty="0" smtClean="0">
                 <a:latin typeface="微软雅黑" panose="020B0503020204020204" pitchFamily="34" charset="-122"/>
                 <a:ea typeface="微软雅黑" panose="020B0503020204020204" pitchFamily="34" charset="-122"/>
               </a:rPr>
               <a:t>Java</a:t>
             </a:r>
             <a:r>
-              <a:rPr lang="zh-CN" altLang="zh-CN" sz="2000" b="1" dirty="0">
+              <a:rPr lang="zh-CN" altLang="zh-CN" sz="2000" b="1" dirty="0" smtClean="0">
                 <a:latin typeface="微软雅黑" panose="020B0503020204020204" pitchFamily="34" charset="-122"/>
                 <a:ea typeface="微软雅黑" panose="020B0503020204020204" pitchFamily="34" charset="-122"/>
               </a:rPr>
               <a:t>堆</a:t>
             </a:r>
             <a:r>
-              <a:rPr lang="en-US" altLang="zh-CN" sz="2000" b="1" dirty="0">
+              <a:rPr lang="en-US" altLang="zh-CN" sz="2000" b="1" dirty="0" smtClean="0">
                 <a:latin typeface="微软雅黑" panose="020B0503020204020204" pitchFamily="34" charset="-122"/>
                 <a:ea typeface="微软雅黑" panose="020B0503020204020204" pitchFamily="34" charset="-122"/>
               </a:rPr>
               <a:t>(</a:t>
             </a:r>
             <a:r>
-              <a:rPr lang="en-US" altLang="zh-CN" sz="2000" dirty="0">
+              <a:rPr lang="en-US" altLang="zh-CN" sz="2000" dirty="0" smtClean="0">
                 <a:solidFill>
                   <a:srgbClr val="FF0000"/>
                 </a:solidFill>
@@ -9960,69 +10093,117 @@
               <a:t>-</a:t>
             </a:r>
             <a:r>
-              <a:rPr lang="en-US" altLang="zh-CN" sz="2000" dirty="0" err="1">
+              <a:rPr lang="en-US" altLang="zh-CN" sz="2000" dirty="0" err="1" smtClean="0">
                 <a:solidFill>
                   <a:srgbClr val="FF0000"/>
                 </a:solidFill>
               </a:rPr>
-              <a:t>Xms</a:t>
-            </a:r>
-            <a:r>
-              <a:rPr lang="zh-CN" altLang="en-US" sz="2000" dirty="0">
+              <a:t>Xms(</a:t>
+            </a:r>
+            <a:r>
+              <a:rPr lang="zh-CN" altLang="en-US" sz="2000" dirty="0" err="1" smtClean="0">
                 <a:solidFill>
                   <a:srgbClr val="FF0000"/>
                 </a:solidFill>
               </a:rPr>
-              <a:t>；</a:t>
-            </a:r>
-            <a:r>
-              <a:rPr lang="en-US" altLang="zh-CN" sz="2000" dirty="0">
+              <a:t>初始容量</a:t>
+            </a:r>
+            <a:r>
+              <a:rPr lang="en-US" altLang="zh-CN" sz="2000" dirty="0" err="1" smtClean="0">
                 <a:solidFill>
                   <a:srgbClr val="FF0000"/>
                 </a:solidFill>
               </a:rPr>
-              <a:t>-</a:t>
-            </a:r>
-            <a:r>
-              <a:rPr lang="en-US" altLang="zh-CN" sz="2000" dirty="0" err="1">
+              <a:t>)</a:t>
+            </a:r>
+            <a:r>
+              <a:rPr lang="zh-CN" altLang="en-US" sz="2000" dirty="0" smtClean="0">
                 <a:solidFill>
                   <a:srgbClr val="FF0000"/>
                 </a:solidFill>
               </a:rPr>
-              <a:t>Xmx</a:t>
-            </a:r>
-            <a:r>
-              <a:rPr lang="zh-CN" altLang="en-US" sz="2000" dirty="0">
+              <a:t>；</a:t>
+            </a:r>
+            <a:r>
+              <a:rPr lang="en-US" altLang="zh-CN" sz="2000" dirty="0" smtClean="0">
                 <a:solidFill>
                   <a:srgbClr val="FF0000"/>
                 </a:solidFill>
               </a:rPr>
-              <a:t>；</a:t>
-            </a:r>
-            <a:r>
-              <a:rPr lang="en-US" altLang="zh-CN" sz="2000" dirty="0">
+              <a:t>-</a:t>
+            </a:r>
+            <a:r>
+              <a:rPr lang="en-US" altLang="zh-CN" sz="2000" dirty="0" err="1" smtClean="0">
                 <a:solidFill>
                   <a:srgbClr val="FF0000"/>
                 </a:solidFill>
               </a:rPr>
-              <a:t>-</a:t>
-            </a:r>
-            <a:r>
-              <a:rPr lang="en-US" altLang="zh-CN" sz="2000" dirty="0" err="1">
+              <a:t>Xmx(</a:t>
+            </a:r>
+            <a:r>
+              <a:rPr lang="zh-CN" altLang="en-US" sz="2000" dirty="0" err="1" smtClean="0">
                 <a:solidFill>
                   <a:srgbClr val="FF0000"/>
                 </a:solidFill>
               </a:rPr>
-              <a:t>Xmn</a:t>
-            </a:r>
-            <a:r>
-              <a:rPr lang="en-US" altLang="zh-CN" sz="2000" b="1" dirty="0">
+              <a:t>最大容量</a:t>
+            </a:r>
+            <a:r>
+              <a:rPr lang="en-US" altLang="zh-CN" sz="2000" dirty="0" err="1" smtClean="0">
+                <a:solidFill>
+                  <a:srgbClr val="FF0000"/>
+                </a:solidFill>
+              </a:rPr>
+              <a:t>)</a:t>
+            </a:r>
+            <a:r>
+              <a:rPr lang="zh-CN" altLang="en-US" sz="2000" dirty="0" smtClean="0">
+                <a:solidFill>
+                  <a:srgbClr val="FF0000"/>
+                </a:solidFill>
+              </a:rPr>
+              <a:t>；</a:t>
+            </a:r>
+            <a:r>
+              <a:rPr lang="en-US" altLang="zh-CN" sz="2000" dirty="0" smtClean="0">
+                <a:solidFill>
+                  <a:srgbClr val="FF0000"/>
+                </a:solidFill>
+              </a:rPr>
+              <a:t>-</a:t>
+            </a:r>
+            <a:r>
+              <a:rPr lang="en-US" altLang="zh-CN" sz="2000" dirty="0" err="1" smtClean="0">
+                <a:solidFill>
+                  <a:srgbClr val="FF0000"/>
+                </a:solidFill>
+              </a:rPr>
+              <a:t>Xmn(</a:t>
+            </a:r>
+            <a:r>
+              <a:rPr lang="zh-CN" altLang="en-US" sz="2000" dirty="0" err="1" smtClean="0">
+                <a:solidFill>
+                  <a:srgbClr val="FF0000"/>
+                </a:solidFill>
+              </a:rPr>
+              <a:t>新生代容量</a:t>
+            </a:r>
+            <a:r>
+              <a:rPr lang="en-US" altLang="zh-CN" sz="2000" dirty="0" err="1" smtClean="0">
+                <a:solidFill>
+                  <a:srgbClr val="FF0000"/>
+                </a:solidFill>
+              </a:rPr>
+              <a:t>)</a:t>
+            </a:r>
+            <a:r>
+              <a:rPr lang="en-US" altLang="zh-CN" sz="2000" b="1" dirty="0" smtClean="0">
                 <a:latin typeface="微软雅黑" panose="020B0503020204020204" pitchFamily="34" charset="-122"/>
                 <a:ea typeface="微软雅黑" panose="020B0503020204020204" pitchFamily="34" charset="-122"/>
               </a:rPr>
               <a:t>)</a:t>
             </a:r>
-            <a:endParaRPr lang="zh-CN" altLang="en-US" sz="2000" b="1" dirty="0">
+            <a:endParaRPr lang="zh-CN" altLang="en-US" sz="2000" b="1" dirty="0" smtClean="0">
               <a:latin typeface="微软雅黑" panose="020B0503020204020204" pitchFamily="34" charset="-122"/>
               <a:ea typeface="微软雅黑" panose="020B0503020204020204" pitchFamily="34" charset="-122"/>
             </a:endParaRPr>
@@ -10037,37 +10218,38 @@
               </a:buClr>
             </a:pPr>
             <a:r>
-              <a:rPr lang="zh-CN" altLang="en-US" sz="1600" dirty="0"/>
+              <a:rPr lang="zh-CN" altLang="en-US" sz="1600" dirty="0" smtClean="0"/>
               <a:t>堆是需要重点关注的一块区域，因为涉及到内存的分配</a:t>
             </a:r>
             <a:r>
-              <a:rPr lang="en-US" altLang="zh-CN" sz="1600" dirty="0"/>
+              <a:rPr lang="en-US" altLang="zh-CN" sz="1600" dirty="0" smtClean="0"/>
               <a:t>(new</a:t>
             </a:r>
             <a:r>
-              <a:rPr lang="zh-CN" altLang="en-US" sz="1600" dirty="0"/>
+              <a:rPr lang="zh-CN" altLang="en-US" sz="1600" dirty="0" smtClean="0"/>
               <a:t>关键字，反射等</a:t>
             </a:r>
             <a:r>
-              <a:rPr lang="en-US" altLang="zh-CN" sz="1600" dirty="0"/>
+              <a:rPr lang="en-US" altLang="zh-CN" sz="1600" dirty="0" smtClean="0"/>
               <a:t>)</a:t>
             </a:r>
             <a:r>
-              <a:rPr lang="zh-CN" altLang="en-US" sz="1600" dirty="0"/>
+              <a:rPr lang="zh-CN" altLang="en-US" sz="1600" dirty="0" smtClean="0"/>
               <a:t>与回收</a:t>
             </a:r>
             <a:r>
-              <a:rPr lang="en-US" altLang="zh-CN" sz="1600" dirty="0"/>
+              <a:rPr lang="en-US" altLang="zh-CN" sz="1600" dirty="0" smtClean="0"/>
               <a:t>(</a:t>
             </a:r>
             <a:r>
-              <a:rPr lang="zh-CN" altLang="en-US" sz="1600" dirty="0"/>
+              <a:rPr lang="zh-CN" altLang="en-US" sz="1600" dirty="0" smtClean="0"/>
               <a:t>回收算法，收集器等</a:t>
             </a:r>
             <a:r>
-              <a:rPr lang="en-US" altLang="zh-CN" sz="1600" dirty="0"/>
+              <a:rPr lang="en-US" altLang="zh-CN" sz="1600" dirty="0" smtClean="0"/>
               <a:t>)</a:t>
             </a:r>
+            <a:endParaRPr lang="en-US" altLang="zh-CN" sz="1600" dirty="0" smtClean="0"/>
           </a:p>
           <a:p>
             <a:pPr marL="758190" lvl="1" indent="-308610">
@@ -10079,21 +10261,14 @@
               </a:buClr>
             </a:pPr>
             <a:r>
-              <a:rPr lang="zh-CN" altLang="en-US" sz="2000" dirty="0">
-                <a:solidFill>
-                  <a:srgbClr val="FF0000"/>
-                </a:solidFill>
-              </a:rPr>
+              <a:rPr lang="zh-CN" altLang="en-US" sz="1600" dirty="0" smtClean="0"/>
               <a:t>几乎所有的对象都是在堆中分配</a:t>
             </a:r>
             <a:r>
-              <a:rPr lang="en-US" altLang="zh-CN" sz="2000" dirty="0">
-                <a:solidFill>
-                  <a:srgbClr val="FF0000"/>
-                </a:solidFill>
-              </a:rPr>
+              <a:rPr lang="en-US" altLang="zh-CN" sz="1600" dirty="0" smtClean="0"/>
               <a:t>.</a:t>
             </a:r>
+            <a:endParaRPr lang="en-US" altLang="zh-CN" sz="1600" dirty="0" smtClean="0"/>
           </a:p>
           <a:p>
             <a:pPr marL="758190" lvl="1" indent="-308610">
@@ -10104,7 +10279,52 @@
                 <a:srgbClr val="FFC000"/>
               </a:buClr>
             </a:pPr>
-            <a:endParaRPr lang="en-US" altLang="zh-CN" sz="1600" dirty="0"/>
+            <a:endParaRPr lang="en-US" altLang="zh-CN" sz="1600" dirty="0" smtClean="0"/>
+          </a:p>
+        </p:txBody>
+      </p:sp>
+      <p:sp>
+        <p:nvSpPr>
+          <p:cNvPr id="2" name="文本框 1"/>
+          <p:cNvSpPr txBox="1"/>
+          <p:nvPr/>
+        </p:nvSpPr>
+        <p:spPr>
+          <a:xfrm>
+            <a:off x="600710" y="5596255"/>
+            <a:ext cx="10024110" cy="675640"/>
+          </a:xfrm>
+          <a:prstGeom prst="rect">
+            <a:avLst/>
+          </a:prstGeom>
+          <a:noFill/>
+        </p:spPr>
+        <p:txBody>
+          <a:bodyPr wrap="square" rtlCol="0">
+            <a:spAutoFit/>
+          </a:bodyPr>
+          <a:p>
+            <a:r>
+              <a:rPr lang="zh-CN" altLang="en-US"/>
+              <a:t>常量引用保存在方法区</a:t>
+            </a:r>
+            <a:r>
+              <a:rPr lang="en-US" altLang="zh-CN"/>
+              <a:t>(</a:t>
+            </a:r>
+            <a:r>
+              <a:rPr lang="zh-CN" altLang="en-US"/>
+              <a:t>元空间</a:t>
+            </a:r>
+            <a:r>
+              <a:rPr lang="en-US" altLang="zh-CN"/>
+              <a:t>)</a:t>
+            </a:r>
+            <a:r>
+              <a:rPr lang="zh-CN" altLang="en-US"/>
+              <a:t>中，其引用的字面量保存在运行时常量池中，运行时常量池在堆</a:t>
+            </a:r>
+            <a:endParaRPr lang="zh-CN" altLang="en-US"/>
           </a:p>
         </p:txBody>
       </p:sp>
@@ -10113,13 +10333,13 @@
   <p:clrMapOvr>
     <a:masterClrMapping/>
   </p:clrMapOvr>
-  <mc:AlternateContent xmlns:mc="http://schemas.openxmlformats.org/markup-compatibility/2006" xmlns:p14="http://schemas.microsoft.com/office/powerpoint/2010/main">
-    <mc:Choice Requires="p14">
+  <mc:AlternateContent xmlns:mc="http://schemas.openxmlformats.org/markup-compatibility/2006">
+    <mc:Choice xmlns:p14="http://schemas.microsoft.com/office/powerpoint/2010/main" Requires="p14">
       <p:transition spd="slow" p14:dur="1500">
         <p:random/>
       </p:transition>
     </mc:Choice>
-    <mc:Fallback xmlns="">
+    <mc:Fallback>
       <p:transition spd="slow">
         <p:random/>
       </p:transition>
@@ -10389,7 +10609,7 @@
           <a:p>
             <a:pPr defTabSz="1317625"/>
             <a:r>
-              <a:rPr lang="en-US" altLang="zh-CN" sz="2900" dirty="0">
+              <a:rPr lang="en-US" altLang="zh-CN" sz="2900" dirty="0" smtClean="0">
                 <a:solidFill>
                   <a:srgbClr val="1D69A3"/>
                 </a:solidFill>
@@ -10399,7 +10619,7 @@
               <a:t>JVM</a:t>
             </a:r>
             <a:r>
-              <a:rPr lang="zh-CN" altLang="en-US" sz="2900" dirty="0">
+              <a:rPr lang="zh-CN" altLang="en-US" sz="2900" dirty="0" smtClean="0">
                 <a:solidFill>
                   <a:srgbClr val="1D69A3"/>
                 </a:solidFill>
@@ -10408,6 +10628,13 @@
               </a:rPr>
               <a:t>各版本内存区域的变化</a:t>
             </a:r>
+            <a:endParaRPr lang="zh-CN" altLang="en-US" sz="2900" dirty="0" smtClean="0">
+              <a:solidFill>
+                <a:srgbClr val="1D69A3"/>
+              </a:solidFill>
+              <a:latin typeface="微软雅黑" panose="020B0503020204020204" pitchFamily="34" charset="-122"/>
+              <a:ea typeface="微软雅黑" panose="020B0503020204020204" pitchFamily="34" charset="-122"/>
+            </a:endParaRPr>
           </a:p>
         </p:txBody>
       </p:sp>
@@ -10422,7 +10649,7 @@
         <p:spPr bwMode="auto">
           <a:xfrm>
             <a:off x="268478" y="1164722"/>
-            <a:ext cx="11364873" cy="6149657"/>
+            <a:ext cx="11364873" cy="6007100"/>
           </a:xfrm>
           <a:prstGeom prst="rect">
             <a:avLst/>
@@ -10450,27 +10677,13 @@
               <a:buChar char="n"/>
             </a:pPr>
             <a:r>
-              <a:rPr lang="zh-CN" altLang="en-US" sz="2000" b="1" dirty="0">
+              <a:rPr lang="zh-CN" altLang="en-US" sz="2000" b="1" dirty="0" smtClean="0">
                 <a:latin typeface="微软雅黑" panose="020B0503020204020204" pitchFamily="34" charset="-122"/>
                 <a:ea typeface="微软雅黑" panose="020B0503020204020204" pitchFamily="34" charset="-122"/>
               </a:rPr>
               <a:t>运行时常量池</a:t>
             </a:r>
-            <a:r>
-              <a:rPr lang="en-US" altLang="zh-CN" sz="2000" b="1" dirty="0">
-                <a:latin typeface="微软雅黑" panose="020B0503020204020204" pitchFamily="34" charset="-122"/>
-                <a:ea typeface="微软雅黑" panose="020B0503020204020204" pitchFamily="34" charset="-122"/>
-              </a:rPr>
-              <a:t>——</a:t>
-            </a:r>
-            <a:r>
-              <a:rPr lang="zh-CN" altLang="en-US" sz="2000" b="1" dirty="0">
-                <a:latin typeface="微软雅黑" panose="020B0503020204020204" pitchFamily="34" charset="-122"/>
-                <a:ea typeface="微软雅黑" panose="020B0503020204020204" pitchFamily="34" charset="-122"/>
-              </a:rPr>
-              <a:t>一块区域，不是常量本身</a:t>
-            </a:r>
-            <a:endParaRPr lang="en-US" altLang="zh-CN" sz="2000" b="1" dirty="0">
+            <a:endParaRPr lang="en-US" altLang="zh-CN" sz="2000" b="1" dirty="0" smtClean="0">
               <a:latin typeface="微软雅黑" panose="020B0503020204020204" pitchFamily="34" charset="-122"/>
               <a:ea typeface="微软雅黑" panose="020B0503020204020204" pitchFamily="34" charset="-122"/>
             </a:endParaRPr>
@@ -10485,14 +10698,14 @@
               </a:buClr>
             </a:pPr>
             <a:r>
-              <a:rPr lang="en-US" altLang="zh-CN" sz="1600" dirty="0"/>
+              <a:rPr lang="en-US" altLang="zh-CN" sz="1600" dirty="0" smtClean="0"/>
               <a:t>     Class </a:t>
             </a:r>
             <a:r>
-              <a:rPr lang="zh-CN" altLang="en-US" sz="1600" dirty="0"/>
+              <a:rPr lang="zh-CN" altLang="en-US" sz="1600" dirty="0" smtClean="0"/>
               <a:t>文件中的常量池（编译器生成的各种字面量和符号引用）会在类加载后被放入这个区域。</a:t>
             </a:r>
-            <a:endParaRPr lang="en-US" altLang="zh-CN" sz="1600" dirty="0"/>
+            <a:endParaRPr lang="en-US" altLang="zh-CN" sz="1600" dirty="0" smtClean="0"/>
           </a:p>
           <a:p>
             <a:pPr marL="308610" lvl="1" indent="-308610">
@@ -10504,17 +10717,18 @@
               </a:buClr>
             </a:pPr>
             <a:r>
-              <a:rPr lang="en-US" altLang="zh-CN" sz="1600" dirty="0"/>
+              <a:rPr lang="en-US" altLang="zh-CN" sz="1600" dirty="0" smtClean="0"/>
               <a:t>	</a:t>
             </a:r>
             <a:r>
-              <a:rPr lang="zh-CN" altLang="en-US" sz="1600" dirty="0"/>
+              <a:rPr lang="zh-CN" altLang="en-US" sz="1600" dirty="0" smtClean="0"/>
               <a:t>符号引用</a:t>
             </a:r>
             <a:r>
-              <a:rPr lang="en-US" altLang="zh-CN" sz="1600" dirty="0"/>
-              <a:t>:	</a:t>
-            </a:r>
+              <a:rPr lang="en-US" altLang="zh-CN" sz="1600" dirty="0" smtClean="0"/>
+              <a:t>	</a:t>
+            </a:r>
+            <a:endParaRPr lang="en-US" altLang="zh-CN" sz="1600" dirty="0" smtClean="0"/>
           </a:p>
           <a:p>
             <a:pPr marL="308610" lvl="1" indent="-308610">
@@ -10526,26 +10740,26 @@
               </a:buClr>
             </a:pPr>
             <a:r>
-              <a:rPr lang="en-US" altLang="zh-CN" sz="1600" dirty="0"/>
+              <a:rPr lang="en-US" altLang="zh-CN" sz="1600" dirty="0" smtClean="0"/>
               <a:t>	</a:t>
             </a:r>
             <a:r>
-              <a:rPr lang="zh-CN" altLang="en-US" sz="1600" dirty="0"/>
+              <a:rPr lang="zh-CN" altLang="en-US" sz="1600" dirty="0" smtClean="0"/>
               <a:t>字面量：</a:t>
             </a:r>
             <a:r>
-              <a:rPr lang="en-US" altLang="zh-CN" sz="1600" dirty="0"/>
+              <a:rPr lang="en-US" altLang="zh-CN" sz="1600" dirty="0" smtClean="0"/>
               <a:t>String a =“</a:t>
             </a:r>
             <a:r>
-              <a:rPr lang="zh-CN" altLang="en-US" sz="1600" dirty="0"/>
+              <a:rPr lang="zh-CN" altLang="en-US" sz="1600" dirty="0" smtClean="0"/>
               <a:t>享学课堂</a:t>
             </a:r>
             <a:r>
-              <a:rPr lang="en-US" altLang="zh-CN" sz="1600" dirty="0"/>
+              <a:rPr lang="en-US" altLang="zh-CN" sz="1600" dirty="0" smtClean="0"/>
               <a:t>”</a:t>
             </a:r>
-            <a:endParaRPr lang="en-US" altLang="zh-CN" sz="2000" b="1" dirty="0">
+            <a:endParaRPr lang="en-US" altLang="zh-CN" sz="2000" b="1" dirty="0" smtClean="0">
               <a:latin typeface="微软雅黑" panose="020B0503020204020204" pitchFamily="34" charset="-122"/>
               <a:ea typeface="微软雅黑" panose="020B0503020204020204" pitchFamily="34" charset="-122"/>
             </a:endParaRPr>
@@ -10562,12 +10776,16 @@
               <a:buChar char="n"/>
             </a:pPr>
             <a:r>
-              <a:rPr lang="en-US" altLang="zh-CN" sz="2000" b="1" dirty="0">
+              <a:rPr lang="en-US" altLang="zh-CN" sz="2000" b="1" dirty="0" smtClean="0">
                 <a:latin typeface="微软雅黑" panose="020B0503020204020204" pitchFamily="34" charset="-122"/>
                 <a:ea typeface="微软雅黑" panose="020B0503020204020204" pitchFamily="34" charset="-122"/>
               </a:rPr>
               <a:t>JDK1.6</a:t>
             </a:r>
+            <a:endParaRPr lang="en-US" altLang="zh-CN" sz="2000" b="1" dirty="0" smtClean="0">
+              <a:latin typeface="微软雅黑" panose="020B0503020204020204" pitchFamily="34" charset="-122"/>
+              <a:ea typeface="微软雅黑" panose="020B0503020204020204" pitchFamily="34" charset="-122"/>
+            </a:endParaRPr>
           </a:p>
           <a:p>
             <a:pPr marL="308610" indent="-308610">
@@ -10579,17 +10797,17 @@
               </a:buClr>
             </a:pPr>
             <a:r>
-              <a:rPr lang="en-US" altLang="zh-CN" sz="1600" b="1" dirty="0">
+              <a:rPr lang="en-US" altLang="zh-CN" sz="1600" b="1" dirty="0" smtClean="0">
                 <a:latin typeface="微软雅黑" panose="020B0503020204020204" pitchFamily="34" charset="-122"/>
                 <a:ea typeface="微软雅黑" panose="020B0503020204020204" pitchFamily="34" charset="-122"/>
               </a:rPr>
               <a:t>	</a:t>
             </a:r>
             <a:r>
-              <a:rPr lang="zh-CN" altLang="en-US" sz="1600" dirty="0"/>
+              <a:rPr lang="zh-CN" altLang="en-US" sz="1600" dirty="0" smtClean="0"/>
               <a:t>运行时常量池在方法区中</a:t>
             </a:r>
-            <a:endParaRPr lang="en-US" altLang="zh-CN" sz="1600" b="1" dirty="0">
+            <a:endParaRPr lang="en-US" altLang="zh-CN" sz="1600" b="1" dirty="0" smtClean="0">
               <a:latin typeface="微软雅黑" panose="020B0503020204020204" pitchFamily="34" charset="-122"/>
               <a:ea typeface="微软雅黑" panose="020B0503020204020204" pitchFamily="34" charset="-122"/>
             </a:endParaRPr>
@@ -10606,13 +10824,13 @@
               <a:buChar char="n"/>
             </a:pPr>
             <a:r>
-              <a:rPr lang="en-US" altLang="zh-CN" sz="2000" b="1" dirty="0">
+              <a:rPr lang="en-US" altLang="zh-CN" sz="2000" b="1" dirty="0" smtClean="0">
                 <a:latin typeface="微软雅黑" panose="020B0503020204020204" pitchFamily="34" charset="-122"/>
                 <a:ea typeface="微软雅黑" panose="020B0503020204020204" pitchFamily="34" charset="-122"/>
               </a:rPr>
               <a:t>JDK1.7</a:t>
             </a:r>
-            <a:endParaRPr lang="zh-CN" altLang="en-US" sz="2000" b="1" dirty="0">
+            <a:endParaRPr lang="zh-CN" altLang="en-US" sz="2000" b="1" dirty="0" smtClean="0">
               <a:latin typeface="微软雅黑" panose="020B0503020204020204" pitchFamily="34" charset="-122"/>
               <a:ea typeface="微软雅黑" panose="020B0503020204020204" pitchFamily="34" charset="-122"/>
             </a:endParaRPr>
@@ -10627,26 +10845,22 @@
               </a:buClr>
             </a:pPr>
             <a:r>
-              <a:rPr lang="zh-CN" altLang="en-US" sz="1600" dirty="0"/>
+              <a:rPr lang="zh-CN" altLang="en-US" sz="1600" dirty="0" smtClean="0"/>
               <a:t> </a:t>
             </a:r>
             <a:r>
-              <a:rPr lang="en-US" altLang="zh-CN" sz="1600" dirty="0"/>
+              <a:rPr lang="en-US" altLang="zh-CN" sz="1600" dirty="0" smtClean="0"/>
               <a:t>	</a:t>
             </a:r>
             <a:r>
-              <a:rPr lang="zh-CN" altLang="en-US" sz="2000" dirty="0">
+              <a:rPr lang="zh-CN" altLang="en-US" sz="1600" dirty="0" smtClean="0">
                 <a:solidFill>
                   <a:srgbClr val="FF0000"/>
                 </a:solidFill>
               </a:rPr>
               <a:t>运行时常量池在堆中</a:t>
             </a:r>
-            <a:endParaRPr lang="en-US" altLang="zh-CN" sz="2000" dirty="0">
-              <a:solidFill>
-                <a:srgbClr val="FF0000"/>
-              </a:solidFill>
-            </a:endParaRPr>
+            <a:endParaRPr lang="en-US" altLang="zh-CN" sz="1600" dirty="0" smtClean="0"/>
           </a:p>
           <a:p>
             <a:pPr marL="308610" lvl="1" indent="-308610">
@@ -10660,12 +10874,16 @@
               <a:buChar char="n"/>
             </a:pPr>
             <a:r>
-              <a:rPr lang="en-US" altLang="zh-CN" sz="2000" b="1" dirty="0">
+              <a:rPr lang="en-US" altLang="zh-CN" sz="2000" b="1" dirty="0" smtClean="0">
                 <a:latin typeface="微软雅黑" panose="020B0503020204020204" pitchFamily="34" charset="-122"/>
                 <a:ea typeface="微软雅黑" panose="020B0503020204020204" pitchFamily="34" charset="-122"/>
               </a:rPr>
               <a:t>JDK1.8</a:t>
             </a:r>
+            <a:endParaRPr lang="en-US" altLang="zh-CN" sz="2000" b="1" dirty="0" smtClean="0">
+              <a:latin typeface="微软雅黑" panose="020B0503020204020204" pitchFamily="34" charset="-122"/>
+              <a:ea typeface="微软雅黑" panose="020B0503020204020204" pitchFamily="34" charset="-122"/>
+            </a:endParaRPr>
           </a:p>
           <a:p>
             <a:pPr marL="308610" lvl="1" indent="-308610">
@@ -10677,34 +10895,30 @@
               </a:buClr>
             </a:pPr>
             <a:r>
-              <a:rPr lang="en-US" altLang="zh-CN" sz="1600" dirty="0"/>
+              <a:rPr lang="en-US" altLang="zh-CN" sz="1600" dirty="0" smtClean="0"/>
               <a:t>	</a:t>
             </a:r>
             <a:r>
-              <a:rPr lang="zh-CN" altLang="en-US" sz="1600" dirty="0"/>
+              <a:rPr lang="zh-CN" altLang="en-US" sz="1600" dirty="0" smtClean="0"/>
               <a:t>去永久代：使用元空间</a:t>
             </a:r>
             <a:r>
-              <a:rPr lang="en-US" altLang="zh-CN" sz="1600" dirty="0"/>
+              <a:rPr lang="en-US" altLang="zh-CN" sz="1600" dirty="0" smtClean="0"/>
               <a:t>(</a:t>
             </a:r>
             <a:r>
-              <a:rPr lang="zh-CN" altLang="en-US" sz="1600" dirty="0">
-                <a:solidFill>
-                  <a:srgbClr val="FF0000"/>
-                </a:solidFill>
-              </a:rPr>
+              <a:rPr lang="zh-CN" altLang="en-US" sz="1600" dirty="0" smtClean="0"/>
               <a:t>空间大小只受制于机器的内存</a:t>
             </a:r>
             <a:r>
-              <a:rPr lang="en-US" altLang="zh-CN" sz="1600" dirty="0"/>
+              <a:rPr lang="en-US" altLang="zh-CN" sz="1600" dirty="0" smtClean="0"/>
               <a:t>)</a:t>
             </a:r>
             <a:r>
-              <a:rPr lang="zh-CN" altLang="en-US" sz="1600" dirty="0"/>
+              <a:rPr lang="zh-CN" altLang="en-US" sz="1600" dirty="0" smtClean="0"/>
               <a:t>替代永久代</a:t>
             </a:r>
-            <a:endParaRPr lang="en-US" altLang="zh-CN" sz="1600" dirty="0"/>
+            <a:endParaRPr lang="en-US" altLang="zh-CN" sz="1600" dirty="0" smtClean="0"/>
           </a:p>
           <a:p>
             <a:pPr marL="308610" lvl="1" indent="-308610">
@@ -10716,7 +10930,7 @@
               </a:buClr>
             </a:pPr>
             <a:r>
-              <a:rPr lang="en-US" altLang="zh-CN" sz="1600" dirty="0">
+              <a:rPr lang="en-US" altLang="zh-CN" sz="1600" dirty="0" smtClean="0">
                 <a:solidFill>
                   <a:srgbClr val="FF0000"/>
                 </a:solidFill>
@@ -10724,7 +10938,7 @@
               <a:t>	</a:t>
             </a:r>
             <a:r>
-              <a:rPr lang="zh-CN" altLang="en-US" sz="1600" dirty="0">
+              <a:rPr lang="zh-CN" altLang="en-US" sz="1600" dirty="0" smtClean="0">
                 <a:solidFill>
                   <a:srgbClr val="FF0000"/>
                 </a:solidFill>
@@ -10732,7 +10946,7 @@
               <a:t>永久代参数</a:t>
             </a:r>
             <a:r>
-              <a:rPr lang="en-US" altLang="zh-CN" sz="1600" dirty="0">
+              <a:rPr lang="en-US" altLang="zh-CN" sz="1600" dirty="0" smtClean="0">
                 <a:solidFill>
                   <a:srgbClr val="FF0000"/>
                 </a:solidFill>
@@ -10740,7 +10954,7 @@
               <a:t>	-</a:t>
             </a:r>
             <a:r>
-              <a:rPr lang="en-US" altLang="zh-CN" sz="1600" dirty="0" err="1">
+              <a:rPr lang="en-US" altLang="zh-CN" sz="1600" dirty="0" err="1" smtClean="0">
                 <a:solidFill>
                   <a:srgbClr val="FF0000"/>
                 </a:solidFill>
@@ -10748,7 +10962,7 @@
               <a:t>XX:PermSize</a:t>
             </a:r>
             <a:r>
-              <a:rPr lang="zh-CN" altLang="en-US" sz="1600" dirty="0">
+              <a:rPr lang="zh-CN" altLang="en-US" sz="1600" dirty="0" smtClean="0">
                 <a:solidFill>
                   <a:srgbClr val="FF0000"/>
                 </a:solidFill>
@@ -10756,7 +10970,7 @@
               <a:t>；</a:t>
             </a:r>
             <a:r>
-              <a:rPr lang="en-US" altLang="zh-CN" sz="1600" dirty="0">
+              <a:rPr lang="en-US" altLang="zh-CN" sz="1600" dirty="0" smtClean="0">
                 <a:solidFill>
                   <a:srgbClr val="FF0000"/>
                 </a:solidFill>
@@ -10764,7 +10978,7 @@
               <a:t>-</a:t>
             </a:r>
             <a:r>
-              <a:rPr lang="en-US" altLang="zh-CN" sz="1600" dirty="0" err="1">
+              <a:rPr lang="en-US" altLang="zh-CN" sz="1600" dirty="0" err="1" smtClean="0">
                 <a:solidFill>
                   <a:srgbClr val="FF0000"/>
                 </a:solidFill>
@@ -10772,7 +10986,7 @@
               <a:t>XX:MaxPermSize</a:t>
             </a:r>
             <a:r>
-              <a:rPr lang="en-US" altLang="zh-CN" sz="1600" dirty="0">
+              <a:rPr lang="en-US" altLang="zh-CN" sz="1600" dirty="0" smtClean="0">
                 <a:solidFill>
                   <a:srgbClr val="FF0000"/>
                 </a:solidFill>
@@ -10780,7 +10994,7 @@
               <a:t> =100M   </a:t>
             </a:r>
             <a:r>
-              <a:rPr lang="zh-CN" altLang="en-US" sz="1600" dirty="0">
+              <a:rPr lang="zh-CN" altLang="en-US" sz="1600" dirty="0" smtClean="0">
                 <a:solidFill>
                   <a:srgbClr val="FF0000"/>
                 </a:solidFill>
@@ -10788,7 +11002,7 @@
               <a:t>超过</a:t>
             </a:r>
             <a:r>
-              <a:rPr lang="en-US" altLang="zh-CN" sz="1600" dirty="0">
+              <a:rPr lang="en-US" altLang="zh-CN" sz="1600" dirty="0" smtClean="0">
                 <a:solidFill>
                   <a:srgbClr val="FF0000"/>
                 </a:solidFill>
@@ -10796,14 +11010,14 @@
               <a:t>100M OOM</a:t>
             </a:r>
             <a:r>
-              <a:rPr lang="zh-CN" altLang="en-US" sz="1600" dirty="0">
+              <a:rPr lang="zh-CN" altLang="en-US" sz="1600" dirty="0" smtClean="0">
                 <a:solidFill>
                   <a:srgbClr val="FF0000"/>
                 </a:solidFill>
               </a:rPr>
               <a:t>（）</a:t>
             </a:r>
-            <a:endParaRPr lang="en-US" altLang="zh-CN" sz="1600" dirty="0">
+            <a:endParaRPr lang="en-US" altLang="zh-CN" sz="1600" dirty="0" smtClean="0">
               <a:solidFill>
                 <a:srgbClr val="FF0000"/>
               </a:solidFill>
@@ -10819,7 +11033,7 @@
               </a:buClr>
             </a:pPr>
             <a:r>
-              <a:rPr lang="en-US" altLang="zh-CN" sz="1600" dirty="0">
+              <a:rPr lang="en-US" altLang="zh-CN" sz="1600" dirty="0" smtClean="0">
                 <a:solidFill>
                   <a:srgbClr val="FF0000"/>
                 </a:solidFill>
@@ -10827,7 +11041,7 @@
               <a:t> 	</a:t>
             </a:r>
             <a:r>
-              <a:rPr lang="zh-CN" altLang="en-US" sz="1600" dirty="0">
+              <a:rPr lang="zh-CN" altLang="en-US" sz="1600" dirty="0" smtClean="0">
                 <a:solidFill>
                   <a:srgbClr val="FF0000"/>
                 </a:solidFill>
@@ -10835,7 +11049,7 @@
               <a:t>元空间参数</a:t>
             </a:r>
             <a:r>
-              <a:rPr lang="en-US" altLang="zh-CN" sz="1600" dirty="0">
+              <a:rPr lang="en-US" altLang="zh-CN" sz="1600" dirty="0" smtClean="0">
                 <a:solidFill>
                   <a:srgbClr val="FF0000"/>
                 </a:solidFill>
@@ -10843,7 +11057,7 @@
               <a:t>	-</a:t>
             </a:r>
             <a:r>
-              <a:rPr lang="en-US" altLang="zh-CN" sz="1600" dirty="0" err="1">
+              <a:rPr lang="en-US" altLang="zh-CN" sz="1600" dirty="0" err="1" smtClean="0">
                 <a:solidFill>
                   <a:srgbClr val="FF0000"/>
                 </a:solidFill>
@@ -10851,7 +11065,7 @@
               <a:t>XX:MetaspaceSize</a:t>
             </a:r>
             <a:r>
-              <a:rPr lang="zh-CN" altLang="en-US" sz="1600" dirty="0">
+              <a:rPr lang="zh-CN" altLang="en-US" sz="1600" dirty="0" smtClean="0">
                 <a:solidFill>
                   <a:srgbClr val="FF0000"/>
                 </a:solidFill>
@@ -10859,11 +11073,11 @@
               <a:t>；</a:t>
             </a:r>
             <a:r>
-              <a:rPr lang="en-US" sz="1600" dirty="0"/>
+              <a:rPr lang="en-US" sz="1600" dirty="0" smtClean="0"/>
               <a:t> </a:t>
             </a:r>
             <a:r>
-              <a:rPr lang="en-US" altLang="zh-CN" sz="1600" dirty="0">
+              <a:rPr lang="en-US" altLang="zh-CN" sz="1600" dirty="0" smtClean="0">
                 <a:solidFill>
                   <a:srgbClr val="FF0000"/>
                 </a:solidFill>
@@ -10871,7 +11085,7 @@
               <a:t>-</a:t>
             </a:r>
             <a:r>
-              <a:rPr lang="en-US" altLang="zh-CN" sz="1600" dirty="0" err="1">
+              <a:rPr lang="en-US" altLang="zh-CN" sz="1600" dirty="0" err="1" smtClean="0">
                 <a:solidFill>
                   <a:srgbClr val="FF0000"/>
                 </a:solidFill>
@@ -10879,14 +11093,14 @@
               <a:t>XX:MaxMetaspaceSize</a:t>
             </a:r>
             <a:r>
-              <a:rPr lang="en-US" altLang="zh-CN" sz="1600" dirty="0">
+              <a:rPr lang="en-US" altLang="zh-CN" sz="1600" dirty="0" smtClean="0">
                 <a:solidFill>
                   <a:srgbClr val="FF0000"/>
                 </a:solidFill>
               </a:rPr>
               <a:t> </a:t>
             </a:r>
-            <a:endParaRPr lang="en-US" altLang="zh-CN" sz="1600" dirty="0"/>
+            <a:endParaRPr lang="en-US" altLang="zh-CN" sz="1600" dirty="0" smtClean="0"/>
           </a:p>
           <a:p>
             <a:pPr eaLnBrk="0" hangingPunct="0">
@@ -10895,18 +11109,18 @@
               </a:lnSpc>
             </a:pPr>
             <a:r>
-              <a:rPr lang="zh-CN" altLang="en-US" sz="1600" dirty="0"/>
+              <a:rPr lang="zh-CN" altLang="en-US" sz="1600" dirty="0" smtClean="0"/>
               <a:t>     </a:t>
             </a:r>
             <a:r>
-              <a:rPr lang="en-US" altLang="zh-CN" sz="1600" dirty="0"/>
+              <a:rPr lang="en-US" altLang="zh-CN" sz="1600" dirty="0" smtClean="0"/>
               <a:t>why</a:t>
             </a:r>
             <a:r>
-              <a:rPr lang="zh-CN" altLang="en-US" sz="1600" dirty="0"/>
+              <a:rPr lang="zh-CN" altLang="en-US" sz="1600" dirty="0" smtClean="0"/>
               <a:t>？</a:t>
             </a:r>
-            <a:endParaRPr lang="en-US" altLang="zh-CN" sz="1600" dirty="0"/>
+            <a:endParaRPr lang="en-US" altLang="zh-CN" sz="1600" dirty="0" smtClean="0"/>
           </a:p>
           <a:p>
             <a:pPr eaLnBrk="0" hangingPunct="0">
@@ -10915,22 +11129,22 @@
               </a:lnSpc>
             </a:pPr>
             <a:r>
-              <a:rPr lang="en-US" altLang="zh-CN" sz="1600" dirty="0"/>
+              <a:rPr lang="en-US" altLang="zh-CN" sz="1600" dirty="0" smtClean="0"/>
               <a:t>     </a:t>
             </a:r>
             <a:r>
-              <a:rPr lang="zh-CN" altLang="en-US" sz="1600" dirty="0"/>
+              <a:rPr lang="zh-CN" altLang="en-US" sz="1600" dirty="0" smtClean="0"/>
               <a:t>永久代来存储类信息、常量、静态变量等数据不是个好主意</a:t>
             </a:r>
             <a:r>
-              <a:rPr lang="en-US" altLang="zh-CN" sz="1600" dirty="0"/>
+              <a:rPr lang="en-US" altLang="zh-CN" sz="1600" dirty="0" smtClean="0"/>
               <a:t>, </a:t>
             </a:r>
             <a:r>
-              <a:rPr lang="zh-CN" altLang="en-US" sz="1600" dirty="0"/>
+              <a:rPr lang="zh-CN" altLang="en-US" sz="1600" dirty="0" smtClean="0"/>
               <a:t>很容易遇到内存溢出的问题。</a:t>
             </a:r>
-            <a:endParaRPr lang="en-US" altLang="zh-CN" sz="1600" dirty="0"/>
+            <a:endParaRPr lang="en-US" altLang="zh-CN" sz="1600" dirty="0" smtClean="0"/>
           </a:p>
           <a:p>
             <a:pPr eaLnBrk="0" hangingPunct="0">
@@ -10939,38 +11153,38 @@
               </a:lnSpc>
             </a:pPr>
             <a:r>
-              <a:rPr lang="en-US" altLang="zh-CN" sz="1600" dirty="0"/>
+              <a:rPr lang="en-US" altLang="zh-CN" sz="1600" dirty="0" smtClean="0"/>
               <a:t>     </a:t>
             </a:r>
             <a:r>
-              <a:rPr lang="zh-CN" altLang="en-US" sz="1600" dirty="0"/>
+              <a:rPr lang="zh-CN" altLang="en-US" sz="1600" dirty="0" smtClean="0"/>
               <a:t>对永久代进行调优是很困难的</a:t>
             </a:r>
             <a:r>
-              <a:rPr lang="en-US" altLang="zh-CN" sz="1600" dirty="0"/>
+              <a:rPr lang="en-US" altLang="zh-CN" sz="1600" dirty="0" smtClean="0"/>
               <a:t>,</a:t>
             </a:r>
             <a:r>
-              <a:rPr lang="zh-CN" altLang="en-US" sz="1600" dirty="0"/>
+              <a:rPr lang="zh-CN" altLang="en-US" sz="1600" dirty="0" smtClean="0"/>
               <a:t>同时将元空间与堆的垃圾回收进行了隔离，避免永久代引发的</a:t>
             </a:r>
             <a:r>
-              <a:rPr lang="en-US" altLang="zh-CN" sz="1600" dirty="0"/>
+              <a:rPr lang="en-US" altLang="zh-CN" sz="1600" dirty="0" smtClean="0"/>
               <a:t>Full GC</a:t>
             </a:r>
             <a:r>
-              <a:rPr lang="zh-CN" altLang="en-US" sz="1600" dirty="0"/>
+              <a:rPr lang="zh-CN" altLang="en-US" sz="1600" dirty="0" smtClean="0"/>
               <a:t>和</a:t>
             </a:r>
             <a:r>
-              <a:rPr lang="en-US" altLang="zh-CN" sz="1600" dirty="0"/>
+              <a:rPr lang="en-US" altLang="zh-CN" sz="1600" dirty="0" smtClean="0"/>
               <a:t>OOM</a:t>
             </a:r>
             <a:r>
-              <a:rPr lang="zh-CN" altLang="en-US" sz="1600" dirty="0"/>
+              <a:rPr lang="zh-CN" altLang="en-US" sz="1600" dirty="0" smtClean="0"/>
               <a:t>等问题；</a:t>
             </a:r>
-            <a:endParaRPr lang="en-US" altLang="zh-CN" sz="1600" dirty="0"/>
+            <a:endParaRPr lang="en-US" altLang="zh-CN" sz="1600" dirty="0" smtClean="0"/>
           </a:p>
         </p:txBody>
       </p:sp>
@@ -10979,13 +11193,13 @@
   <p:clrMapOvr>
     <a:masterClrMapping/>
   </p:clrMapOvr>
-  <mc:AlternateContent xmlns:mc="http://schemas.openxmlformats.org/markup-compatibility/2006" xmlns:p14="http://schemas.microsoft.com/office/powerpoint/2010/main">
-    <mc:Choice Requires="p14">
+  <mc:AlternateContent xmlns:mc="http://schemas.openxmlformats.org/markup-compatibility/2006">
+    <mc:Choice xmlns:p14="http://schemas.microsoft.com/office/powerpoint/2010/main" Requires="p14">
       <p:transition spd="slow" p14:dur="1500">
         <p:random/>
       </p:transition>
     </mc:Choice>
-    <mc:Fallback xmlns="">
+    <mc:Fallback>
       <p:transition spd="slow">
         <p:random/>
       </p:transition>
@@ -11218,7 +11432,7 @@
         <p:spPr bwMode="auto">
           <a:xfrm>
             <a:off x="1121749" y="397154"/>
-            <a:ext cx="3993176" cy="830997"/>
+            <a:ext cx="3993176" cy="830580"/>
           </a:xfrm>
           <a:prstGeom prst="rect">
             <a:avLst/>
@@ -11255,7 +11469,7 @@
           <a:p>
             <a:pPr defTabSz="1255395"/>
             <a:r>
-              <a:rPr lang="zh-CN" altLang="en-US" sz="2700" dirty="0">
+              <a:rPr lang="zh-CN" altLang="en-US" sz="2700" dirty="0" smtClean="0">
                 <a:solidFill>
                   <a:srgbClr val="1D69A3"/>
                 </a:solidFill>
@@ -11265,36 +11479,36 @@
               <a:t>直接内存</a:t>
             </a:r>
             <a:r>
-              <a:rPr lang="en-US" altLang="zh-CN" sz="2700" dirty="0">
+              <a:rPr lang="en-US" altLang="zh-CN" sz="2700" dirty="0" smtClean="0">
                 <a:solidFill>
                   <a:srgbClr val="1D69A3"/>
                 </a:solidFill>
                 <a:latin typeface="微软雅黑" panose="020B0503020204020204" pitchFamily="34" charset="-122"/>
                 <a:ea typeface="微软雅黑" panose="020B0503020204020204" pitchFamily="34" charset="-122"/>
               </a:rPr>
-              <a:t>—JVM</a:t>
-            </a:r>
-            <a:r>
-              <a:rPr lang="zh-CN" altLang="en-US" sz="2700" dirty="0">
+              <a:t>—</a:t>
+            </a:r>
+            <a:r>
+              <a:rPr lang="en-US" sz="2700" dirty="0" smtClean="0">
                 <a:solidFill>
                   <a:srgbClr val="1D69A3"/>
                 </a:solidFill>
                 <a:latin typeface="微软雅黑" panose="020B0503020204020204" pitchFamily="34" charset="-122"/>
                 <a:ea typeface="微软雅黑" panose="020B0503020204020204" pitchFamily="34" charset="-122"/>
               </a:rPr>
-              <a:t>规范</a:t>
-            </a:r>
-            <a:r>
-              <a:rPr lang="zh-CN" altLang="en-US" sz="2700">
+              <a:t>JVM</a:t>
+            </a:r>
+            <a:r>
+              <a:rPr lang="zh-CN" altLang="en-US" sz="2700" dirty="0" smtClean="0">
                 <a:solidFill>
                   <a:srgbClr val="1D69A3"/>
                 </a:solidFill>
                 <a:latin typeface="微软雅黑" panose="020B0503020204020204" pitchFamily="34" charset="-122"/>
                 <a:ea typeface="微软雅黑" panose="020B0503020204020204" pitchFamily="34" charset="-122"/>
               </a:rPr>
-              <a:t>中没有定义</a:t>
-            </a:r>
-            <a:endParaRPr lang="zh-CN" altLang="en-US" sz="2700" dirty="0">
+              <a:t>规范中没有定义</a:t>
+            </a:r>
+            <a:endParaRPr lang="zh-CN" altLang="en-US" sz="2700" dirty="0" smtClean="0">
               <a:solidFill>
                 <a:srgbClr val="1D69A3"/>
               </a:solidFill>
@@ -11330,7 +11544,7 @@
           </p:xfrm>
           <a:graphic>
             <a:graphicData uri="http://schemas.openxmlformats.org/drawingml/2006/diagram">
-              <dgm:relIds xmlns:dgm="http://schemas.openxmlformats.org/drawingml/2006/diagram" xmlns:r="http://schemas.openxmlformats.org/officeDocument/2006/relationships" r:dm="rId3" r:lo="rId4" r:qs="rId5" r:cs="rId6"/>
+              <dgm:relIds xmlns:dgm="http://schemas.openxmlformats.org/drawingml/2006/diagram" xmlns:r="http://schemas.openxmlformats.org/officeDocument/2006/relationships" r:dm="rId2" r:lo="rId3" r:qs="rId4" r:cs="rId5"/>
             </a:graphicData>
           </a:graphic>
         </p:graphicFrame>
@@ -11491,6 +11705,10 @@
                 </a:rPr>
                 <a:t>引用</a:t>
               </a:r>
+              <a:endParaRPr lang="zh-CN" altLang="en-US" sz="1400" dirty="0">
+                <a:latin typeface="微软雅黑" panose="020B0503020204020204" pitchFamily="34" charset="-122"/>
+                <a:ea typeface="微软雅黑" panose="020B0503020204020204" pitchFamily="34" charset="-122"/>
+              </a:endParaRPr>
             </a:p>
           </p:txBody>
         </p:sp>
@@ -11564,6 +11782,7 @@
                 <a:rPr lang="zh-CN" altLang="en-US"/>
                 <a:t>内存区域模型</a:t>
               </a:r>
+              <a:endParaRPr lang="zh-CN" altLang="en-US"/>
             </a:p>
           </p:txBody>
         </p:sp>
@@ -11633,6 +11852,7 @@
                 <a:rPr lang="zh-CN" altLang="en-US"/>
                 <a:t>非堆区域</a:t>
               </a:r>
+              <a:endParaRPr lang="zh-CN" altLang="en-US"/>
             </a:p>
           </p:txBody>
         </p:sp>
@@ -11720,9 +11940,13 @@
             </a:pPr>
             <a:r>
               <a:rPr lang="zh-CN" altLang="en-US" b="1" dirty="0"/>
-              <a:t>直接内存：</a:t>
-            </a:r>
-            <a:endParaRPr lang="en-US" altLang="zh-CN" b="1" dirty="0"/>
+              <a:t>直接内存</a:t>
+            </a:r>
+            <a:r>
+              <a:rPr lang="zh-CN" altLang="en-US" b="1" dirty="0" smtClean="0"/>
+              <a:t>：</a:t>
+            </a:r>
+            <a:endParaRPr lang="en-US" altLang="zh-CN" b="1" dirty="0" smtClean="0"/>
           </a:p>
           <a:p>
             <a:pPr eaLnBrk="0" hangingPunct="0">
@@ -11732,8 +11956,12 @@
               <a:defRPr/>
             </a:pPr>
             <a:r>
+              <a:rPr lang="zh-CN" altLang="en-US" sz="1600" dirty="0" smtClean="0"/>
+              <a:t>不是</a:t>
+            </a:r>
+            <a:r>
               <a:rPr lang="zh-CN" altLang="en-US" sz="1600" dirty="0"/>
-              <a:t>不是虚拟机运行时数据区的一部分，也不是</a:t>
+              <a:t>虚拟机运行时数据区的一部分，也不是</a:t>
             </a:r>
             <a:r>
               <a:rPr lang="en-US" altLang="zh-CN" sz="1600" dirty="0"/>
@@ -11741,7 +11969,57 @@
             </a:r>
             <a:r>
               <a:rPr lang="zh-CN" altLang="en-US" sz="1600" dirty="0"/>
-              <a:t>虚拟机规范中定义的内存区域；</a:t>
+              <a:t>虚拟机规范中定义的内存区域</a:t>
+            </a:r>
+            <a:r>
+              <a:rPr lang="zh-CN" altLang="en-US" sz="1600" dirty="0" smtClean="0"/>
+              <a:t>；</a:t>
+            </a:r>
+            <a:endParaRPr lang="en-US" altLang="zh-CN" sz="1600" dirty="0" smtClean="0"/>
+          </a:p>
+          <a:p>
+            <a:pPr marL="294005" indent="-294005" eaLnBrk="0" hangingPunct="0">
+              <a:lnSpc>
+                <a:spcPct val="150000"/>
+              </a:lnSpc>
+              <a:buClr>
+                <a:srgbClr val="FFC000"/>
+              </a:buClr>
+              <a:buFont typeface="Wingdings" panose="05000000000000000000" pitchFamily="2" charset="2"/>
+              <a:buChar char="ü"/>
+              <a:defRPr/>
+            </a:pPr>
+            <a:r>
+              <a:rPr lang="zh-CN" altLang="en-US" sz="1600" dirty="0" smtClean="0"/>
+              <a:t>如果</a:t>
+            </a:r>
+            <a:r>
+              <a:rPr lang="zh-CN" altLang="en-US" sz="1600" dirty="0"/>
+              <a:t>使用了</a:t>
+            </a:r>
+            <a:r>
+              <a:rPr lang="en-US" altLang="zh-CN" sz="1600" dirty="0"/>
+              <a:t>NIO,</a:t>
+            </a:r>
+            <a:r>
+              <a:rPr lang="zh-CN" altLang="en-US" sz="1600" dirty="0"/>
+              <a:t>这块区域会被频繁使用，在</a:t>
+            </a:r>
+            <a:r>
+              <a:rPr lang="en-US" altLang="zh-CN" sz="1600" dirty="0"/>
+              <a:t>java</a:t>
+            </a:r>
+            <a:r>
+              <a:rPr lang="zh-CN" altLang="en-US" sz="1600" dirty="0"/>
+              <a:t>堆内可以用</a:t>
+            </a:r>
+            <a:r>
+              <a:rPr lang="en-US" altLang="zh-CN" sz="1600" dirty="0" err="1"/>
+              <a:t>directByteBuffer</a:t>
+            </a:r>
+            <a:r>
+              <a:rPr lang="zh-CN" altLang="en-US" sz="1600" dirty="0"/>
+              <a:t>对象直接引用并操作；</a:t>
             </a:r>
             <a:endParaRPr lang="en-US" altLang="zh-CN" sz="1600" dirty="0"/>
           </a:p>
@@ -11759,15 +12037,7 @@
             </a:pPr>
             <a:r>
               <a:rPr lang="zh-CN" altLang="en-US" sz="1600" dirty="0"/>
-              <a:t>如果使用了</a:t>
-            </a:r>
-            <a:r>
-              <a:rPr lang="en-US" altLang="zh-CN" sz="1600" dirty="0"/>
-              <a:t>NIO,</a:t>
-            </a:r>
-            <a:r>
-              <a:rPr lang="zh-CN" altLang="en-US" sz="1600" dirty="0"/>
-              <a:t>这块区域会被频繁使用，在</a:t>
+              <a:t>这块内存不受</a:t>
             </a:r>
             <a:r>
               <a:rPr lang="en-US" altLang="zh-CN" sz="1600" dirty="0"/>
@@ -11775,17 +12045,29 @@
             </a:r>
             <a:r>
               <a:rPr lang="zh-CN" altLang="en-US" sz="1600" dirty="0"/>
-              <a:t>堆内可以用</a:t>
+              <a:t>堆大小限制，但受本机总内存的限制，可以通过</a:t>
             </a:r>
             <a:r>
               <a:rPr lang="en-US" altLang="zh-CN" sz="1600" dirty="0" err="1"/>
-              <a:t>directByteBuffer</a:t>
+              <a:t>MaxDirectMemorySize</a:t>
             </a:r>
             <a:r>
               <a:rPr lang="zh-CN" altLang="en-US" sz="1600" dirty="0"/>
-              <a:t>对象直接引用并操作；</a:t>
-            </a:r>
-            <a:endParaRPr lang="en-US" altLang="zh-CN" sz="1600" dirty="0"/>
+              <a:t>来设置（默认与堆内存最大值一样），所以也会出现</a:t>
+            </a:r>
+            <a:r>
+              <a:rPr lang="en-US" altLang="zh-CN" sz="1600" dirty="0"/>
+              <a:t>OOM</a:t>
+            </a:r>
+            <a:r>
+              <a:rPr lang="zh-CN" altLang="en-US" sz="1600" dirty="0"/>
+              <a:t>异常</a:t>
+            </a:r>
+            <a:r>
+              <a:rPr lang="zh-CN" altLang="en-US" sz="1600" dirty="0" smtClean="0"/>
+              <a:t>；</a:t>
+            </a:r>
+            <a:endParaRPr lang="en-US" altLang="zh-CN" sz="1600" dirty="0" smtClean="0"/>
           </a:p>
           <a:p>
             <a:pPr marL="294005" indent="-294005" eaLnBrk="0" hangingPunct="0">
@@ -11800,67 +12082,26 @@
               <a:defRPr/>
             </a:pPr>
             <a:r>
-              <a:rPr lang="zh-CN" altLang="en-US" sz="1600" dirty="0"/>
-              <a:t>这块内存不受</a:t>
-            </a:r>
-            <a:r>
-              <a:rPr lang="en-US" altLang="zh-CN" sz="1600" dirty="0"/>
-              <a:t>java</a:t>
-            </a:r>
-            <a:r>
-              <a:rPr lang="zh-CN" altLang="en-US" sz="1600" dirty="0"/>
-              <a:t>堆大小限制，但受本机总内存的限制，可以通过</a:t>
-            </a:r>
-            <a:r>
-              <a:rPr lang="en-US" altLang="zh-CN" sz="1600" dirty="0" err="1"/>
-              <a:t>MaxDirectMemorySize</a:t>
-            </a:r>
-            <a:r>
-              <a:rPr lang="zh-CN" altLang="en-US" sz="1600" dirty="0"/>
-              <a:t>来设置（默认与堆内存最大值一样），所以也会出现</a:t>
-            </a:r>
-            <a:r>
-              <a:rPr lang="en-US" altLang="zh-CN" sz="1600" dirty="0"/>
-              <a:t>OOM</a:t>
-            </a:r>
-            <a:r>
-              <a:rPr lang="zh-CN" altLang="en-US" sz="1600" dirty="0"/>
-              <a:t>异常；</a:t>
-            </a:r>
-            <a:endParaRPr lang="en-US" altLang="zh-CN" sz="1600" dirty="0"/>
-          </a:p>
-          <a:p>
-            <a:pPr marL="294005" indent="-294005" eaLnBrk="0" hangingPunct="0">
-              <a:lnSpc>
-                <a:spcPct val="150000"/>
-              </a:lnSpc>
-              <a:buClr>
-                <a:srgbClr val="FFC000"/>
-              </a:buClr>
-              <a:buFont typeface="Wingdings" panose="05000000000000000000" pitchFamily="2" charset="2"/>
-              <a:buChar char="ü"/>
-              <a:defRPr/>
-            </a:pPr>
-            <a:r>
-              <a:rPr lang="zh-CN" altLang="en-US" sz="1600" dirty="0"/>
+              <a:rPr lang="zh-CN" altLang="en-US" sz="1600" dirty="0" smtClean="0"/>
               <a:t>避免了在</a:t>
             </a:r>
             <a:r>
-              <a:rPr lang="en-US" sz="1600" dirty="0"/>
+              <a:rPr lang="en-US" sz="1600" dirty="0" smtClean="0"/>
               <a:t>Java </a:t>
             </a:r>
             <a:r>
-              <a:rPr lang="zh-CN" altLang="en-US" sz="1600" dirty="0"/>
+              <a:rPr lang="zh-CN" altLang="en-US" sz="1600" dirty="0" smtClean="0"/>
               <a:t>堆和</a:t>
             </a:r>
             <a:r>
-              <a:rPr lang="en-US" sz="1600" dirty="0"/>
+              <a:rPr lang="en-US" sz="1600" dirty="0" smtClean="0"/>
               <a:t>Native </a:t>
             </a:r>
             <a:r>
-              <a:rPr lang="zh-CN" altLang="en-US" sz="1600" dirty="0"/>
+              <a:rPr lang="zh-CN" altLang="en-US" sz="1600" dirty="0" smtClean="0"/>
               <a:t>堆中来回复制数据，能够提高效率</a:t>
             </a:r>
+            <a:endParaRPr lang="zh-CN" altLang="en-US" sz="1600" dirty="0"/>
           </a:p>
         </p:txBody>
       </p:sp>
@@ -11869,13 +12110,13 @@
   <p:clrMapOvr>
     <a:masterClrMapping/>
   </p:clrMapOvr>
-  <mc:AlternateContent xmlns:mc="http://schemas.openxmlformats.org/markup-compatibility/2006" xmlns:p14="http://schemas.microsoft.com/office/powerpoint/2010/main">
-    <mc:Choice Requires="p14">
+  <mc:AlternateContent xmlns:mc="http://schemas.openxmlformats.org/markup-compatibility/2006">
+    <mc:Choice xmlns:p14="http://schemas.microsoft.com/office/powerpoint/2010/main" Requires="p14">
       <p:transition spd="slow" p14:dur="1500">
         <p:random/>
       </p:transition>
     </mc:Choice>
-    <mc:Fallback xmlns="">
+    <mc:Fallback>
       <p:transition spd="slow">
         <p:random/>
       </p:transition>
@@ -12145,7 +12386,7 @@
           <a:p>
             <a:pPr defTabSz="1255395"/>
             <a:r>
-              <a:rPr lang="zh-CN" altLang="en-US" sz="2700" dirty="0">
+              <a:rPr lang="zh-CN" altLang="en-US" sz="2700" dirty="0" smtClean="0">
                 <a:solidFill>
                   <a:srgbClr val="1D69A3"/>
                 </a:solidFill>
@@ -12154,6 +12395,13 @@
               </a:rPr>
               <a:t>站在线程角度来看</a:t>
             </a:r>
+            <a:endParaRPr lang="zh-CN" altLang="en-US" sz="2700" dirty="0" smtClean="0">
+              <a:solidFill>
+                <a:srgbClr val="1D69A3"/>
+              </a:solidFill>
+              <a:latin typeface="微软雅黑" panose="020B0503020204020204" pitchFamily="34" charset="-122"/>
+              <a:ea typeface="微软雅黑" panose="020B0503020204020204" pitchFamily="34" charset="-122"/>
+            </a:endParaRPr>
           </a:p>
         </p:txBody>
       </p:sp>
@@ -12166,7 +12414,7 @@
           <p:nvPr/>
         </p:nvPicPr>
         <p:blipFill>
-          <a:blip r:embed="rId3"/>
+          <a:blip r:embed="rId2"/>
           <a:srcRect/>
           <a:stretch>
             <a:fillRect/>
@@ -12188,13 +12436,13 @@
   <p:clrMapOvr>
     <a:masterClrMapping/>
   </p:clrMapOvr>
-  <mc:AlternateContent xmlns:mc="http://schemas.openxmlformats.org/markup-compatibility/2006" xmlns:p14="http://schemas.microsoft.com/office/powerpoint/2010/main">
-    <mc:Choice Requires="p14">
+  <mc:AlternateContent xmlns:mc="http://schemas.openxmlformats.org/markup-compatibility/2006">
+    <mc:Choice xmlns:p14="http://schemas.microsoft.com/office/powerpoint/2010/main" Requires="p14">
       <p:transition spd="slow" p14:dur="1500">
         <p:random/>
       </p:transition>
     </mc:Choice>
-    <mc:Fallback xmlns="">
+    <mc:Fallback>
       <p:transition spd="slow">
         <p:random/>
       </p:transition>
@@ -12464,7 +12712,7 @@
           <a:p>
             <a:pPr defTabSz="1255395"/>
             <a:r>
-              <a:rPr lang="zh-CN" altLang="en-US" sz="2700" dirty="0">
+              <a:rPr lang="zh-CN" altLang="en-US" sz="2700" dirty="0" smtClean="0">
                 <a:solidFill>
                   <a:srgbClr val="1D69A3"/>
                 </a:solidFill>
@@ -12473,6 +12721,13 @@
               </a:rPr>
               <a:t>深入分析栈和堆</a:t>
             </a:r>
+            <a:endParaRPr lang="zh-CN" altLang="en-US" sz="2700" dirty="0" smtClean="0">
+              <a:solidFill>
+                <a:srgbClr val="1D69A3"/>
+              </a:solidFill>
+              <a:latin typeface="微软雅黑" panose="020B0503020204020204" pitchFamily="34" charset="-122"/>
+              <a:ea typeface="微软雅黑" panose="020B0503020204020204" pitchFamily="34" charset="-122"/>
+            </a:endParaRPr>
           </a:p>
         </p:txBody>
       </p:sp>
@@ -12487,7 +12742,7 @@
         <p:spPr bwMode="auto">
           <a:xfrm>
             <a:off x="439344" y="1358782"/>
-            <a:ext cx="11274432" cy="5940017"/>
+            <a:ext cx="11274432" cy="5803265"/>
           </a:xfrm>
           <a:prstGeom prst="rect">
             <a:avLst/>
@@ -12512,7 +12767,9 @@
               <a:buChar char="n"/>
             </a:pPr>
             <a:r>
-              <a:rPr lang="zh-CN" altLang="en-US" sz="2100" b="1" dirty="0"/>
+              <a:rPr lang="zh-CN" altLang="en-US" sz="2100" b="1" dirty="0">
+                <a:sym typeface="+mn-ea"/>
+              </a:rPr>
               <a:t>功能</a:t>
             </a:r>
             <a:endParaRPr lang="en-US" altLang="zh-CN" sz="2100" b="1" dirty="0"/>
@@ -12530,6 +12787,10 @@
             </a:pPr>
             <a:r>
               <a:rPr lang="zh-CN" altLang="en-US" dirty="0"/>
+              <a:t>栈：</a:t>
+            </a:r>
+            <a:r>
+              <a:rPr lang="zh-CN" altLang="en-US" dirty="0"/>
               <a:t>以栈帧的方式存储方法调用的过程，并存储方法调用过程中基本数据类型的变量（</a:t>
             </a:r>
             <a:r>
@@ -12594,14 +12855,18 @@
             </a:r>
             <a:r>
               <a:rPr lang="zh-CN" altLang="en-US" dirty="0"/>
-              <a:t>等）以及对象的引用变量，其内存分配在栈上，变量出了作用域就会自动释放；（</a:t>
-            </a:r>
-            <a:r>
-              <a:rPr lang="en-US" altLang="zh-CN" dirty="0" err="1"/>
+              <a:t>等）以及对象的引用变量，其内存分配在栈上，变量出了作用域就会自动释放</a:t>
+            </a:r>
+            <a:r>
+              <a:rPr lang="zh-CN" altLang="en-US" dirty="0" smtClean="0"/>
+              <a:t>；（</a:t>
+            </a:r>
+            <a:r>
+              <a:rPr lang="en-US" altLang="zh-CN" dirty="0" err="1" smtClean="0"/>
               <a:t>stackoverflow,OOM</a:t>
             </a:r>
             <a:r>
-              <a:rPr lang="zh-CN" altLang="en-US" dirty="0"/>
+              <a:rPr lang="zh-CN" altLang="en-US" dirty="0" smtClean="0"/>
               <a:t>）</a:t>
             </a:r>
             <a:endParaRPr lang="en-US" altLang="zh-CN" dirty="0"/>
@@ -12619,7 +12884,7 @@
             </a:pPr>
             <a:r>
               <a:rPr lang="zh-CN" altLang="en-US" dirty="0"/>
-              <a:t>而堆内存用来存储</a:t>
+              <a:t>堆：用来存储</a:t>
             </a:r>
             <a:r>
               <a:rPr lang="en-US" altLang="zh-CN" dirty="0"/>
@@ -12678,9 +12943,13 @@
             </a:pPr>
             <a:r>
               <a:rPr lang="zh-CN" altLang="en-US" dirty="0"/>
-              <a:t>堆内存中的对象对所有线程可见。堆内存中的对象可以被所有线程访问。</a:t>
-            </a:r>
-            <a:endParaRPr lang="en-US" altLang="zh-CN" dirty="0"/>
+              <a:t>堆内存中的对象对所有线程可见。堆内存中的对象可以被所有线程访问</a:t>
+            </a:r>
+            <a:r>
+              <a:rPr lang="zh-CN" altLang="en-US" dirty="0" smtClean="0"/>
+              <a:t>。</a:t>
+            </a:r>
+            <a:endParaRPr lang="en-US" altLang="zh-CN" dirty="0" smtClean="0"/>
           </a:p>
           <a:p>
             <a:pPr marL="294005" indent="-294005" eaLnBrk="0" hangingPunct="0">
@@ -12694,10 +12963,10 @@
               <a:buChar char="n"/>
             </a:pPr>
             <a:r>
-              <a:rPr lang="zh-CN" altLang="en-US" sz="2100" b="1" dirty="0"/>
+              <a:rPr lang="zh-CN" altLang="en-US" sz="2100" b="1" dirty="0" smtClean="0"/>
               <a:t>空间大小</a:t>
             </a:r>
-            <a:endParaRPr lang="en-US" altLang="zh-CN" sz="2100" b="1" dirty="0"/>
+            <a:endParaRPr lang="en-US" altLang="zh-CN" sz="2100" b="1" dirty="0" smtClean="0"/>
           </a:p>
           <a:p>
             <a:pPr marL="294005" indent="-294005" eaLnBrk="0" hangingPunct="0">
@@ -12711,17 +12980,18 @@
               <a:buChar char="Ø"/>
             </a:pPr>
             <a:r>
-              <a:rPr lang="zh-CN" altLang="en-US" dirty="0"/>
+              <a:rPr lang="zh-CN" altLang="en-US" dirty="0" smtClean="0"/>
               <a:t>栈的内存要远远小于堆内存，栈的深度是有限制的，可能发生</a:t>
             </a:r>
             <a:r>
-              <a:rPr lang="en-US" altLang="zh-CN" dirty="0" err="1"/>
+              <a:rPr lang="en-US" altLang="zh-CN" dirty="0" err="1" smtClean="0"/>
               <a:t>StackOverFlowError</a:t>
             </a:r>
             <a:r>
-              <a:rPr lang="zh-CN" altLang="en-US" dirty="0"/>
+              <a:rPr lang="zh-CN" altLang="en-US" dirty="0" smtClean="0"/>
               <a:t>问题。</a:t>
             </a:r>
+            <a:endParaRPr lang="zh-CN" altLang="en-US" dirty="0"/>
           </a:p>
         </p:txBody>
       </p:sp>
@@ -12730,13 +13000,13 @@
   <p:clrMapOvr>
     <a:masterClrMapping/>
   </p:clrMapOvr>
-  <mc:AlternateContent xmlns:mc="http://schemas.openxmlformats.org/markup-compatibility/2006" xmlns:p14="http://schemas.microsoft.com/office/powerpoint/2010/main">
-    <mc:Choice Requires="p14">
+  <mc:AlternateContent xmlns:mc="http://schemas.openxmlformats.org/markup-compatibility/2006">
+    <mc:Choice xmlns:p14="http://schemas.microsoft.com/office/powerpoint/2010/main" Requires="p14">
       <p:transition spd="slow" p14:dur="1500">
         <p:random/>
       </p:transition>
     </mc:Choice>
-    <mc:Fallback xmlns="">
+    <mc:Fallback>
       <p:transition spd="slow">
         <p:random/>
       </p:transition>
@@ -13006,7 +13276,7 @@
           <a:p>
             <a:pPr defTabSz="1255395"/>
             <a:r>
-              <a:rPr lang="zh-CN" altLang="en-US" sz="2700" dirty="0">
+              <a:rPr lang="zh-CN" altLang="en-US" sz="2700" dirty="0" smtClean="0">
                 <a:solidFill>
                   <a:srgbClr val="1D69A3"/>
                 </a:solidFill>
@@ -13015,6 +13285,13 @@
               </a:rPr>
               <a:t>作业</a:t>
             </a:r>
+            <a:endParaRPr lang="zh-CN" altLang="en-US" sz="2700" dirty="0" smtClean="0">
+              <a:solidFill>
+                <a:srgbClr val="1D69A3"/>
+              </a:solidFill>
+              <a:latin typeface="微软雅黑" panose="020B0503020204020204" pitchFamily="34" charset="-122"/>
+              <a:ea typeface="微软雅黑" panose="020B0503020204020204" pitchFamily="34" charset="-122"/>
+            </a:endParaRPr>
           </a:p>
         </p:txBody>
       </p:sp>
@@ -13054,7 +13331,7 @@
               <a:buChar char="n"/>
             </a:pPr>
             <a:r>
-              <a:rPr lang="zh-CN" altLang="en-US" sz="2100" b="1" dirty="0"/>
+              <a:rPr lang="zh-CN" altLang="en-US" sz="2100" b="1" dirty="0" smtClean="0"/>
               <a:t>运用今天的知识，解释以下代码的运行结果</a:t>
             </a:r>
             <a:endParaRPr lang="en-US" altLang="zh-CN" sz="2100" b="1" dirty="0"/>
@@ -13070,7 +13347,7 @@
           <p:nvPr/>
         </p:nvPicPr>
         <p:blipFill>
-          <a:blip r:embed="rId3"/>
+          <a:blip r:embed="rId2"/>
           <a:srcRect/>
           <a:stretch>
             <a:fillRect/>
@@ -13099,13 +13376,13 @@
   <p:clrMapOvr>
     <a:masterClrMapping/>
   </p:clrMapOvr>
-  <mc:AlternateContent xmlns:mc="http://schemas.openxmlformats.org/markup-compatibility/2006" xmlns:p14="http://schemas.microsoft.com/office/powerpoint/2010/main">
-    <mc:Choice Requires="p14">
+  <mc:AlternateContent xmlns:mc="http://schemas.openxmlformats.org/markup-compatibility/2006">
+    <mc:Choice xmlns:p14="http://schemas.microsoft.com/office/powerpoint/2010/main" Requires="p14">
       <p:transition spd="slow" p14:dur="1500">
         <p:random/>
       </p:transition>
     </mc:Choice>
-    <mc:Fallback xmlns="">
+    <mc:Fallback>
       <p:transition spd="slow">
         <p:random/>
       </p:transition>
@@ -13375,7 +13652,7 @@
           <a:p>
             <a:pPr defTabSz="1255395"/>
             <a:r>
-              <a:rPr lang="zh-CN" altLang="en-US" sz="2700" dirty="0">
+              <a:rPr lang="zh-CN" altLang="en-US" sz="2700" dirty="0" smtClean="0">
                 <a:solidFill>
                   <a:srgbClr val="1D69A3"/>
                 </a:solidFill>
@@ -13384,6 +13661,13 @@
               </a:rPr>
               <a:t>课程安排</a:t>
             </a:r>
+            <a:endParaRPr lang="zh-CN" altLang="en-US" sz="2700" dirty="0" smtClean="0">
+              <a:solidFill>
+                <a:srgbClr val="1D69A3"/>
+              </a:solidFill>
+              <a:latin typeface="微软雅黑" panose="020B0503020204020204" pitchFamily="34" charset="-122"/>
+              <a:ea typeface="微软雅黑" panose="020B0503020204020204" pitchFamily="34" charset="-122"/>
+            </a:endParaRPr>
           </a:p>
         </p:txBody>
       </p:sp>
@@ -13406,20 +13690,8 @@
                 <a:tableStyleId>{5C22544A-7EE6-4342-B048-85BDC9FD1C3A}</a:tableStyleId>
               </a:tblPr>
               <a:tblGrid>
-                <a:gridCol w="1544435">
-                  <a:extLst>
-                    <a:ext uri="{9D8B030D-6E8A-4147-A177-3AD203B41FA5}">
-                      <a16:colId xmlns:a16="http://schemas.microsoft.com/office/drawing/2014/main" val="20000"/>
-                    </a:ext>
-                  </a:extLst>
-                </a:gridCol>
-                <a:gridCol w="6177736">
-                  <a:extLst>
-                    <a:ext uri="{9D8B030D-6E8A-4147-A177-3AD203B41FA5}">
-                      <a16:colId xmlns:a16="http://schemas.microsoft.com/office/drawing/2014/main" val="20001"/>
-                    </a:ext>
-                  </a:extLst>
-                </a:gridCol>
+                <a:gridCol w="1544435"/>
+                <a:gridCol w="6177736"/>
               </a:tblGrid>
               <a:tr h="556909">
                 <a:tc gridSpan="2">
@@ -13429,7 +13701,7 @@
                     <a:p>
                       <a:pPr algn="ctr"/>
                       <a:r>
-                        <a:rPr lang="en-US" altLang="zh-CN" sz="3100" dirty="0"/>
+                        <a:rPr lang="en-US" altLang="zh-CN" sz="3100" dirty="0" smtClean="0"/>
                         <a:t>JVM</a:t>
                       </a:r>
                       <a:endParaRPr lang="zh-CN" altLang="en-US" sz="3100" dirty="0"/>
@@ -13438,20 +13710,8 @@
                   <a:tcPr marL="88748" marR="88748" marT="43739" marB="43739"/>
                 </a:tc>
                 <a:tc hMerge="1">
-                  <a:txBody>
-                    <a:bodyPr/>
-                    <a:lstStyle/>
-                    <a:p>
-                      <a:endParaRPr lang="zh-CN"/>
-                    </a:p>
-                  </a:txBody>
                   <a:tcPr/>
                 </a:tc>
-                <a:extLst>
-                  <a:ext uri="{0D108BD9-81ED-4DB2-BD59-A6C34878D82A}">
-                    <a16:rowId xmlns:a16="http://schemas.microsoft.com/office/drawing/2014/main" val="10000"/>
-                  </a:ext>
-                </a:extLst>
               </a:tr>
               <a:tr h="461790">
                 <a:tc>
@@ -13461,13 +13721,18 @@
                     <a:p>
                       <a:pPr algn="ctr"/>
                       <a:r>
-                        <a:rPr lang="zh-CN" altLang="en-US" sz="2500" b="1" dirty="0">
+                        <a:rPr lang="zh-CN" altLang="en-US" sz="2500" b="1" dirty="0" smtClean="0">
                           <a:solidFill>
                             <a:schemeClr val="tx1"/>
                           </a:solidFill>
                         </a:rPr>
                         <a:t>课次序号</a:t>
                       </a:r>
+                      <a:endParaRPr lang="zh-CN" altLang="en-US" sz="2500" b="1" dirty="0">
+                        <a:solidFill>
+                          <a:schemeClr val="tx1"/>
+                        </a:solidFill>
+                      </a:endParaRPr>
                     </a:p>
                   </a:txBody>
                   <a:tcPr marL="88748" marR="88748" marT="43739" marB="43739"/>
@@ -13479,22 +13744,22 @@
                     <a:p>
                       <a:pPr algn="ctr"/>
                       <a:r>
-                        <a:rPr lang="zh-CN" altLang="en-US" sz="2500" b="1" dirty="0">
+                        <a:rPr lang="zh-CN" altLang="en-US" sz="2500" b="1" dirty="0" smtClean="0">
                           <a:solidFill>
                             <a:schemeClr val="tx1"/>
                           </a:solidFill>
                         </a:rPr>
                         <a:t>章节名称</a:t>
                       </a:r>
+                      <a:endParaRPr lang="zh-CN" altLang="en-US" sz="2500" b="1" dirty="0">
+                        <a:solidFill>
+                          <a:schemeClr val="tx1"/>
+                        </a:solidFill>
+                      </a:endParaRPr>
                     </a:p>
                   </a:txBody>
                   <a:tcPr marL="88748" marR="88748" marT="43739" marB="43739"/>
                 </a:tc>
-                <a:extLst>
-                  <a:ext uri="{0D108BD9-81ED-4DB2-BD59-A6C34878D82A}">
-                    <a16:rowId xmlns:a16="http://schemas.microsoft.com/office/drawing/2014/main" val="10001"/>
-                  </a:ext>
-                </a:extLst>
               </a:tr>
               <a:tr h="426709">
                 <a:tc>
@@ -13504,7 +13769,7 @@
                     <a:p>
                       <a:pPr algn="ctr"/>
                       <a:r>
-                        <a:rPr lang="en-US" altLang="zh-CN" sz="1700" dirty="0">
+                        <a:rPr lang="en-US" altLang="zh-CN" sz="1700" dirty="0" smtClean="0">
                           <a:solidFill>
                             <a:srgbClr val="0070C0"/>
                           </a:solidFill>
@@ -13526,7 +13791,7 @@
                     <a:lstStyle/>
                     <a:p>
                       <a:r>
-                        <a:rPr lang="zh-CN" altLang="en-US" sz="1700" kern="1200" dirty="0">
+                        <a:rPr lang="zh-CN" altLang="en-US" sz="1700" kern="1200" dirty="0" smtClean="0">
                           <a:solidFill>
                             <a:schemeClr val="dk1"/>
                           </a:solidFill>
@@ -13545,11 +13810,6 @@
                   </a:txBody>
                   <a:tcPr marL="88748" marR="88748" marT="43739" marB="43739"/>
                 </a:tc>
-                <a:extLst>
-                  <a:ext uri="{0D108BD9-81ED-4DB2-BD59-A6C34878D82A}">
-                    <a16:rowId xmlns:a16="http://schemas.microsoft.com/office/drawing/2014/main" val="10002"/>
-                  </a:ext>
-                </a:extLst>
               </a:tr>
               <a:tr h="426709">
                 <a:tc>
@@ -13559,7 +13819,7 @@
                     <a:p>
                       <a:pPr algn="ctr"/>
                       <a:r>
-                        <a:rPr lang="en-US" altLang="zh-CN" sz="1700" dirty="0">
+                        <a:rPr lang="en-US" altLang="zh-CN" sz="1700" dirty="0" smtClean="0">
                           <a:solidFill>
                             <a:srgbClr val="0070C0"/>
                           </a:solidFill>
@@ -13597,7 +13857,7 @@
                         <a:defRPr/>
                       </a:pPr>
                       <a:r>
-                        <a:rPr lang="en-US" altLang="zh-CN" sz="1700" kern="1200" dirty="0">
+                        <a:rPr lang="en-US" altLang="zh-CN" sz="1700" kern="1200" dirty="0" smtClean="0">
                           <a:solidFill>
                             <a:schemeClr val="dk1"/>
                           </a:solidFill>
@@ -13608,7 +13868,7 @@
                         <a:t>JVM</a:t>
                       </a:r>
                       <a:r>
-                        <a:rPr lang="zh-CN" altLang="en-US" sz="1700" kern="1200" dirty="0">
+                        <a:rPr lang="zh-CN" altLang="en-US" sz="1700" kern="1200" dirty="0" smtClean="0">
                           <a:solidFill>
                             <a:schemeClr val="dk1"/>
                           </a:solidFill>
@@ -13618,7 +13878,7 @@
                         </a:rPr>
                         <a:t>中的对象</a:t>
                       </a:r>
-                      <a:endParaRPr lang="zh-CN" altLang="en-US" sz="1700" b="1" i="0" u="none" strike="noStrike" dirty="0">
+                      <a:endParaRPr lang="zh-CN" altLang="en-US" sz="1700" b="1" i="0" u="none" strike="noStrike" dirty="0" smtClean="0">
                         <a:solidFill>
                           <a:srgbClr val="0070C0"/>
                         </a:solidFill>
@@ -13628,11 +13888,6 @@
                   </a:txBody>
                   <a:tcPr marL="88748" marR="88748" marT="43739" marB="43739"/>
                 </a:tc>
-                <a:extLst>
-                  <a:ext uri="{0D108BD9-81ED-4DB2-BD59-A6C34878D82A}">
-                    <a16:rowId xmlns:a16="http://schemas.microsoft.com/office/drawing/2014/main" val="10003"/>
-                  </a:ext>
-                </a:extLst>
               </a:tr>
               <a:tr h="426709">
                 <a:tc>
@@ -13642,7 +13897,7 @@
                     <a:p>
                       <a:pPr algn="ctr"/>
                       <a:r>
-                        <a:rPr lang="en-US" altLang="zh-CN" sz="1700" dirty="0">
+                        <a:rPr lang="en-US" altLang="zh-CN" sz="1700" dirty="0" smtClean="0">
                           <a:solidFill>
                             <a:srgbClr val="0070C0"/>
                           </a:solidFill>
@@ -13664,7 +13919,7 @@
                     <a:lstStyle/>
                     <a:p>
                       <a:r>
-                        <a:rPr lang="zh-CN" altLang="en-US" sz="1700" kern="1200" dirty="0">
+                        <a:rPr lang="zh-CN" altLang="en-US" sz="1700" kern="1200" dirty="0" smtClean="0">
                           <a:solidFill>
                             <a:schemeClr val="dk1"/>
                           </a:solidFill>
@@ -13683,11 +13938,6 @@
                   </a:txBody>
                   <a:tcPr marL="88748" marR="88748" marT="43739" marB="43739"/>
                 </a:tc>
-                <a:extLst>
-                  <a:ext uri="{0D108BD9-81ED-4DB2-BD59-A6C34878D82A}">
-                    <a16:rowId xmlns:a16="http://schemas.microsoft.com/office/drawing/2014/main" val="10004"/>
-                  </a:ext>
-                </a:extLst>
               </a:tr>
               <a:tr h="426709">
                 <a:tc>
@@ -13697,7 +13947,7 @@
                     <a:p>
                       <a:pPr algn="ctr"/>
                       <a:r>
-                        <a:rPr lang="en-US" altLang="zh-CN" sz="1700" dirty="0">
+                        <a:rPr lang="en-US" altLang="zh-CN" sz="1700" dirty="0" smtClean="0">
                           <a:solidFill>
                             <a:srgbClr val="0070C0"/>
                           </a:solidFill>
@@ -13720,7 +13970,7 @@
                     <a:p>
                       <a:pPr algn="l" fontAlgn="ctr"/>
                       <a:r>
-                        <a:rPr lang="en-US" altLang="zh-CN" sz="1700" kern="1200" dirty="0">
+                        <a:rPr lang="en-US" altLang="zh-CN" sz="1700" kern="1200" dirty="0" smtClean="0">
                           <a:solidFill>
                             <a:schemeClr val="dk1"/>
                           </a:solidFill>
@@ -13731,7 +13981,7 @@
                         <a:t>JVM</a:t>
                       </a:r>
                       <a:r>
-                        <a:rPr lang="zh-CN" altLang="en-US" sz="1700" kern="1200" dirty="0">
+                        <a:rPr lang="zh-CN" altLang="en-US" sz="1700" kern="1200" dirty="0" smtClean="0">
                           <a:solidFill>
                             <a:schemeClr val="dk1"/>
                           </a:solidFill>
@@ -13751,11 +14001,6 @@
                   </a:txBody>
                   <a:tcPr marL="88748" marR="88748" marT="43739" marB="43739"/>
                 </a:tc>
-                <a:extLst>
-                  <a:ext uri="{0D108BD9-81ED-4DB2-BD59-A6C34878D82A}">
-                    <a16:rowId xmlns:a16="http://schemas.microsoft.com/office/drawing/2014/main" val="10005"/>
-                  </a:ext>
-                </a:extLst>
               </a:tr>
               <a:tr h="426709">
                 <a:tc>
@@ -13765,7 +14010,7 @@
                     <a:p>
                       <a:pPr algn="ctr"/>
                       <a:r>
-                        <a:rPr lang="en-US" altLang="zh-CN" sz="1700" dirty="0">
+                        <a:rPr lang="en-US" altLang="zh-CN" sz="1700" dirty="0" smtClean="0">
                           <a:solidFill>
                             <a:srgbClr val="0070C0"/>
                           </a:solidFill>
@@ -13803,7 +14048,7 @@
                         <a:defRPr/>
                       </a:pPr>
                       <a:r>
-                        <a:rPr lang="en-US" altLang="zh-CN" sz="1700" kern="1200" dirty="0">
+                        <a:rPr lang="en-US" altLang="zh-CN" sz="1700" kern="1200" dirty="0" smtClean="0">
                           <a:solidFill>
                             <a:schemeClr val="dk1"/>
                           </a:solidFill>
@@ -13814,7 +14059,7 @@
                         <a:t>JVM</a:t>
                       </a:r>
                       <a:r>
-                        <a:rPr lang="zh-CN" altLang="en-US" sz="1700" kern="1200" dirty="0">
+                        <a:rPr lang="zh-CN" altLang="en-US" sz="1700" kern="1200" dirty="0" smtClean="0">
                           <a:solidFill>
                             <a:schemeClr val="dk1"/>
                           </a:solidFill>
@@ -13824,7 +14069,7 @@
                         </a:rPr>
                         <a:t>性能优化</a:t>
                       </a:r>
-                      <a:endParaRPr lang="en-US" altLang="zh-CN" sz="1700" b="1" i="0" u="none" strike="noStrike" dirty="0">
+                      <a:endParaRPr lang="en-US" altLang="zh-CN" sz="1700" b="1" i="0" u="none" strike="noStrike" dirty="0" smtClean="0">
                         <a:solidFill>
                           <a:srgbClr val="0070C0"/>
                         </a:solidFill>
@@ -13834,11 +14079,6 @@
                   </a:txBody>
                   <a:tcPr marL="88748" marR="88748" marT="43739" marB="43739"/>
                 </a:tc>
-                <a:extLst>
-                  <a:ext uri="{0D108BD9-81ED-4DB2-BD59-A6C34878D82A}">
-                    <a16:rowId xmlns:a16="http://schemas.microsoft.com/office/drawing/2014/main" val="10006"/>
-                  </a:ext>
-                </a:extLst>
               </a:tr>
               <a:tr h="426709">
                 <a:tc>
@@ -13848,7 +14088,7 @@
                     <a:p>
                       <a:pPr algn="ctr"/>
                       <a:r>
-                        <a:rPr lang="en-US" altLang="zh-CN" sz="1700" dirty="0">
+                        <a:rPr lang="en-US" altLang="zh-CN" sz="1700" dirty="0" smtClean="0">
                           <a:solidFill>
                             <a:srgbClr val="0070C0"/>
                           </a:solidFill>
@@ -13886,7 +14126,7 @@
                         <a:defRPr/>
                       </a:pPr>
                       <a:r>
-                        <a:rPr lang="zh-CN" altLang="en-US" sz="1700" kern="1200" dirty="0">
+                        <a:rPr lang="zh-CN" altLang="en-US" sz="1700" kern="1200" dirty="0" smtClean="0">
                           <a:solidFill>
                             <a:schemeClr val="dk1"/>
                           </a:solidFill>
@@ -13897,7 +14137,7 @@
                         <a:t>编写高效优雅的</a:t>
                       </a:r>
                       <a:r>
-                        <a:rPr lang="en-US" altLang="zh-CN" sz="1700" kern="1200" dirty="0">
+                        <a:rPr lang="en-US" altLang="zh-CN" sz="1700" kern="1200" dirty="0" smtClean="0">
                           <a:solidFill>
                             <a:schemeClr val="dk1"/>
                           </a:solidFill>
@@ -13908,7 +14148,7 @@
                         <a:t>JAVA</a:t>
                       </a:r>
                       <a:r>
-                        <a:rPr lang="zh-CN" altLang="en-US" sz="1700" kern="1200" dirty="0">
+                        <a:rPr lang="zh-CN" altLang="en-US" sz="1700" kern="1200" dirty="0" smtClean="0">
                           <a:solidFill>
                             <a:schemeClr val="dk1"/>
                           </a:solidFill>
@@ -13918,7 +14158,7 @@
                         </a:rPr>
                         <a:t>程序</a:t>
                       </a:r>
-                      <a:endParaRPr lang="en-US" altLang="zh-CN" sz="1700" b="1" i="0" u="none" strike="noStrike" dirty="0">
+                      <a:endParaRPr lang="en-US" altLang="zh-CN" sz="1700" b="1" i="0" u="none" strike="noStrike" dirty="0" smtClean="0">
                         <a:solidFill>
                           <a:srgbClr val="0070C0"/>
                         </a:solidFill>
@@ -13928,11 +14168,6 @@
                   </a:txBody>
                   <a:tcPr marL="88748" marR="88748" marT="43739" marB="43739"/>
                 </a:tc>
-                <a:extLst>
-                  <a:ext uri="{0D108BD9-81ED-4DB2-BD59-A6C34878D82A}">
-                    <a16:rowId xmlns:a16="http://schemas.microsoft.com/office/drawing/2014/main" val="10007"/>
-                  </a:ext>
-                </a:extLst>
               </a:tr>
               <a:tr h="426709">
                 <a:tc>
@@ -13942,7 +14177,7 @@
                     <a:p>
                       <a:pPr algn="ctr"/>
                       <a:r>
-                        <a:rPr lang="en-US" altLang="zh-CN" sz="1700" dirty="0">
+                        <a:rPr lang="en-US" altLang="zh-CN" sz="1700" dirty="0" smtClean="0">
                           <a:solidFill>
                             <a:srgbClr val="0070C0"/>
                           </a:solidFill>
@@ -13980,7 +14215,7 @@
                         <a:defRPr/>
                       </a:pPr>
                       <a:r>
-                        <a:rPr lang="zh-CN" altLang="en-US" sz="1700" kern="1200" dirty="0">
+                        <a:rPr lang="zh-CN" altLang="en-US" sz="1700" kern="1200" dirty="0" smtClean="0">
                           <a:solidFill>
                             <a:schemeClr val="dk1"/>
                           </a:solidFill>
@@ -13990,7 +14225,7 @@
                         </a:rPr>
                         <a:t>深入了解性能优化</a:t>
                       </a:r>
-                      <a:endParaRPr lang="en-US" altLang="zh-CN" sz="1700" b="1" i="0" u="none" strike="noStrike" dirty="0">
+                      <a:endParaRPr lang="en-US" altLang="zh-CN" sz="1700" b="1" i="0" u="none" strike="noStrike" dirty="0" smtClean="0">
                         <a:solidFill>
                           <a:srgbClr val="0070C0"/>
                         </a:solidFill>
@@ -14000,11 +14235,6 @@
                   </a:txBody>
                   <a:tcPr marL="88748" marR="88748" marT="43739" marB="43739"/>
                 </a:tc>
-                <a:extLst>
-                  <a:ext uri="{0D108BD9-81ED-4DB2-BD59-A6C34878D82A}">
-                    <a16:rowId xmlns:a16="http://schemas.microsoft.com/office/drawing/2014/main" val="10008"/>
-                  </a:ext>
-                </a:extLst>
               </a:tr>
             </a:tbl>
           </a:graphicData>
@@ -14038,10 +14268,10 @@
               </a:lnSpc>
             </a:pPr>
             <a:r>
-              <a:rPr lang="zh-CN" altLang="en-US" sz="2000" b="1" dirty="0"/>
+              <a:rPr lang="zh-CN" altLang="en-US" sz="2000" b="1" dirty="0" smtClean="0"/>
               <a:t>上课说明：</a:t>
             </a:r>
-            <a:endParaRPr lang="en-US" altLang="zh-CN" sz="2000" b="1" dirty="0"/>
+            <a:endParaRPr lang="en-US" altLang="zh-CN" sz="2000" b="1" dirty="0" smtClean="0"/>
           </a:p>
           <a:p>
             <a:pPr>
@@ -14050,22 +14280,22 @@
               </a:lnSpc>
             </a:pPr>
             <a:r>
-              <a:rPr lang="en-US" altLang="zh-CN" sz="1600" dirty="0"/>
+              <a:rPr lang="en-US" altLang="zh-CN" sz="1600" dirty="0" smtClean="0"/>
               <a:t>1</a:t>
             </a:r>
             <a:r>
-              <a:rPr lang="zh-CN" altLang="en-US" sz="1600" dirty="0"/>
+              <a:rPr lang="zh-CN" altLang="en-US" sz="1600" dirty="0" smtClean="0"/>
               <a:t>、为了防止中间来听课的同学听不懂，（除了第一节课外）上课的前</a:t>
             </a:r>
             <a:r>
-              <a:rPr lang="en-US" altLang="zh-CN" sz="1600" dirty="0"/>
+              <a:rPr lang="en-US" altLang="zh-CN" sz="1600" dirty="0" smtClean="0"/>
               <a:t>10</a:t>
             </a:r>
             <a:r>
-              <a:rPr lang="zh-CN" altLang="en-US" sz="1600" dirty="0"/>
+              <a:rPr lang="zh-CN" altLang="en-US" sz="1600" dirty="0" smtClean="0"/>
               <a:t>分钟会进行上节课的知识回溯。</a:t>
             </a:r>
-            <a:endParaRPr lang="en-US" altLang="zh-CN" sz="1600" dirty="0"/>
+            <a:endParaRPr lang="en-US" altLang="zh-CN" sz="1600" dirty="0" smtClean="0"/>
           </a:p>
           <a:p>
             <a:pPr>
@@ -14074,13 +14304,14 @@
               </a:lnSpc>
             </a:pPr>
             <a:r>
-              <a:rPr lang="en-US" altLang="zh-CN" sz="1600" dirty="0"/>
+              <a:rPr lang="en-US" altLang="zh-CN" sz="1600" dirty="0" smtClean="0"/>
               <a:t>2</a:t>
             </a:r>
             <a:r>
-              <a:rPr lang="zh-CN" altLang="en-US" sz="1600" dirty="0"/>
+              <a:rPr lang="zh-CN" altLang="en-US" sz="1600" dirty="0" smtClean="0"/>
               <a:t>、为了保证学员的学习效果以及内容的深度，上课进度有可能会根据实际情况进行一定的调整。</a:t>
             </a:r>
+            <a:endParaRPr lang="zh-CN" altLang="en-US" sz="1600" dirty="0" smtClean="0"/>
           </a:p>
         </p:txBody>
       </p:sp>
@@ -14089,13 +14320,13 @@
   <p:clrMapOvr>
     <a:masterClrMapping/>
   </p:clrMapOvr>
-  <mc:AlternateContent xmlns:mc="http://schemas.openxmlformats.org/markup-compatibility/2006" xmlns:p14="http://schemas.microsoft.com/office/powerpoint/2010/main">
-    <mc:Choice Requires="p14">
+  <mc:AlternateContent xmlns:mc="http://schemas.openxmlformats.org/markup-compatibility/2006">
+    <mc:Choice xmlns:p14="http://schemas.microsoft.com/office/powerpoint/2010/main" Requires="p14">
       <p:transition spd="slow" p14:dur="1500">
         <p:random/>
       </p:transition>
     </mc:Choice>
-    <mc:Fallback xmlns="">
+    <mc:Fallback>
       <p:transition spd="slow">
         <p:random/>
       </p:transition>
@@ -14365,7 +14596,7 @@
           <a:p>
             <a:pPr defTabSz="1309370"/>
             <a:r>
-              <a:rPr lang="en-US" altLang="zh-CN" sz="2900" dirty="0">
+              <a:rPr lang="en-US" altLang="zh-CN" sz="2900" dirty="0" smtClean="0">
                 <a:solidFill>
                   <a:srgbClr val="1D69A3"/>
                 </a:solidFill>
@@ -14375,7 +14606,7 @@
               <a:t>Java SE</a:t>
             </a:r>
             <a:r>
-              <a:rPr lang="zh-CN" altLang="en-US" sz="2900" dirty="0">
+              <a:rPr lang="zh-CN" altLang="en-US" sz="2900" dirty="0" smtClean="0">
                 <a:solidFill>
                   <a:srgbClr val="1D69A3"/>
                 </a:solidFill>
@@ -14384,7 +14615,7 @@
               </a:rPr>
               <a:t>体系架构</a:t>
             </a:r>
-            <a:endParaRPr lang="zh-CN" altLang="zh-CN" sz="2900" dirty="0">
+            <a:endParaRPr lang="zh-CN" altLang="zh-CN" sz="2900" dirty="0" smtClean="0">
               <a:solidFill>
                 <a:srgbClr val="1D69A3"/>
               </a:solidFill>
@@ -14403,7 +14634,7 @@
           <p:nvPr/>
         </p:nvPicPr>
         <p:blipFill>
-          <a:blip r:embed="rId3"/>
+          <a:blip r:embed="rId2"/>
           <a:srcRect/>
           <a:stretch>
             <a:fillRect/>
@@ -14443,7 +14674,7 @@
           <a:lstStyle/>
           <a:p>
             <a:r>
-              <a:rPr lang="en-US" altLang="zh-CN" dirty="0"/>
+              <a:rPr lang="en-US" altLang="zh-CN" dirty="0" smtClean="0"/>
               <a:t>https://www.oracle.com/technetwork/java/javase/tech/index.html</a:t>
             </a:r>
             <a:endParaRPr lang="zh-CN" altLang="en-US" dirty="0"/>
@@ -14461,7 +14692,7 @@
         <p:spPr bwMode="auto">
           <a:xfrm>
             <a:off x="394758" y="1618025"/>
-            <a:ext cx="3339041" cy="4715848"/>
+            <a:ext cx="3339041" cy="3790950"/>
           </a:xfrm>
           <a:prstGeom prst="rect">
             <a:avLst/>
@@ -14489,7 +14720,7 @@
               <a:buChar char="n"/>
             </a:pPr>
             <a:r>
-              <a:rPr lang="en-US" altLang="zh-CN" sz="2400" b="1" kern="0" dirty="0">
+              <a:rPr lang="en-US" altLang="zh-CN" sz="2400" b="1" kern="0" dirty="0" smtClean="0">
                 <a:solidFill>
                   <a:sysClr val="windowText" lastClr="000000"/>
                 </a:solidFill>
@@ -14498,89 +14729,7 @@
               </a:rPr>
               <a:t>JDK 1.8</a:t>
             </a:r>
-          </a:p>
-          <a:p>
-            <a:pPr marL="306705" indent="-306705">
-              <a:lnSpc>
-                <a:spcPct val="250000"/>
-              </a:lnSpc>
-              <a:buClr>
-                <a:srgbClr val="FFC000"/>
-              </a:buClr>
-              <a:buFont typeface="Wingdings" panose="05000000000000000000" pitchFamily="2" charset="2"/>
-              <a:buChar char="n"/>
-            </a:pPr>
-            <a:r>
-              <a:rPr lang="en-US" altLang="zh-CN" sz="2400" b="1" kern="0" dirty="0">
-                <a:solidFill>
-                  <a:sysClr val="windowText" lastClr="000000"/>
-                </a:solidFill>
-                <a:latin typeface="宋体" panose="02010600030101010101" pitchFamily="2" charset="-122"/>
-                <a:ea typeface="宋体" panose="02010600030101010101" pitchFamily="2" charset="-122"/>
-              </a:rPr>
-              <a:t>JRE</a:t>
-            </a:r>
-          </a:p>
-          <a:p>
-            <a:pPr marL="306705" indent="-306705">
-              <a:lnSpc>
-                <a:spcPct val="250000"/>
-              </a:lnSpc>
-              <a:buClr>
-                <a:srgbClr val="FFC000"/>
-              </a:buClr>
-            </a:pPr>
-            <a:r>
-              <a:rPr lang="zh-CN" altLang="en-US" sz="2400" b="1" kern="0" dirty="0">
-                <a:solidFill>
-                  <a:sysClr val="windowText" lastClr="000000"/>
-                </a:solidFill>
-                <a:latin typeface="宋体" panose="02010600030101010101" pitchFamily="2" charset="-122"/>
-                <a:ea typeface="宋体" panose="02010600030101010101" pitchFamily="2" charset="-122"/>
-              </a:rPr>
-              <a:t>（</a:t>
-            </a:r>
-            <a:r>
-              <a:rPr lang="en-US" altLang="zh-CN" sz="2400" b="1" kern="0" dirty="0">
-                <a:solidFill>
-                  <a:sysClr val="windowText" lastClr="000000"/>
-                </a:solidFill>
-                <a:latin typeface="宋体" panose="02010600030101010101" pitchFamily="2" charset="-122"/>
-                <a:ea typeface="宋体" panose="02010600030101010101" pitchFamily="2" charset="-122"/>
-              </a:rPr>
-              <a:t>class</a:t>
-            </a:r>
-            <a:r>
-              <a:rPr lang="zh-CN" altLang="en-US" sz="2400" b="1" kern="0" dirty="0">
-                <a:solidFill>
-                  <a:sysClr val="windowText" lastClr="000000"/>
-                </a:solidFill>
-                <a:latin typeface="宋体" panose="02010600030101010101" pitchFamily="2" charset="-122"/>
-                <a:ea typeface="宋体" panose="02010600030101010101" pitchFamily="2" charset="-122"/>
-              </a:rPr>
-              <a:t>）</a:t>
-            </a:r>
-            <a:r>
-              <a:rPr lang="en-US" altLang="zh-CN" sz="2400" b="1" kern="0" dirty="0">
-                <a:solidFill>
-                  <a:sysClr val="windowText" lastClr="000000"/>
-                </a:solidFill>
-                <a:latin typeface="宋体" panose="02010600030101010101" pitchFamily="2" charset="-122"/>
-                <a:ea typeface="宋体" panose="02010600030101010101" pitchFamily="2" charset="-122"/>
-              </a:rPr>
-              <a:t> java</a:t>
-            </a:r>
-            <a:r>
-              <a:rPr lang="zh-CN" altLang="en-US" sz="2400" b="1" kern="0" dirty="0">
-                <a:solidFill>
-                  <a:sysClr val="windowText" lastClr="000000"/>
-                </a:solidFill>
-                <a:latin typeface="宋体" panose="02010600030101010101" pitchFamily="2" charset="-122"/>
-                <a:ea typeface="宋体" panose="02010600030101010101" pitchFamily="2" charset="-122"/>
-              </a:rPr>
-              <a:t>运行环境</a:t>
-            </a:r>
-            <a:endParaRPr lang="en-US" altLang="zh-CN" sz="2400" b="1" kern="0" dirty="0">
+            <a:endParaRPr lang="en-US" altLang="zh-CN" sz="2400" b="1" kern="0" dirty="0" smtClean="0">
               <a:solidFill>
                 <a:sysClr val="windowText" lastClr="000000"/>
               </a:solidFill>
@@ -14600,34 +14749,131 @@
               <a:buChar char="n"/>
             </a:pPr>
             <a:r>
-              <a:rPr lang="en-US" altLang="zh-CN" sz="2400" b="1" kern="0" dirty="0">
+              <a:rPr lang="en-US" altLang="zh-CN" sz="2400" b="1" kern="0" dirty="0" smtClean="0">
                 <a:solidFill>
                   <a:sysClr val="windowText" lastClr="000000"/>
                 </a:solidFill>
                 <a:latin typeface="宋体" panose="02010600030101010101" pitchFamily="2" charset="-122"/>
                 <a:ea typeface="宋体" panose="02010600030101010101" pitchFamily="2" charset="-122"/>
               </a:rPr>
+              <a:t>JRE</a:t>
+            </a:r>
+            <a:endParaRPr lang="en-US" altLang="zh-CN" sz="2400" b="1" kern="0" dirty="0" smtClean="0">
+              <a:solidFill>
+                <a:sysClr val="windowText" lastClr="000000"/>
+              </a:solidFill>
+              <a:latin typeface="宋体" panose="02010600030101010101" pitchFamily="2" charset="-122"/>
+              <a:ea typeface="宋体" panose="02010600030101010101" pitchFamily="2" charset="-122"/>
+            </a:endParaRPr>
+          </a:p>
+          <a:p>
+            <a:pPr marL="306705" indent="-306705">
+              <a:lnSpc>
+                <a:spcPct val="250000"/>
+              </a:lnSpc>
+              <a:buClr>
+                <a:srgbClr val="FFC000"/>
+              </a:buClr>
+            </a:pPr>
+            <a:r>
+              <a:rPr lang="zh-CN" altLang="en-US" sz="2400" b="1" kern="0" dirty="0" smtClean="0">
+                <a:solidFill>
+                  <a:sysClr val="windowText" lastClr="000000"/>
+                </a:solidFill>
+                <a:latin typeface="宋体" panose="02010600030101010101" pitchFamily="2" charset="-122"/>
+                <a:ea typeface="宋体" panose="02010600030101010101" pitchFamily="2" charset="-122"/>
+              </a:rPr>
+              <a:t>（</a:t>
+            </a:r>
+            <a:r>
+              <a:rPr lang="en-US" altLang="zh-CN" sz="2400" b="1" kern="0" dirty="0" smtClean="0">
+                <a:solidFill>
+                  <a:sysClr val="windowText" lastClr="000000"/>
+                </a:solidFill>
+                <a:latin typeface="宋体" panose="02010600030101010101" pitchFamily="2" charset="-122"/>
+                <a:ea typeface="宋体" panose="02010600030101010101" pitchFamily="2" charset="-122"/>
+              </a:rPr>
+              <a:t>class</a:t>
+            </a:r>
+            <a:r>
+              <a:rPr lang="zh-CN" altLang="en-US" sz="2400" b="1" kern="0" dirty="0" smtClean="0">
+                <a:solidFill>
+                  <a:sysClr val="windowText" lastClr="000000"/>
+                </a:solidFill>
+                <a:latin typeface="宋体" panose="02010600030101010101" pitchFamily="2" charset="-122"/>
+                <a:ea typeface="宋体" panose="02010600030101010101" pitchFamily="2" charset="-122"/>
+              </a:rPr>
+              <a:t>）</a:t>
+            </a:r>
+            <a:r>
+              <a:rPr lang="en-US" altLang="zh-CN" sz="2400" b="1" kern="0" dirty="0" smtClean="0">
+                <a:solidFill>
+                  <a:sysClr val="windowText" lastClr="000000"/>
+                </a:solidFill>
+                <a:latin typeface="宋体" panose="02010600030101010101" pitchFamily="2" charset="-122"/>
+                <a:ea typeface="宋体" panose="02010600030101010101" pitchFamily="2" charset="-122"/>
+              </a:rPr>
+              <a:t> java</a:t>
+            </a:r>
+            <a:r>
+              <a:rPr lang="zh-CN" altLang="en-US" sz="2400" b="1" kern="0" dirty="0" smtClean="0">
+                <a:solidFill>
+                  <a:sysClr val="windowText" lastClr="000000"/>
+                </a:solidFill>
+                <a:latin typeface="宋体" panose="02010600030101010101" pitchFamily="2" charset="-122"/>
+                <a:ea typeface="宋体" panose="02010600030101010101" pitchFamily="2" charset="-122"/>
+              </a:rPr>
+              <a:t>运行环境</a:t>
+            </a:r>
+            <a:endParaRPr lang="en-US" altLang="zh-CN" sz="2400" b="1" kern="0" dirty="0" smtClean="0">
+              <a:solidFill>
+                <a:sysClr val="windowText" lastClr="000000"/>
+              </a:solidFill>
+              <a:latin typeface="宋体" panose="02010600030101010101" pitchFamily="2" charset="-122"/>
+              <a:ea typeface="宋体" panose="02010600030101010101" pitchFamily="2" charset="-122"/>
+            </a:endParaRPr>
+          </a:p>
+          <a:p>
+            <a:pPr marL="306705" indent="-306705">
+              <a:lnSpc>
+                <a:spcPct val="250000"/>
+              </a:lnSpc>
+              <a:buClr>
+                <a:srgbClr val="FFC000"/>
+              </a:buClr>
+              <a:buFont typeface="Wingdings" panose="05000000000000000000" pitchFamily="2" charset="2"/>
+              <a:buChar char="n"/>
+            </a:pPr>
+            <a:r>
+              <a:rPr lang="en-US" altLang="zh-CN" sz="2400" b="1" kern="0" dirty="0" smtClean="0">
+                <a:solidFill>
+                  <a:sysClr val="windowText" lastClr="000000"/>
+                </a:solidFill>
+                <a:latin typeface="宋体" panose="02010600030101010101" pitchFamily="2" charset="-122"/>
+                <a:ea typeface="宋体" panose="02010600030101010101" pitchFamily="2" charset="-122"/>
+              </a:rPr>
               <a:t>JVM</a:t>
             </a:r>
+            <a:endParaRPr lang="en-US" altLang="zh-CN" sz="2400" b="1" kern="0" dirty="0" smtClean="0">
+              <a:solidFill>
+                <a:sysClr val="windowText" lastClr="000000"/>
+              </a:solidFill>
+              <a:latin typeface="宋体" panose="02010600030101010101" pitchFamily="2" charset="-122"/>
+              <a:ea typeface="宋体" panose="02010600030101010101" pitchFamily="2" charset="-122"/>
+            </a:endParaRPr>
           </a:p>
         </p:txBody>
       </p:sp>
       <p:sp>
         <p:nvSpPr>
-          <p:cNvPr id="3" name="文本框 2">
-            <a:extLst>
-              <a:ext uri="{FF2B5EF4-FFF2-40B4-BE49-F238E27FC236}">
-                <a16:creationId xmlns:a16="http://schemas.microsoft.com/office/drawing/2014/main" id="{D63B9323-DDDD-0C4F-BB6C-6D54C81FD4D6}"/>
-              </a:ext>
-            </a:extLst>
-          </p:cNvPr>
+          <p:cNvPr id="2" name="文本框 1"/>
           <p:cNvSpPr txBox="1"/>
           <p:nvPr/>
         </p:nvSpPr>
         <p:spPr>
           <a:xfrm>
-            <a:off x="406400" y="6513689"/>
-            <a:ext cx="2414379" cy="677108"/>
+            <a:off x="354965" y="5744845"/>
+            <a:ext cx="3399790" cy="675640"/>
           </a:xfrm>
           <a:prstGeom prst="rect">
             <a:avLst/>
@@ -14635,146 +14881,51 @@
           <a:noFill/>
         </p:spPr>
         <p:txBody>
-          <a:bodyPr wrap="none" rtlCol="0">
+          <a:bodyPr wrap="square" rtlCol="0">
             <a:spAutoFit/>
+            <a:scene3d>
+              <a:camera prst="orthographicFront"/>
+              <a:lightRig rig="soft" dir="t">
+                <a:rot lat="0" lon="0" rev="15600000"/>
+              </a:lightRig>
+            </a:scene3d>
+            <a:sp3d extrusionH="57150" prstMaterial="softEdge">
+              <a:bevelT w="25400" h="38100"/>
+            </a:sp3d>
           </a:bodyPr>
-          <a:lstStyle/>
           <a:p>
             <a:r>
-              <a:rPr kumimoji="1" lang="en-US" altLang="zh-CN" dirty="0">
+              <a:rPr lang="zh-CN" altLang="en-US">
                 <a:solidFill>
-                  <a:srgbClr val="FF0000"/>
+                  <a:schemeClr val="accent4"/>
                 </a:solidFill>
-              </a:rPr>
-              <a:t>JRE</a:t>
-            </a:r>
-            <a:r>
-              <a:rPr kumimoji="1" lang="zh-CN" altLang="en-US" dirty="0">
-                <a:solidFill>
-                  <a:srgbClr val="FF0000"/>
-                </a:solidFill>
-              </a:rPr>
-              <a:t> </a:t>
-            </a:r>
-            <a:r>
-              <a:rPr kumimoji="1" lang="en-US" altLang="zh-CN" dirty="0">
-                <a:solidFill>
-                  <a:srgbClr val="FF0000"/>
-                </a:solidFill>
-              </a:rPr>
-              <a:t>=</a:t>
-            </a:r>
-            <a:r>
-              <a:rPr kumimoji="1" lang="zh-CN" altLang="en-US" dirty="0">
-                <a:solidFill>
-                  <a:srgbClr val="FF0000"/>
-                </a:solidFill>
-              </a:rPr>
-              <a:t> </a:t>
-            </a:r>
-            <a:r>
-              <a:rPr kumimoji="1" lang="en-US" altLang="zh-CN" dirty="0">
-                <a:solidFill>
-                  <a:srgbClr val="FF0000"/>
-                </a:solidFill>
-              </a:rPr>
-              <a:t>JVM</a:t>
-            </a:r>
-            <a:r>
-              <a:rPr kumimoji="1" lang="zh-CN" altLang="en-US" dirty="0">
-                <a:solidFill>
-                  <a:srgbClr val="FF0000"/>
-                </a:solidFill>
-              </a:rPr>
-              <a:t> </a:t>
-            </a:r>
-            <a:r>
-              <a:rPr kumimoji="1" lang="en-US" altLang="zh-CN" dirty="0">
-                <a:solidFill>
-                  <a:srgbClr val="FF0000"/>
-                </a:solidFill>
-              </a:rPr>
-              <a:t>+</a:t>
-            </a:r>
-            <a:r>
-              <a:rPr kumimoji="1" lang="zh-CN" altLang="en-US" dirty="0">
-                <a:solidFill>
-                  <a:srgbClr val="FF0000"/>
-                </a:solidFill>
-              </a:rPr>
-              <a:t> 核心类库</a:t>
-            </a:r>
-            <a:endParaRPr kumimoji="1" lang="en-US" altLang="zh-CN" dirty="0">
+                <a:effectLst/>
+              </a:rPr>
+              <a:t>JRE = JVM + 核心类库</a:t>
+            </a:r>
+            <a:endParaRPr lang="zh-CN" altLang="en-US">
               <a:solidFill>
-                <a:srgbClr val="FF0000"/>
+                <a:schemeClr val="accent4"/>
               </a:solidFill>
+              <a:effectLst/>
             </a:endParaRPr>
           </a:p>
           <a:p>
             <a:r>
-              <a:rPr kumimoji="1" lang="en-US" altLang="zh-CN" dirty="0">
+              <a:rPr lang="zh-CN" altLang="en-US">
                 <a:solidFill>
-                  <a:srgbClr val="FF0000"/>
+                  <a:schemeClr val="accent4"/>
                 </a:solidFill>
-              </a:rPr>
-              <a:t>JDK</a:t>
-            </a:r>
-            <a:r>
-              <a:rPr kumimoji="1" lang="zh-CN" altLang="en-US" dirty="0">
-                <a:solidFill>
-                  <a:srgbClr val="FF0000"/>
-                </a:solidFill>
-              </a:rPr>
-              <a:t> </a:t>
-            </a:r>
-            <a:r>
-              <a:rPr kumimoji="1" lang="en-US" altLang="zh-CN" dirty="0">
-                <a:solidFill>
-                  <a:srgbClr val="FF0000"/>
-                </a:solidFill>
-              </a:rPr>
-              <a:t>=</a:t>
-            </a:r>
-            <a:r>
-              <a:rPr kumimoji="1" lang="zh-CN" altLang="en-US" dirty="0">
-                <a:solidFill>
-                  <a:srgbClr val="FF0000"/>
-                </a:solidFill>
-              </a:rPr>
-              <a:t> </a:t>
-            </a:r>
-            <a:r>
-              <a:rPr kumimoji="1" lang="en-US" altLang="zh-CN" dirty="0">
-                <a:solidFill>
-                  <a:srgbClr val="FF0000"/>
-                </a:solidFill>
-              </a:rPr>
-              <a:t>JRE</a:t>
-            </a:r>
-            <a:r>
-              <a:rPr kumimoji="1" lang="zh-CN" altLang="en-US" dirty="0">
-                <a:solidFill>
-                  <a:srgbClr val="FF0000"/>
-                </a:solidFill>
-              </a:rPr>
-              <a:t> </a:t>
-            </a:r>
-            <a:r>
-              <a:rPr kumimoji="1" lang="en-US" altLang="zh-CN" dirty="0">
-                <a:solidFill>
-                  <a:srgbClr val="FF0000"/>
-                </a:solidFill>
-              </a:rPr>
-              <a:t>+</a:t>
-            </a:r>
-            <a:r>
-              <a:rPr kumimoji="1" lang="zh-CN" altLang="en-US" dirty="0">
-                <a:solidFill>
-                  <a:srgbClr val="FF0000"/>
-                </a:solidFill>
-              </a:rPr>
-              <a:t> 开发工具</a:t>
-            </a:r>
+                <a:effectLst/>
+              </a:rPr>
+              <a:t>JDK = JRE + 开发工具</a:t>
+            </a:r>
+            <a:endParaRPr lang="zh-CN" altLang="en-US">
+              <a:solidFill>
+                <a:schemeClr val="accent4"/>
+              </a:solidFill>
+              <a:effectLst/>
+            </a:endParaRPr>
           </a:p>
         </p:txBody>
       </p:sp>
@@ -14783,13 +14934,13 @@
   <p:clrMapOvr>
     <a:masterClrMapping/>
   </p:clrMapOvr>
-  <mc:AlternateContent xmlns:mc="http://schemas.openxmlformats.org/markup-compatibility/2006" xmlns:p14="http://schemas.microsoft.com/office/powerpoint/2010/main">
-    <mc:Choice Requires="p14">
+  <mc:AlternateContent xmlns:mc="http://schemas.openxmlformats.org/markup-compatibility/2006">
+    <mc:Choice xmlns:p14="http://schemas.microsoft.com/office/powerpoint/2010/main" Requires="p14">
       <p:transition spd="slow" p14:dur="1500">
         <p:random/>
       </p:transition>
     </mc:Choice>
-    <mc:Fallback xmlns="">
+    <mc:Fallback>
       <p:transition spd="slow">
         <p:random/>
       </p:transition>
@@ -15059,7 +15210,7 @@
           <a:p>
             <a:pPr defTabSz="1255395"/>
             <a:r>
-              <a:rPr lang="zh-CN" altLang="en-US" sz="2700" dirty="0">
+              <a:rPr lang="zh-CN" altLang="en-US" sz="2700" dirty="0" smtClean="0">
                 <a:solidFill>
                   <a:srgbClr val="1D69A3"/>
                 </a:solidFill>
@@ -15068,6 +15219,13 @@
               </a:rPr>
               <a:t>为什么要了解虚拟机</a:t>
             </a:r>
+            <a:endParaRPr lang="zh-CN" altLang="en-US" sz="2700" dirty="0" smtClean="0">
+              <a:solidFill>
+                <a:srgbClr val="1D69A3"/>
+              </a:solidFill>
+              <a:latin typeface="微软雅黑" panose="020B0503020204020204" pitchFamily="34" charset="-122"/>
+              <a:ea typeface="微软雅黑" panose="020B0503020204020204" pitchFamily="34" charset="-122"/>
+            </a:endParaRPr>
           </a:p>
         </p:txBody>
       </p:sp>
@@ -15094,26 +15252,30 @@
           <a:lstStyle/>
           <a:p>
             <a:r>
-              <a:rPr lang="zh-CN" altLang="en-US" b="1" dirty="0">
+              <a:rPr lang="zh-CN" altLang="en-US" b="1" dirty="0" smtClean="0">
                 <a:latin typeface="微软雅黑" panose="020B0503020204020204" pitchFamily="34" charset="-122"/>
                 <a:ea typeface="微软雅黑" panose="020B0503020204020204" pitchFamily="34" charset="-122"/>
               </a:rPr>
               <a:t>写出更好、更优雅的</a:t>
             </a:r>
             <a:r>
-              <a:rPr lang="en-US" altLang="zh-CN" b="1" dirty="0">
+              <a:rPr lang="en-US" altLang="zh-CN" b="1" dirty="0" smtClean="0">
                 <a:latin typeface="微软雅黑" panose="020B0503020204020204" pitchFamily="34" charset="-122"/>
                 <a:ea typeface="微软雅黑" panose="020B0503020204020204" pitchFamily="34" charset="-122"/>
               </a:rPr>
               <a:t>Java</a:t>
             </a:r>
             <a:r>
-              <a:rPr lang="zh-CN" altLang="en-US" b="1" dirty="0">
+              <a:rPr lang="zh-CN" altLang="en-US" b="1" dirty="0" smtClean="0">
                 <a:latin typeface="微软雅黑" panose="020B0503020204020204" pitchFamily="34" charset="-122"/>
                 <a:ea typeface="微软雅黑" panose="020B0503020204020204" pitchFamily="34" charset="-122"/>
               </a:rPr>
               <a:t>程序</a:t>
             </a:r>
+            <a:endParaRPr lang="zh-CN" altLang="en-US" b="1" dirty="0">
+              <a:latin typeface="微软雅黑" panose="020B0503020204020204" pitchFamily="34" charset="-122"/>
+              <a:ea typeface="微软雅黑" panose="020B0503020204020204" pitchFamily="34" charset="-122"/>
+            </a:endParaRPr>
           </a:p>
         </p:txBody>
       </p:sp>
@@ -15140,21 +15302,21 @@
           <a:lstStyle/>
           <a:p>
             <a:r>
-              <a:rPr lang="zh-CN" altLang="en-US" b="1" dirty="0">
+              <a:rPr lang="zh-CN" altLang="en-US" b="1" dirty="0" smtClean="0">
                 <a:latin typeface="微软雅黑" panose="020B0503020204020204" pitchFamily="34" charset="-122"/>
                 <a:ea typeface="微软雅黑" panose="020B0503020204020204" pitchFamily="34" charset="-122"/>
               </a:rPr>
               <a:t>排查问题，</a:t>
             </a:r>
             <a:r>
-              <a:rPr lang="en-US" altLang="zh-CN" b="1" dirty="0">
+              <a:rPr lang="en-US" altLang="zh-CN" b="1" dirty="0" smtClean="0">
                 <a:latin typeface="微软雅黑" panose="020B0503020204020204" pitchFamily="34" charset="-122"/>
                 <a:ea typeface="微软雅黑" panose="020B0503020204020204" pitchFamily="34" charset="-122"/>
               </a:rPr>
               <a:t>Java</a:t>
             </a:r>
             <a:r>
-              <a:rPr lang="zh-CN" altLang="en-US" b="1" dirty="0">
+              <a:rPr lang="zh-CN" altLang="en-US" b="1" dirty="0" smtClean="0">
                 <a:latin typeface="微软雅黑" panose="020B0503020204020204" pitchFamily="34" charset="-122"/>
                 <a:ea typeface="微软雅黑" panose="020B0503020204020204" pitchFamily="34" charset="-122"/>
               </a:rPr>
@@ -15190,7 +15352,7 @@
           <a:lstStyle/>
           <a:p>
             <a:r>
-              <a:rPr lang="zh-CN" altLang="en-US" b="1" dirty="0">
+              <a:rPr lang="zh-CN" altLang="en-US" b="1" dirty="0" smtClean="0">
                 <a:latin typeface="微软雅黑" panose="020B0503020204020204" pitchFamily="34" charset="-122"/>
                 <a:ea typeface="微软雅黑" panose="020B0503020204020204" pitchFamily="34" charset="-122"/>
               </a:rPr>
@@ -17131,13 +17293,13 @@
   <p:clrMapOvr>
     <a:masterClrMapping/>
   </p:clrMapOvr>
-  <mc:AlternateContent xmlns:mc="http://schemas.openxmlformats.org/markup-compatibility/2006" xmlns:p14="http://schemas.microsoft.com/office/powerpoint/2010/main">
-    <mc:Choice Requires="p14">
+  <mc:AlternateContent xmlns:mc="http://schemas.openxmlformats.org/markup-compatibility/2006">
+    <mc:Choice xmlns:p14="http://schemas.microsoft.com/office/powerpoint/2010/main" Requires="p14">
       <p:transition spd="slow" p14:dur="1500">
         <p:random/>
       </p:transition>
     </mc:Choice>
-    <mc:Fallback xmlns="">
+    <mc:Fallback>
       <p:transition spd="slow">
         <p:random/>
       </p:transition>
@@ -17725,7 +17887,7 @@
           <a:p>
             <a:pPr defTabSz="1255395"/>
             <a:r>
-              <a:rPr lang="zh-CN" altLang="en-US" sz="2700" dirty="0">
+              <a:rPr lang="zh-CN" altLang="en-US" sz="2700" dirty="0" smtClean="0">
                 <a:solidFill>
                   <a:srgbClr val="1D69A3"/>
                 </a:solidFill>
@@ -17734,6 +17896,13 @@
               </a:rPr>
               <a:t>虚拟机的发展</a:t>
             </a:r>
+            <a:endParaRPr lang="zh-CN" altLang="en-US" sz="2700" dirty="0" smtClean="0">
+              <a:solidFill>
+                <a:srgbClr val="1D69A3"/>
+              </a:solidFill>
+              <a:latin typeface="微软雅黑" panose="020B0503020204020204" pitchFamily="34" charset="-122"/>
+              <a:ea typeface="微软雅黑" panose="020B0503020204020204" pitchFamily="34" charset="-122"/>
+            </a:endParaRPr>
           </a:p>
         </p:txBody>
       </p:sp>
@@ -17776,7 +17945,7 @@
               <a:buChar char="n"/>
             </a:pPr>
             <a:r>
-              <a:rPr lang="en-US" altLang="zh-CN" b="1" kern="0" dirty="0" err="1">
+              <a:rPr lang="en-US" altLang="zh-CN" b="1" kern="0" dirty="0" err="1" smtClean="0">
                 <a:solidFill>
                   <a:sysClr val="windowText" lastClr="000000"/>
                 </a:solidFill>
@@ -17786,7 +17955,7 @@
               <a:t>HotSpot</a:t>
             </a:r>
             <a:r>
-              <a:rPr lang="en-US" altLang="zh-CN" b="1" kern="0" dirty="0">
+              <a:rPr lang="en-US" altLang="zh-CN" b="1" kern="0" dirty="0" smtClean="0">
                 <a:solidFill>
                   <a:sysClr val="windowText" lastClr="000000"/>
                 </a:solidFill>
@@ -17796,7 +17965,7 @@
               <a:t> VM</a:t>
             </a:r>
             <a:r>
-              <a:rPr lang="zh-CN" altLang="en-US" b="1" kern="0" dirty="0">
+              <a:rPr lang="zh-CN" altLang="en-US" b="1" kern="0" dirty="0" smtClean="0">
                 <a:solidFill>
                   <a:sysClr val="windowText" lastClr="000000"/>
                 </a:solidFill>
@@ -17806,7 +17975,7 @@
               <a:t>（</a:t>
             </a:r>
             <a:r>
-              <a:rPr lang="en-US" altLang="zh-CN" b="1" kern="0" dirty="0">
+              <a:rPr lang="en-US" altLang="zh-CN" b="1" kern="0" dirty="0" smtClean="0">
                 <a:solidFill>
                   <a:sysClr val="windowText" lastClr="000000"/>
                 </a:solidFill>
@@ -17816,7 +17985,7 @@
               <a:t>SUN</a:t>
             </a:r>
             <a:r>
-              <a:rPr lang="zh-CN" altLang="en-US" b="1" kern="0" dirty="0">
+              <a:rPr lang="zh-CN" altLang="en-US" b="1" kern="0" dirty="0" smtClean="0">
                 <a:solidFill>
                   <a:sysClr val="windowText" lastClr="000000"/>
                 </a:solidFill>
@@ -17825,7 +17994,7 @@
               </a:rPr>
               <a:t>）</a:t>
             </a:r>
-            <a:endParaRPr lang="en-US" altLang="zh-CN" b="1" kern="0" dirty="0">
+            <a:endParaRPr lang="en-US" altLang="zh-CN" b="1" kern="0" dirty="0" smtClean="0">
               <a:solidFill>
                 <a:sysClr val="windowText" lastClr="000000"/>
               </a:solidFill>
@@ -17843,7 +18012,7 @@
               </a:buClr>
             </a:pPr>
             <a:r>
-              <a:rPr lang="en-US" altLang="zh-CN" kern="0" dirty="0">
+              <a:rPr lang="en-US" altLang="zh-CN" kern="0" dirty="0" smtClean="0">
                 <a:solidFill>
                   <a:sysClr val="windowText" lastClr="000000"/>
                 </a:solidFill>
@@ -17853,7 +18022,7 @@
               <a:t> </a:t>
             </a:r>
             <a:r>
-              <a:rPr lang="zh-CN" altLang="en-US" kern="0" dirty="0">
+              <a:rPr lang="zh-CN" altLang="en-US" kern="0" dirty="0" smtClean="0">
                 <a:solidFill>
                   <a:sysClr val="windowText" lastClr="000000"/>
                 </a:solidFill>
@@ -17863,7 +18032,7 @@
               <a:t>以前使用范围最广的</a:t>
             </a:r>
             <a:r>
-              <a:rPr lang="en-US" altLang="zh-CN" kern="0" dirty="0">
+              <a:rPr lang="en-US" altLang="zh-CN" kern="0" dirty="0" smtClean="0">
                 <a:solidFill>
                   <a:sysClr val="windowText" lastClr="000000"/>
                 </a:solidFill>
@@ -17873,7 +18042,7 @@
               <a:t>Java</a:t>
             </a:r>
             <a:r>
-              <a:rPr lang="zh-CN" altLang="en-US" kern="0" dirty="0">
+              <a:rPr lang="zh-CN" altLang="en-US" kern="0" dirty="0" smtClean="0">
                 <a:solidFill>
                   <a:sysClr val="windowText" lastClr="000000"/>
                 </a:solidFill>
@@ -17882,7 +18051,7 @@
               </a:rPr>
               <a:t>虚拟机</a:t>
             </a:r>
-            <a:endParaRPr lang="en-US" altLang="zh-CN" kern="0" dirty="0">
+            <a:endParaRPr lang="en-US" altLang="zh-CN" kern="0" dirty="0" smtClean="0">
               <a:solidFill>
                 <a:sysClr val="windowText" lastClr="000000"/>
               </a:solidFill>
@@ -17903,47 +18072,51 @@
               <a:defRPr/>
             </a:pPr>
             <a:r>
-              <a:rPr lang="en-US" altLang="zh-CN" b="1" dirty="0" err="1">
+              <a:rPr lang="en-US" altLang="zh-CN" b="1" dirty="0" err="1" smtClean="0">
                 <a:latin typeface="宋体" panose="02010600030101010101" pitchFamily="2" charset="-122"/>
                 <a:ea typeface="宋体" panose="02010600030101010101" pitchFamily="2" charset="-122"/>
               </a:rPr>
               <a:t>JRockit</a:t>
             </a:r>
             <a:r>
-              <a:rPr lang="en-US" altLang="zh-CN" b="1" dirty="0">
+              <a:rPr lang="en-US" altLang="zh-CN" b="1" dirty="0" smtClean="0">
                 <a:latin typeface="宋体" panose="02010600030101010101" pitchFamily="2" charset="-122"/>
                 <a:ea typeface="宋体" panose="02010600030101010101" pitchFamily="2" charset="-122"/>
               </a:rPr>
               <a:t> VM</a:t>
             </a:r>
             <a:r>
-              <a:rPr lang="zh-CN" altLang="en-US" b="1" dirty="0">
+              <a:rPr lang="zh-CN" altLang="en-US" b="1" dirty="0" smtClean="0">
                 <a:latin typeface="宋体" panose="02010600030101010101" pitchFamily="2" charset="-122"/>
                 <a:ea typeface="宋体" panose="02010600030101010101" pitchFamily="2" charset="-122"/>
               </a:rPr>
               <a:t>（</a:t>
             </a:r>
             <a:r>
-              <a:rPr lang="en-US" altLang="zh-CN" b="1" dirty="0">
+              <a:rPr lang="en-US" altLang="zh-CN" b="1" dirty="0" smtClean="0">
                 <a:latin typeface="宋体" panose="02010600030101010101" pitchFamily="2" charset="-122"/>
                 <a:ea typeface="宋体" panose="02010600030101010101" pitchFamily="2" charset="-122"/>
               </a:rPr>
               <a:t>BEA</a:t>
             </a:r>
             <a:r>
-              <a:rPr lang="zh-CN" altLang="en-US" b="1" dirty="0">
+              <a:rPr lang="zh-CN" altLang="en-US" b="1" dirty="0" smtClean="0">
                 <a:latin typeface="宋体" panose="02010600030101010101" pitchFamily="2" charset="-122"/>
                 <a:ea typeface="宋体" panose="02010600030101010101" pitchFamily="2" charset="-122"/>
               </a:rPr>
               <a:t>）</a:t>
             </a:r>
             <a:r>
-              <a:rPr lang="en-US" altLang="zh-CN" b="1" dirty="0">
+              <a:rPr lang="en-US" altLang="zh-CN" b="1" dirty="0" smtClean="0">
                 <a:latin typeface="宋体" panose="02010600030101010101" pitchFamily="2" charset="-122"/>
                 <a:ea typeface="宋体" panose="02010600030101010101" pitchFamily="2" charset="-122"/>
               </a:rPr>
               <a:t>   </a:t>
             </a:r>
+            <a:endParaRPr lang="en-US" altLang="zh-CN" b="1" dirty="0" smtClean="0">
+              <a:latin typeface="宋体" panose="02010600030101010101" pitchFamily="2" charset="-122"/>
+              <a:ea typeface="宋体" panose="02010600030101010101" pitchFamily="2" charset="-122"/>
+            </a:endParaRPr>
           </a:p>
           <a:p>
             <a:pPr marL="306705" indent="-306705">
@@ -17956,89 +18129,48 @@
               <a:defRPr/>
             </a:pPr>
             <a:r>
-              <a:rPr lang="zh-CN" altLang="en-US" dirty="0">
+              <a:rPr lang="zh-CN" altLang="en-US" dirty="0" smtClean="0">
                 <a:latin typeface="宋体" panose="02010600030101010101" pitchFamily="2" charset="-122"/>
                 <a:ea typeface="宋体" panose="02010600030101010101" pitchFamily="2" charset="-122"/>
               </a:rPr>
               <a:t>号称</a:t>
             </a:r>
             <a:r>
-              <a:rPr lang="en-US" altLang="zh-CN" dirty="0">
+              <a:rPr lang="en-US" altLang="zh-CN" dirty="0" smtClean="0">
                 <a:latin typeface="宋体" panose="02010600030101010101" pitchFamily="2" charset="-122"/>
                 <a:ea typeface="宋体" panose="02010600030101010101" pitchFamily="2" charset="-122"/>
               </a:rPr>
               <a:t>”</a:t>
             </a:r>
             <a:r>
-              <a:rPr lang="zh-CN" altLang="en-US" dirty="0">
+              <a:rPr lang="zh-CN" altLang="en-US" dirty="0" smtClean="0">
                 <a:latin typeface="宋体" panose="02010600030101010101" pitchFamily="2" charset="-122"/>
                 <a:ea typeface="宋体" panose="02010600030101010101" pitchFamily="2" charset="-122"/>
               </a:rPr>
               <a:t>世界上最快的</a:t>
             </a:r>
             <a:r>
-              <a:rPr lang="en-US" altLang="zh-CN" dirty="0">
+              <a:rPr lang="en-US" altLang="zh-CN" dirty="0" smtClean="0">
                 <a:latin typeface="宋体" panose="02010600030101010101" pitchFamily="2" charset="-122"/>
                 <a:ea typeface="宋体" panose="02010600030101010101" pitchFamily="2" charset="-122"/>
               </a:rPr>
               <a:t>Java</a:t>
             </a:r>
             <a:r>
-              <a:rPr lang="zh-CN" altLang="en-US" dirty="0">
+              <a:rPr lang="zh-CN" altLang="en-US" dirty="0" smtClean="0">
                 <a:latin typeface="宋体" panose="02010600030101010101" pitchFamily="2" charset="-122"/>
                 <a:ea typeface="宋体" panose="02010600030101010101" pitchFamily="2" charset="-122"/>
               </a:rPr>
               <a:t>虚拟机</a:t>
             </a:r>
             <a:r>
-              <a:rPr lang="en-US" altLang="zh-CN" dirty="0">
+              <a:rPr lang="en-US" altLang="zh-CN" dirty="0" smtClean="0">
                 <a:latin typeface="宋体" panose="02010600030101010101" pitchFamily="2" charset="-122"/>
                 <a:ea typeface="宋体" panose="02010600030101010101" pitchFamily="2" charset="-122"/>
               </a:rPr>
               <a:t>” </a:t>
             </a:r>
-          </a:p>
-          <a:p>
-            <a:pPr marL="306705" indent="-306705">
-              <a:lnSpc>
-                <a:spcPct val="250000"/>
-              </a:lnSpc>
-              <a:buClr>
-                <a:srgbClr val="FFC000"/>
-              </a:buClr>
-              <a:buFont typeface="Wingdings" panose="05000000000000000000" pitchFamily="2" charset="2"/>
-              <a:buChar char="n"/>
-              <a:defRPr/>
-            </a:pPr>
-            <a:r>
-              <a:rPr lang="en-US" altLang="zh-CN" b="1" dirty="0">
-                <a:latin typeface="宋体" panose="02010600030101010101" pitchFamily="2" charset="-122"/>
-                <a:ea typeface="宋体" panose="02010600030101010101" pitchFamily="2" charset="-122"/>
-              </a:rPr>
-              <a:t>J9 VM</a:t>
-            </a:r>
-            <a:r>
-              <a:rPr lang="zh-CN" altLang="en-US" b="1" dirty="0">
-                <a:latin typeface="宋体" panose="02010600030101010101" pitchFamily="2" charset="-122"/>
-                <a:ea typeface="宋体" panose="02010600030101010101" pitchFamily="2" charset="-122"/>
-              </a:rPr>
-              <a:t>（</a:t>
-            </a:r>
-            <a:r>
-              <a:rPr lang="en-US" altLang="zh-CN" b="1" dirty="0">
-                <a:latin typeface="宋体" panose="02010600030101010101" pitchFamily="2" charset="-122"/>
-                <a:ea typeface="宋体" panose="02010600030101010101" pitchFamily="2" charset="-122"/>
-              </a:rPr>
-              <a:t>IBM</a:t>
-            </a:r>
-            <a:r>
-              <a:rPr lang="zh-CN" altLang="en-US" b="1" dirty="0">
-                <a:latin typeface="宋体" panose="02010600030101010101" pitchFamily="2" charset="-122"/>
-                <a:ea typeface="宋体" panose="02010600030101010101" pitchFamily="2" charset="-122"/>
-              </a:rPr>
-              <a:t>）</a:t>
-            </a:r>
-            <a:endParaRPr lang="en-US" altLang="zh-CN" b="1" dirty="0">
+            <a:endParaRPr lang="en-US" altLang="zh-CN" dirty="0" smtClean="0">
               <a:latin typeface="宋体" panose="02010600030101010101" pitchFamily="2" charset="-122"/>
               <a:ea typeface="宋体" panose="02010600030101010101" pitchFamily="2" charset="-122"/>
             </a:endParaRPr>
@@ -18056,7 +18188,52 @@
               <a:defRPr/>
             </a:pPr>
             <a:r>
-              <a:rPr lang="en-US" altLang="zh-CN" kern="0" dirty="0" err="1">
+              <a:rPr lang="en-US" altLang="zh-CN" b="1" dirty="0" smtClean="0">
+                <a:latin typeface="宋体" panose="02010600030101010101" pitchFamily="2" charset="-122"/>
+                <a:ea typeface="宋体" panose="02010600030101010101" pitchFamily="2" charset="-122"/>
+              </a:rPr>
+              <a:t>J9 VM</a:t>
+            </a:r>
+            <a:r>
+              <a:rPr lang="zh-CN" altLang="en-US" b="1" dirty="0" smtClean="0">
+                <a:latin typeface="宋体" panose="02010600030101010101" pitchFamily="2" charset="-122"/>
+                <a:ea typeface="宋体" panose="02010600030101010101" pitchFamily="2" charset="-122"/>
+              </a:rPr>
+              <a:t>（</a:t>
+            </a:r>
+            <a:r>
+              <a:rPr lang="en-US" altLang="zh-CN" b="1" dirty="0" smtClean="0">
+                <a:latin typeface="宋体" panose="02010600030101010101" pitchFamily="2" charset="-122"/>
+                <a:ea typeface="宋体" panose="02010600030101010101" pitchFamily="2" charset="-122"/>
+              </a:rPr>
+              <a:t>IBM</a:t>
+            </a:r>
+            <a:r>
+              <a:rPr lang="zh-CN" altLang="en-US" b="1" dirty="0" smtClean="0">
+                <a:latin typeface="宋体" panose="02010600030101010101" pitchFamily="2" charset="-122"/>
+                <a:ea typeface="宋体" panose="02010600030101010101" pitchFamily="2" charset="-122"/>
+              </a:rPr>
+              <a:t>）</a:t>
+            </a:r>
+            <a:endParaRPr lang="en-US" altLang="zh-CN" b="1" dirty="0" smtClean="0">
+              <a:latin typeface="宋体" panose="02010600030101010101" pitchFamily="2" charset="-122"/>
+              <a:ea typeface="宋体" panose="02010600030101010101" pitchFamily="2" charset="-122"/>
+            </a:endParaRPr>
+          </a:p>
+          <a:p>
+            <a:pPr marL="306705" indent="-306705">
+              <a:lnSpc>
+                <a:spcPct val="250000"/>
+              </a:lnSpc>
+              <a:buClr>
+                <a:srgbClr val="FFC000"/>
+              </a:buClr>
+              <a:buFont typeface="Wingdings" panose="05000000000000000000" pitchFamily="2" charset="2"/>
+              <a:buChar char="n"/>
+              <a:defRPr/>
+            </a:pPr>
+            <a:r>
+              <a:rPr lang="en-US" altLang="zh-CN" kern="0" dirty="0" err="1" smtClean="0">
                 <a:solidFill>
                   <a:sysClr val="windowText" lastClr="000000"/>
                 </a:solidFill>
@@ -18066,7 +18243,7 @@
               <a:t>Dalvik</a:t>
             </a:r>
             <a:r>
-              <a:rPr lang="en-US" altLang="zh-CN" kern="0" dirty="0">
+              <a:rPr lang="en-US" altLang="zh-CN" kern="0" dirty="0" smtClean="0">
                 <a:solidFill>
                   <a:sysClr val="windowText" lastClr="000000"/>
                 </a:solidFill>
@@ -18076,7 +18253,7 @@
               <a:t> VM</a:t>
             </a:r>
             <a:r>
-              <a:rPr lang="zh-CN" altLang="en-US" kern="0" dirty="0">
+              <a:rPr lang="zh-CN" altLang="en-US" kern="0" dirty="0" smtClean="0">
                 <a:solidFill>
                   <a:sysClr val="windowText" lastClr="000000"/>
                 </a:solidFill>
@@ -18086,7 +18263,7 @@
               <a:t>（</a:t>
             </a:r>
             <a:r>
-              <a:rPr lang="en-US" altLang="zh-CN" kern="0" dirty="0">
+              <a:rPr lang="en-US" altLang="zh-CN" kern="0" dirty="0" smtClean="0">
                 <a:solidFill>
                   <a:sysClr val="windowText" lastClr="000000"/>
                 </a:solidFill>
@@ -18096,7 +18273,7 @@
               <a:t> Google </a:t>
             </a:r>
             <a:r>
-              <a:rPr lang="zh-CN" altLang="en-US" kern="0" dirty="0">
+              <a:rPr lang="zh-CN" altLang="en-US" kern="0" dirty="0" smtClean="0">
                 <a:solidFill>
                   <a:sysClr val="windowText" lastClr="000000"/>
                 </a:solidFill>
@@ -18154,7 +18331,7 @@
               <a:buChar char="n"/>
             </a:pPr>
             <a:r>
-              <a:rPr lang="en-US" altLang="zh-CN" sz="2400" b="1" kern="0" dirty="0" err="1">
+              <a:rPr lang="en-US" altLang="zh-CN" sz="2400" b="1" kern="0" dirty="0" err="1" smtClean="0">
                 <a:solidFill>
                   <a:sysClr val="windowText" lastClr="000000"/>
                 </a:solidFill>
@@ -18164,7 +18341,7 @@
               <a:t>HotSpot</a:t>
             </a:r>
             <a:r>
-              <a:rPr lang="en-US" altLang="zh-CN" sz="2400" b="1" kern="0" dirty="0">
+              <a:rPr lang="en-US" altLang="zh-CN" sz="2400" b="1" kern="0" dirty="0" smtClean="0">
                 <a:solidFill>
                   <a:sysClr val="windowText" lastClr="000000"/>
                 </a:solidFill>
@@ -18174,7 +18351,7 @@
               <a:t> VM</a:t>
             </a:r>
             <a:r>
-              <a:rPr lang="zh-CN" altLang="en-US" sz="2400" b="1" kern="0" dirty="0">
+              <a:rPr lang="zh-CN" altLang="en-US" sz="2400" b="1" kern="0" dirty="0" smtClean="0">
                 <a:solidFill>
                   <a:sysClr val="windowText" lastClr="000000"/>
                 </a:solidFill>
@@ -18184,7 +18361,7 @@
               <a:t>（</a:t>
             </a:r>
             <a:r>
-              <a:rPr lang="en-US" altLang="zh-CN" sz="2400" b="1" kern="0" dirty="0">
+              <a:rPr lang="en-US" altLang="zh-CN" sz="2400" b="1" kern="0" dirty="0" smtClean="0">
                 <a:solidFill>
                   <a:sysClr val="windowText" lastClr="000000"/>
                 </a:solidFill>
@@ -18194,7 +18371,7 @@
               <a:t>ORACLE</a:t>
             </a:r>
             <a:r>
-              <a:rPr lang="zh-CN" altLang="en-US" sz="2400" b="1" kern="0" dirty="0">
+              <a:rPr lang="zh-CN" altLang="en-US" sz="2400" b="1" kern="0" dirty="0" smtClean="0">
                 <a:solidFill>
                   <a:sysClr val="windowText" lastClr="000000"/>
                 </a:solidFill>
@@ -18203,7 +18380,7 @@
               </a:rPr>
               <a:t>）</a:t>
             </a:r>
-            <a:endParaRPr lang="en-US" altLang="zh-CN" sz="2400" b="1" kern="0" dirty="0">
+            <a:endParaRPr lang="en-US" altLang="zh-CN" sz="2400" b="1" kern="0" dirty="0" smtClean="0">
               <a:solidFill>
                 <a:sysClr val="windowText" lastClr="000000"/>
               </a:solidFill>
@@ -18221,7 +18398,7 @@
               </a:buClr>
             </a:pPr>
             <a:r>
-              <a:rPr lang="zh-CN" altLang="en-US" sz="1800" kern="0" dirty="0">
+              <a:rPr lang="zh-CN" altLang="en-US" sz="1800" kern="0" dirty="0" smtClean="0">
                 <a:solidFill>
                   <a:sysClr val="windowText" lastClr="000000"/>
                 </a:solidFill>
@@ -18231,7 +18408,7 @@
               <a:t>目前使用范围最广的</a:t>
             </a:r>
             <a:r>
-              <a:rPr lang="en-US" altLang="zh-CN" sz="1800" kern="0" dirty="0">
+              <a:rPr lang="en-US" altLang="zh-CN" sz="1800" kern="0" dirty="0" smtClean="0">
                 <a:solidFill>
                   <a:sysClr val="windowText" lastClr="000000"/>
                 </a:solidFill>
@@ -18241,7 +18418,7 @@
               <a:t>Java</a:t>
             </a:r>
             <a:r>
-              <a:rPr lang="zh-CN" altLang="en-US" sz="1800" kern="0" dirty="0">
+              <a:rPr lang="zh-CN" altLang="en-US" sz="1800" kern="0" dirty="0" smtClean="0">
                 <a:solidFill>
                   <a:sysClr val="windowText" lastClr="000000"/>
                 </a:solidFill>
@@ -18250,7 +18427,7 @@
               </a:rPr>
               <a:t>虚拟机</a:t>
             </a:r>
-            <a:endParaRPr lang="en-US" altLang="zh-CN" sz="1800" kern="0" dirty="0">
+            <a:endParaRPr lang="en-US" altLang="zh-CN" sz="1800" kern="0" dirty="0" smtClean="0">
               <a:solidFill>
                 <a:sysClr val="windowText" lastClr="000000"/>
               </a:solidFill>
@@ -18267,7 +18444,7 @@
                 <a:srgbClr val="FFC000"/>
               </a:buClr>
             </a:pPr>
-            <a:endParaRPr lang="en-US" altLang="zh-CN" sz="2400" b="1" kern="0" dirty="0">
+            <a:endParaRPr lang="en-US" altLang="zh-CN" sz="2400" b="1" kern="0" dirty="0" smtClean="0">
               <a:solidFill>
                 <a:sysClr val="windowText" lastClr="000000"/>
               </a:solidFill>
@@ -18279,20 +18456,14 @@
       </p:sp>
       <p:sp>
         <p:nvSpPr>
-          <p:cNvPr id="2" name="文本框 1">
-            <a:extLst>
-              <a:ext uri="{FF2B5EF4-FFF2-40B4-BE49-F238E27FC236}">
-                <a16:creationId xmlns:a16="http://schemas.microsoft.com/office/drawing/2014/main" id="{5369F493-0570-9648-B4DF-CBCC7E9F1241}"/>
-              </a:ext>
-            </a:extLst>
-          </p:cNvPr>
+          <p:cNvPr id="2" name="文本框 1"/>
           <p:cNvSpPr txBox="1"/>
           <p:nvPr/>
         </p:nvSpPr>
         <p:spPr>
           <a:xfrm>
-            <a:off x="902713" y="6047015"/>
-            <a:ext cx="10599376" cy="1308050"/>
+            <a:off x="4635500" y="5019040"/>
+            <a:ext cx="6780530" cy="675640"/>
           </a:xfrm>
           <a:prstGeom prst="rect">
             <a:avLst/>
@@ -18300,180 +18471,42 @@
           <a:noFill/>
         </p:spPr>
         <p:txBody>
-          <a:bodyPr wrap="none" rtlCol="0">
+          <a:bodyPr wrap="square" rtlCol="0">
             <a:spAutoFit/>
+            <a:scene3d>
+              <a:camera prst="orthographicFront"/>
+              <a:lightRig rig="soft" dir="t">
+                <a:rot lat="0" lon="0" rev="15600000"/>
+              </a:lightRig>
+            </a:scene3d>
+            <a:sp3d extrusionH="57150" prstMaterial="softEdge">
+              <a:bevelT w="25400" h="38100"/>
+            </a:sp3d>
           </a:bodyPr>
-          <a:lstStyle/>
           <a:p>
             <a:r>
-              <a:rPr kumimoji="1" lang="en-US" altLang="zh-CN" b="1" dirty="0">
-                <a:latin typeface="+mj-ea"/>
-                <a:ea typeface="+mj-ea"/>
-              </a:rPr>
-              <a:t>ORACLE</a:t>
-            </a:r>
-            <a:r>
-              <a:rPr kumimoji="1" lang="zh-CN" altLang="en-US" b="1" dirty="0">
-                <a:latin typeface="+mj-ea"/>
-                <a:ea typeface="+mj-ea"/>
-              </a:rPr>
-              <a:t>收购</a:t>
-            </a:r>
-            <a:r>
-              <a:rPr kumimoji="1" lang="en-US" altLang="zh-CN" b="1" dirty="0">
-                <a:latin typeface="+mj-ea"/>
-                <a:ea typeface="+mj-ea"/>
-              </a:rPr>
-              <a:t>SUN</a:t>
-            </a:r>
-            <a:r>
-              <a:rPr kumimoji="1" lang="zh-CN" altLang="en-US" b="1" dirty="0">
-                <a:latin typeface="+mj-ea"/>
-                <a:ea typeface="+mj-ea"/>
-              </a:rPr>
-              <a:t>后，将</a:t>
-            </a:r>
-            <a:r>
-              <a:rPr kumimoji="1" lang="en-US" altLang="zh-CN" b="1" dirty="0" err="1">
-                <a:latin typeface="+mj-ea"/>
-                <a:ea typeface="+mj-ea"/>
-              </a:rPr>
-              <a:t>HotSpot</a:t>
-            </a:r>
-            <a:r>
-              <a:rPr kumimoji="1" lang="zh-CN" altLang="en-US" b="1" dirty="0">
-                <a:latin typeface="+mj-ea"/>
-                <a:ea typeface="+mj-ea"/>
-              </a:rPr>
-              <a:t>和</a:t>
-            </a:r>
-            <a:r>
-              <a:rPr kumimoji="1" lang="en-US" altLang="zh-CN" b="1" dirty="0" err="1">
-                <a:latin typeface="+mj-ea"/>
-                <a:ea typeface="+mj-ea"/>
-              </a:rPr>
-              <a:t>JRockit</a:t>
-            </a:r>
-            <a:r>
-              <a:rPr kumimoji="1" lang="zh-CN" altLang="en-US" b="1" dirty="0">
-                <a:latin typeface="+mj-ea"/>
-                <a:ea typeface="+mj-ea"/>
-              </a:rPr>
-              <a:t>进行了合并，成为</a:t>
-            </a:r>
-            <a:r>
-              <a:rPr lang="en-US" altLang="zh-CN" sz="2000" b="1" kern="0" dirty="0" err="1">
+              <a:rPr lang="zh-CN" altLang="en-US">
                 <a:solidFill>
-                  <a:sysClr val="windowText" lastClr="000000"/>
+                  <a:schemeClr val="accent4"/>
                 </a:solidFill>
-                <a:latin typeface="+mj-ea"/>
-                <a:ea typeface="+mj-ea"/>
-              </a:rPr>
-              <a:t>HotSpot</a:t>
-            </a:r>
-            <a:r>
-              <a:rPr lang="en-US" altLang="zh-CN" sz="2000" b="1" kern="0" dirty="0">
+                <a:effectLst/>
+              </a:rPr>
+              <a:t>Oracle在收购了Sun后，把HotSpot和JRockit进行了合并，成为HotSpot VM(Oracle)，是目前使用最广泛的</a:t>
+            </a:r>
+            <a:r>
+              <a:rPr lang="en-US" altLang="zh-CN">
                 <a:solidFill>
-                  <a:sysClr val="windowText" lastClr="000000"/>
+                  <a:schemeClr val="accent4"/>
                 </a:solidFill>
-                <a:latin typeface="+mj-ea"/>
-                <a:ea typeface="+mj-ea"/>
-              </a:rPr>
-              <a:t> VM</a:t>
-            </a:r>
-            <a:r>
-              <a:rPr lang="zh-CN" altLang="en-US" sz="2000" b="1" kern="0" dirty="0">
-                <a:solidFill>
-                  <a:sysClr val="windowText" lastClr="000000"/>
-                </a:solidFill>
-                <a:latin typeface="+mj-ea"/>
-                <a:ea typeface="+mj-ea"/>
-              </a:rPr>
-              <a:t>（</a:t>
-            </a:r>
-            <a:r>
-              <a:rPr lang="en-US" altLang="zh-CN" sz="2000" b="1" kern="0" dirty="0">
-                <a:solidFill>
-                  <a:sysClr val="windowText" lastClr="000000"/>
-                </a:solidFill>
-                <a:latin typeface="+mj-ea"/>
-                <a:ea typeface="+mj-ea"/>
-              </a:rPr>
-              <a:t>ORACLE</a:t>
-            </a:r>
-            <a:r>
-              <a:rPr lang="zh-CN" altLang="en-US" sz="2000" b="1" kern="0" dirty="0">
-                <a:solidFill>
-                  <a:sysClr val="windowText" lastClr="000000"/>
-                </a:solidFill>
-                <a:latin typeface="+mj-ea"/>
-                <a:ea typeface="+mj-ea"/>
-              </a:rPr>
-              <a:t>），是目前使用</a:t>
-            </a:r>
-            <a:endParaRPr lang="en-US" altLang="zh-CN" sz="2000" b="1" kern="0" dirty="0">
+                <a:effectLst/>
+              </a:rPr>
+              <a:t>JVM</a:t>
+            </a:r>
+            <a:endParaRPr lang="en-US" altLang="zh-CN">
               <a:solidFill>
-                <a:sysClr val="windowText" lastClr="000000"/>
+                <a:schemeClr val="accent4"/>
               </a:solidFill>
-              <a:latin typeface="+mj-ea"/>
-              <a:ea typeface="+mj-ea"/>
-            </a:endParaRPr>
-          </a:p>
-          <a:p>
-            <a:r>
-              <a:rPr lang="zh-CN" altLang="en-US" sz="2000" b="1" kern="0" dirty="0">
-                <a:solidFill>
-                  <a:sysClr val="windowText" lastClr="000000"/>
-                </a:solidFill>
-                <a:latin typeface="+mj-ea"/>
-                <a:ea typeface="+mj-ea"/>
-              </a:rPr>
-              <a:t>最广泛的</a:t>
-            </a:r>
-            <a:r>
-              <a:rPr lang="en-US" altLang="zh-CN" sz="2000" b="1" kern="0" dirty="0">
-                <a:solidFill>
-                  <a:sysClr val="windowText" lastClr="000000"/>
-                </a:solidFill>
-                <a:latin typeface="+mj-ea"/>
-                <a:ea typeface="+mj-ea"/>
-              </a:rPr>
-              <a:t>JVM</a:t>
-            </a:r>
-          </a:p>
-          <a:p>
-            <a:r>
-              <a:rPr lang="en-US" altLang="zh-CN" sz="2000" b="1" kern="0" dirty="0" err="1">
-                <a:solidFill>
-                  <a:sysClr val="windowText" lastClr="000000"/>
-                </a:solidFill>
-                <a:latin typeface="+mj-ea"/>
-                <a:ea typeface="+mj-ea"/>
-              </a:rPr>
-              <a:t>HotSpot</a:t>
-            </a:r>
-            <a:r>
-              <a:rPr lang="zh-CN" altLang="en-US" sz="2000" b="1" kern="0" dirty="0">
-                <a:solidFill>
-                  <a:sysClr val="windowText" lastClr="000000"/>
-                </a:solidFill>
-                <a:latin typeface="+mj-ea"/>
-                <a:ea typeface="+mj-ea"/>
-              </a:rPr>
-              <a:t>：热点探测技术</a:t>
-            </a:r>
-            <a:endParaRPr lang="en-US" altLang="zh-CN" sz="2000" b="1" kern="0" dirty="0">
-              <a:solidFill>
-                <a:sysClr val="windowText" lastClr="000000"/>
-              </a:solidFill>
-              <a:latin typeface="+mj-ea"/>
-              <a:ea typeface="+mj-ea"/>
-            </a:endParaRPr>
-          </a:p>
-          <a:p>
-            <a:endParaRPr kumimoji="1" lang="zh-CN" altLang="en-US" b="1" dirty="0">
-              <a:latin typeface="+mj-ea"/>
-              <a:ea typeface="+mj-ea"/>
+              <a:effectLst/>
             </a:endParaRPr>
           </a:p>
         </p:txBody>
@@ -18483,13 +18516,13 @@
   <p:clrMapOvr>
     <a:masterClrMapping/>
   </p:clrMapOvr>
-  <mc:AlternateContent xmlns:mc="http://schemas.openxmlformats.org/markup-compatibility/2006" xmlns:p14="http://schemas.microsoft.com/office/powerpoint/2010/main">
-    <mc:Choice Requires="p14">
+  <mc:AlternateContent xmlns:mc="http://schemas.openxmlformats.org/markup-compatibility/2006">
+    <mc:Choice xmlns:p14="http://schemas.microsoft.com/office/powerpoint/2010/main" Requires="p14">
       <p:transition spd="slow" p14:dur="1500">
         <p:random/>
       </p:transition>
     </mc:Choice>
-    <mc:Fallback xmlns="">
+    <mc:Fallback>
       <p:transition spd="slow">
         <p:random/>
       </p:transition>
@@ -18759,7 +18792,7 @@
           <a:p>
             <a:pPr defTabSz="1255395"/>
             <a:r>
-              <a:rPr lang="zh-CN" altLang="en-US" sz="2700" dirty="0">
+              <a:rPr lang="zh-CN" altLang="en-US" sz="2700" dirty="0" smtClean="0">
                 <a:solidFill>
                   <a:srgbClr val="1D69A3"/>
                 </a:solidFill>
@@ -18769,7 +18802,7 @@
               <a:t>未来的</a:t>
             </a:r>
             <a:r>
-              <a:rPr lang="en-US" altLang="zh-CN" sz="2700" dirty="0">
+              <a:rPr lang="en-US" altLang="zh-CN" sz="2700" dirty="0" smtClean="0">
                 <a:solidFill>
                   <a:srgbClr val="1D69A3"/>
                 </a:solidFill>
@@ -18779,7 +18812,7 @@
               <a:t>Java</a:t>
             </a:r>
             <a:r>
-              <a:rPr lang="zh-CN" altLang="en-US" sz="2700" dirty="0">
+              <a:rPr lang="zh-CN" altLang="en-US" sz="2700" dirty="0" smtClean="0">
                 <a:solidFill>
                   <a:srgbClr val="1D69A3"/>
                 </a:solidFill>
@@ -18788,6 +18821,13 @@
               </a:rPr>
               <a:t>技术</a:t>
             </a:r>
+            <a:endParaRPr lang="zh-CN" altLang="en-US" sz="2700" dirty="0" smtClean="0">
+              <a:solidFill>
+                <a:srgbClr val="1D69A3"/>
+              </a:solidFill>
+              <a:latin typeface="微软雅黑" panose="020B0503020204020204" pitchFamily="34" charset="-122"/>
+              <a:ea typeface="微软雅黑" panose="020B0503020204020204" pitchFamily="34" charset="-122"/>
+            </a:endParaRPr>
           </a:p>
         </p:txBody>
       </p:sp>
@@ -18825,14 +18865,14 @@
           <a:p>
             <a:pPr algn="ctr"/>
             <a:r>
-              <a:rPr lang="zh-CN" altLang="en-US" sz="2500" dirty="0">
+              <a:rPr lang="zh-CN" altLang="en-US" sz="2500" dirty="0" smtClean="0">
                 <a:solidFill>
                   <a:srgbClr val="F8F8F8"/>
                 </a:solidFill>
                 <a:latin typeface="微软雅黑" panose="020B0503020204020204" pitchFamily="34" charset="-122"/>
                 <a:ea typeface="微软雅黑" panose="020B0503020204020204" pitchFamily="34" charset="-122"/>
               </a:rPr>
-              <a:t>   混合语言</a:t>
+              <a:t>混合语言</a:t>
             </a:r>
             <a:endParaRPr lang="en-US" altLang="zh-CN" sz="2500" dirty="0">
               <a:solidFill>
@@ -18878,14 +18918,14 @@
           <a:p>
             <a:pPr algn="ctr"/>
             <a:r>
-              <a:rPr lang="zh-CN" altLang="en-US" sz="2500" dirty="0">
+              <a:rPr lang="zh-CN" altLang="en-US" sz="2500" dirty="0" smtClean="0">
                 <a:solidFill>
                   <a:srgbClr val="F8F8F8"/>
                 </a:solidFill>
                 <a:latin typeface="微软雅黑" panose="020B0503020204020204" pitchFamily="34" charset="-122"/>
                 <a:ea typeface="微软雅黑" panose="020B0503020204020204" pitchFamily="34" charset="-122"/>
               </a:rPr>
-              <a:t>   多核并行</a:t>
+              <a:t>多核并行</a:t>
             </a:r>
             <a:endParaRPr lang="en-US" altLang="zh-CN" sz="2500" dirty="0">
               <a:solidFill>
@@ -18931,14 +18971,14 @@
           <a:p>
             <a:pPr algn="ctr"/>
             <a:r>
-              <a:rPr lang="zh-CN" altLang="en-US" sz="2500" dirty="0">
+              <a:rPr lang="zh-CN" altLang="en-US" sz="2500" dirty="0" smtClean="0">
                 <a:solidFill>
                   <a:srgbClr val="F8F8F8"/>
                 </a:solidFill>
                 <a:latin typeface="微软雅黑" panose="020B0503020204020204" pitchFamily="34" charset="-122"/>
                 <a:ea typeface="微软雅黑" panose="020B0503020204020204" pitchFamily="34" charset="-122"/>
               </a:rPr>
-              <a:t>   丰富语法</a:t>
+              <a:t>丰富语法</a:t>
             </a:r>
             <a:endParaRPr lang="en-US" altLang="zh-CN" sz="2500" dirty="0">
               <a:solidFill>
@@ -18984,7 +19024,7 @@
           <a:p>
             <a:pPr algn="ctr"/>
             <a:r>
-              <a:rPr lang="en-US" altLang="zh-CN" sz="2500" dirty="0">
+              <a:rPr lang="en-US" altLang="zh-CN" sz="2500" dirty="0" smtClean="0">
                 <a:solidFill>
                   <a:srgbClr val="F8F8F8"/>
                 </a:solidFill>
@@ -18994,7 +19034,7 @@
               <a:t>64</a:t>
             </a:r>
             <a:r>
-              <a:rPr lang="zh-CN" altLang="en-US" sz="2500" dirty="0">
+              <a:rPr lang="zh-CN" altLang="en-US" sz="2500" dirty="0" smtClean="0">
                 <a:solidFill>
                   <a:srgbClr val="F8F8F8"/>
                 </a:solidFill>
@@ -19047,7 +19087,7 @@
           <a:p>
             <a:pPr algn="ctr"/>
             <a:r>
-              <a:rPr lang="zh-CN" altLang="en-US" sz="2500" dirty="0">
+              <a:rPr lang="zh-CN" altLang="en-US" sz="2500" dirty="0" smtClean="0">
                 <a:solidFill>
                   <a:srgbClr val="F8F8F8"/>
                 </a:solidFill>
@@ -19100,7 +19140,7 @@
           <a:p>
             <a:pPr algn="ctr"/>
             <a:r>
-              <a:rPr lang="zh-CN" altLang="en-US" sz="2500" dirty="0">
+              <a:rPr lang="zh-CN" altLang="en-US" sz="2500" dirty="0" smtClean="0">
                 <a:solidFill>
                   <a:srgbClr val="F8F8F8"/>
                 </a:solidFill>
@@ -19110,7 +19150,7 @@
               <a:t>更强的</a:t>
             </a:r>
             <a:br>
-              <a:rPr lang="en-US" altLang="zh-CN" sz="2500" dirty="0">
+              <a:rPr lang="en-US" altLang="zh-CN" sz="2500" dirty="0" smtClean="0">
                 <a:solidFill>
                   <a:srgbClr val="F8F8F8"/>
                 </a:solidFill>
@@ -19119,7 +19159,7 @@
               </a:rPr>
             </a:br>
             <a:r>
-              <a:rPr lang="zh-CN" altLang="en-US" sz="2500" dirty="0">
+              <a:rPr lang="zh-CN" altLang="en-US" sz="2500" dirty="0" smtClean="0">
                 <a:solidFill>
                   <a:srgbClr val="F8F8F8"/>
                 </a:solidFill>
@@ -19128,7 +19168,7 @@
               </a:rPr>
               <a:t>垃圾回收</a:t>
             </a:r>
-            <a:endParaRPr lang="en-US" altLang="zh-CN" sz="2500" dirty="0">
+            <a:endParaRPr lang="en-US" altLang="zh-CN" sz="2500" dirty="0" smtClean="0">
               <a:solidFill>
                 <a:srgbClr val="F8F8F8"/>
               </a:solidFill>
@@ -19150,20 +19190,14 @@
       </p:sp>
       <p:sp>
         <p:nvSpPr>
-          <p:cNvPr id="4" name="文本框 3">
-            <a:extLst>
-              <a:ext uri="{FF2B5EF4-FFF2-40B4-BE49-F238E27FC236}">
-                <a16:creationId xmlns:a16="http://schemas.microsoft.com/office/drawing/2014/main" id="{87419F4F-BA02-844E-A21E-42DFF19AC2A9}"/>
-              </a:ext>
-            </a:extLst>
-          </p:cNvPr>
+          <p:cNvPr id="2" name="文本框 1"/>
           <p:cNvSpPr txBox="1"/>
           <p:nvPr/>
         </p:nvSpPr>
         <p:spPr>
           <a:xfrm>
-            <a:off x="855785" y="5134708"/>
-            <a:ext cx="9512797" cy="1846659"/>
+            <a:off x="597535" y="4459605"/>
+            <a:ext cx="10669905" cy="2138045"/>
           </a:xfrm>
           <a:prstGeom prst="rect">
             <a:avLst/>
@@ -19171,122 +19205,122 @@
           <a:noFill/>
         </p:spPr>
         <p:txBody>
-          <a:bodyPr wrap="none" rtlCol="0">
+          <a:bodyPr wrap="square" rtlCol="0">
             <a:spAutoFit/>
           </a:bodyPr>
-          <a:lstStyle/>
           <a:p>
             <a:r>
-              <a:rPr kumimoji="1" lang="zh-CN" altLang="en-US" dirty="0"/>
-              <a:t>模块化：</a:t>
-            </a:r>
-            <a:r>
-              <a:rPr kumimoji="1" lang="en-US" altLang="zh-CN" dirty="0"/>
-              <a:t>OSGI</a:t>
-            </a:r>
+              <a:rPr lang="zh-CN" altLang="en-US"/>
+              <a:t>模块化：OSGI（动态化、模块化），应用层面就是微服务，目前互联网的发展方向</a:t>
+            </a:r>
+            <a:endParaRPr lang="zh-CN" altLang="en-US"/>
           </a:p>
           <a:p>
             <a:r>
-              <a:rPr kumimoji="1" lang="zh-CN" altLang="en-US" dirty="0"/>
+              <a:rPr lang="zh-CN" altLang="en-US"/>
               <a:t>混合语言：</a:t>
             </a:r>
             <a:r>
-              <a:rPr kumimoji="1" lang="en-US" altLang="zh-CN" dirty="0"/>
+              <a:rPr lang="en-US" altLang="zh-CN"/>
+              <a:t>Kotlin</a:t>
+            </a:r>
+            <a:r>
+              <a:rPr lang="zh-CN" altLang="en-US"/>
+              <a:t>、</a:t>
+            </a:r>
+            <a:r>
+              <a:rPr lang="en-US" altLang="zh-CN"/>
+              <a:t>Scala</a:t>
+            </a:r>
+            <a:r>
+              <a:rPr lang="zh-CN" altLang="en-US"/>
+              <a:t>等，统一编译成</a:t>
+            </a:r>
+            <a:r>
+              <a:rPr lang="en-US" altLang="zh-CN"/>
+              <a:t>Class</a:t>
+            </a:r>
+            <a:r>
+              <a:rPr lang="zh-CN" altLang="en-US"/>
+              <a:t>字节码文件，由</a:t>
+            </a:r>
+            <a:r>
+              <a:rPr lang="en-US" altLang="zh-CN"/>
               <a:t>JVM</a:t>
             </a:r>
             <a:r>
-              <a:rPr kumimoji="1" lang="zh-CN" altLang="en-US" dirty="0"/>
-              <a:t>可运行多种语言</a:t>
-            </a:r>
-            <a:r>
-              <a:rPr kumimoji="1" lang="en-US" altLang="zh-CN" dirty="0"/>
-              <a:t>(</a:t>
-            </a:r>
-            <a:r>
-              <a:rPr kumimoji="1" lang="zh-CN" altLang="en-US" dirty="0"/>
-              <a:t>将不同语言统一编译成字节码</a:t>
-            </a:r>
-            <a:r>
-              <a:rPr kumimoji="1" lang="en-US" altLang="zh-CN" dirty="0"/>
-              <a:t>)</a:t>
-            </a:r>
-            <a:endParaRPr kumimoji="1" lang="zh-CN" altLang="en-US" dirty="0"/>
+              <a:rPr lang="zh-CN" altLang="en-US"/>
+              <a:t>解释执行</a:t>
+            </a:r>
+            <a:endParaRPr lang="zh-CN" altLang="en-US"/>
           </a:p>
           <a:p>
             <a:r>
-              <a:rPr kumimoji="1" lang="zh-CN" altLang="en-US" dirty="0"/>
-              <a:t>多核并行</a:t>
-            </a:r>
-            <a:endParaRPr kumimoji="1" lang="en-US" altLang="zh-CN" dirty="0"/>
+              <a:rPr lang="zh-CN" altLang="en-US"/>
+              <a:t>多核并行：CPU从高频次转变为多核心，多核时代。</a:t>
+            </a:r>
+            <a:endParaRPr lang="zh-CN" altLang="en-US"/>
           </a:p>
           <a:p>
             <a:r>
-              <a:rPr kumimoji="1" lang="zh-CN" altLang="en-US" dirty="0"/>
+              <a:rPr lang="zh-CN" altLang="en-US"/>
               <a:t>丰富语法</a:t>
             </a:r>
-            <a:endParaRPr kumimoji="1" lang="en-US" altLang="zh-CN" dirty="0"/>
+            <a:endParaRPr lang="zh-CN" altLang="en-US"/>
           </a:p>
           <a:p>
             <a:r>
-              <a:rPr kumimoji="1" lang="en-US" altLang="zh-CN" dirty="0"/>
+              <a:rPr lang="en-US" altLang="zh-CN"/>
               <a:t>64</a:t>
             </a:r>
             <a:r>
-              <a:rPr kumimoji="1" lang="zh-CN" altLang="en-US" dirty="0"/>
-              <a:t>位：寻址范围</a:t>
-            </a:r>
-            <a:r>
-              <a:rPr kumimoji="1" lang="en-US" altLang="zh-CN" dirty="0"/>
-              <a:t>=2^64</a:t>
-            </a:r>
-            <a:r>
-              <a:rPr kumimoji="1" lang="zh-CN" altLang="en-US" dirty="0"/>
-              <a:t>，可支持更多的内存</a:t>
-            </a:r>
-            <a:endParaRPr kumimoji="1" lang="en-US" altLang="zh-CN" dirty="0"/>
+              <a:rPr lang="zh-CN" altLang="en-US"/>
+              <a:t>位：虽然同样的程序64位内存消耗比32位要多一点，但是支持内存大，所以虚拟机都会完全过</a:t>
+            </a:r>
+            <a:r>
+              <a:rPr lang="en-US" altLang="zh-CN"/>
+              <a:t>		</a:t>
+            </a:r>
+            <a:r>
+              <a:rPr lang="zh-CN" altLang="en-US"/>
+              <a:t>渡到64位。寻址空间</a:t>
+            </a:r>
+            <a:r>
+              <a:rPr lang="en-US" altLang="zh-CN"/>
+              <a:t>2^64</a:t>
+            </a:r>
+            <a:endParaRPr lang="en-US" altLang="zh-CN"/>
           </a:p>
           <a:p>
             <a:r>
-              <a:rPr kumimoji="1" lang="zh-CN" altLang="en-US" dirty="0"/>
+              <a:rPr lang="zh-CN" altLang="en-US"/>
               <a:t>更强的垃圾回收：</a:t>
             </a:r>
             <a:r>
-              <a:rPr kumimoji="1" lang="en-US" altLang="zh-CN" dirty="0"/>
-              <a:t>ZGC</a:t>
-            </a:r>
-            <a:r>
-              <a:rPr kumimoji="1" lang="zh-CN" altLang="en-US" dirty="0"/>
-              <a:t>，可回收</a:t>
-            </a:r>
-            <a:r>
-              <a:rPr kumimoji="1" lang="en-US" altLang="zh-CN" dirty="0"/>
+              <a:rPr lang="en-US" altLang="zh-CN"/>
+              <a:t>ZGC——STW</a:t>
+            </a:r>
+            <a:r>
+              <a:rPr lang="zh-CN" altLang="en-US"/>
+              <a:t>时间小于</a:t>
+            </a:r>
+            <a:r>
+              <a:rPr lang="en-US" altLang="zh-CN"/>
+              <a:t>10ms</a:t>
+            </a:r>
+            <a:r>
+              <a:rPr lang="zh-CN" altLang="en-US"/>
+              <a:t>，可进行</a:t>
+            </a:r>
+            <a:r>
+              <a:rPr lang="en-US" altLang="zh-CN"/>
               <a:t>TB</a:t>
             </a:r>
             <a:r>
-              <a:rPr kumimoji="1" lang="zh-CN" altLang="en-US" dirty="0"/>
-              <a:t>级别的内存，</a:t>
-            </a:r>
-            <a:r>
-              <a:rPr kumimoji="1" lang="en-US" altLang="zh-CN" dirty="0"/>
-              <a:t>STW</a:t>
-            </a:r>
-            <a:r>
-              <a:rPr kumimoji="1" lang="zh-CN" altLang="en-US" dirty="0"/>
-              <a:t>时间少于</a:t>
-            </a:r>
-            <a:r>
-              <a:rPr kumimoji="1" lang="en-US" altLang="zh-CN" dirty="0"/>
-              <a:t>10ms(</a:t>
-            </a:r>
-            <a:r>
-              <a:rPr kumimoji="1" lang="zh-CN" altLang="en-US" dirty="0"/>
-              <a:t>有色指针、加载屏障</a:t>
-            </a:r>
-            <a:r>
-              <a:rPr kumimoji="1" lang="en-US" altLang="zh-CN" dirty="0"/>
-              <a:t>)</a:t>
-            </a:r>
-            <a:endParaRPr kumimoji="1" lang="zh-CN" altLang="en-US" dirty="0"/>
+              <a:rPr lang="zh-CN" altLang="en-US"/>
+              <a:t>级别的垃圾回收</a:t>
+            </a:r>
+            <a:endParaRPr lang="zh-CN" altLang="en-US"/>
           </a:p>
         </p:txBody>
       </p:sp>
@@ -19295,13 +19329,13 @@
   <p:clrMapOvr>
     <a:masterClrMapping/>
   </p:clrMapOvr>
-  <mc:AlternateContent xmlns:mc="http://schemas.openxmlformats.org/markup-compatibility/2006" xmlns:p14="http://schemas.microsoft.com/office/powerpoint/2010/main">
-    <mc:Choice Requires="p14">
+  <mc:AlternateContent xmlns:mc="http://schemas.openxmlformats.org/markup-compatibility/2006">
+    <mc:Choice xmlns:p14="http://schemas.microsoft.com/office/powerpoint/2010/main" Requires="p14">
       <p:transition spd="slow" p14:dur="1500">
         <p:random/>
       </p:transition>
     </mc:Choice>
-    <mc:Fallback xmlns="">
+    <mc:Fallback>
       <p:transition spd="slow">
         <p:random/>
       </p:transition>
@@ -19474,7 +19508,7 @@
                         <p:par>
                           <p:cTn id="11" fill="hold">
                             <p:stCondLst>
-                              <p:cond delay="1260"/>
+                              <p:cond delay="0"/>
                             </p:stCondLst>
                             <p:childTnLst>
                               <p:par>
@@ -19556,7 +19590,7 @@
                         <p:par>
                           <p:cTn id="16" fill="hold">
                             <p:stCondLst>
-                              <p:cond delay="1560"/>
+                              <p:cond delay="500"/>
                             </p:stCondLst>
                             <p:childTnLst>
                               <p:par>
@@ -19638,7 +19672,7 @@
                         <p:par>
                           <p:cTn id="21" fill="hold">
                             <p:stCondLst>
-                              <p:cond delay="1860"/>
+                              <p:cond delay="1000"/>
                             </p:stCondLst>
                             <p:childTnLst>
                               <p:par>
@@ -19720,7 +19754,7 @@
                         <p:par>
                           <p:cTn id="26" fill="hold">
                             <p:stCondLst>
-                              <p:cond delay="2160"/>
+                              <p:cond delay="1500"/>
                             </p:stCondLst>
                             <p:childTnLst>
                               <p:par>
@@ -19802,7 +19836,7 @@
                         <p:par>
                           <p:cTn id="31" fill="hold">
                             <p:stCondLst>
-                              <p:cond delay="2460"/>
+                              <p:cond delay="2000"/>
                             </p:stCondLst>
                             <p:childTnLst>
                               <p:par>
@@ -19884,7 +19918,7 @@
                         <p:par>
                           <p:cTn id="36" fill="hold">
                             <p:stCondLst>
-                              <p:cond delay="2760"/>
+                              <p:cond delay="2500"/>
                             </p:stCondLst>
                             <p:childTnLst>
                               <p:par>
@@ -20039,8 +20073,6 @@
           <a:p>
             <a:fld id="{86CB4B4D-7CA3-9044-876B-883B54F8677D}" type="slidenum">
               <a:rPr lang="en-US" altLang="zh-CN" sz="1430" smtClean="0"/>
-              <a:pPr/>
-              <a:t>7</a:t>
             </a:fld>
             <a:endParaRPr lang="en-US" altLang="zh-CN" sz="1430"/>
           </a:p>
@@ -20098,7 +20130,7 @@
           <a:p>
             <a:pPr defTabSz="1292225"/>
             <a:r>
-              <a:rPr lang="en-US" altLang="zh-CN" sz="2680" dirty="0">
+              <a:rPr lang="en-US" altLang="zh-CN" sz="2680" dirty="0" smtClean="0">
                 <a:solidFill>
                   <a:srgbClr val="1D69A3"/>
                 </a:solidFill>
@@ -20109,7 +20141,7 @@
               <a:t>JVM</a:t>
             </a:r>
             <a:r>
-              <a:rPr lang="zh-CN" altLang="en-US" sz="2680" dirty="0">
+              <a:rPr lang="zh-CN" altLang="en-US" sz="2680" dirty="0" smtClean="0">
                 <a:solidFill>
                   <a:srgbClr val="1D69A3"/>
                 </a:solidFill>
@@ -20119,6 +20151,14 @@
               </a:rPr>
               <a:t>的整体介绍</a:t>
             </a:r>
+            <a:endParaRPr lang="zh-CN" altLang="en-US" sz="2680" dirty="0" smtClean="0">
+              <a:solidFill>
+                <a:srgbClr val="1D69A3"/>
+              </a:solidFill>
+              <a:latin typeface="微软雅黑" panose="020B0503020204020204" pitchFamily="34" charset="-122"/>
+              <a:ea typeface="微软雅黑" panose="020B0503020204020204" pitchFamily="34" charset="-122"/>
+              <a:sym typeface="+mn-ea"/>
+            </a:endParaRPr>
           </a:p>
         </p:txBody>
       </p:sp>
@@ -20132,7 +20172,7 @@
         </p:nvSpPr>
         <p:spPr bwMode="auto">
           <a:xfrm>
-            <a:off x="7218571" y="2838206"/>
+            <a:off x="7248416" y="2794391"/>
             <a:ext cx="3290038" cy="1861206"/>
           </a:xfrm>
           <a:prstGeom prst="rect">
@@ -20159,53 +20199,34 @@
               </a:buClr>
             </a:pPr>
             <a:r>
-              <a:rPr lang="zh-CN" altLang="en-US" sz="1875" dirty="0">
+              <a:rPr lang="zh-CN" altLang="en-US" sz="1875" dirty="0" smtClean="0">
                 <a:latin typeface="宋体" panose="02010600030101010101" pitchFamily="2" charset="-122"/>
                 <a:ea typeface="宋体" panose="02010600030101010101" pitchFamily="2" charset="-122"/>
               </a:rPr>
               <a:t>内存是</a:t>
             </a:r>
             <a:r>
-              <a:rPr lang="en-US" altLang="zh-CN" sz="1875" dirty="0">
+              <a:rPr lang="en-US" altLang="zh-CN" sz="1875" dirty="0" smtClean="0">
                 <a:latin typeface="宋体" panose="02010600030101010101" pitchFamily="2" charset="-122"/>
                 <a:ea typeface="宋体" panose="02010600030101010101" pitchFamily="2" charset="-122"/>
               </a:rPr>
               <a:t>JVM</a:t>
             </a:r>
             <a:r>
-              <a:rPr lang="zh-CN" altLang="en-US" sz="1875" dirty="0">
+              <a:rPr lang="zh-CN" altLang="en-US" sz="1875" dirty="0" smtClean="0">
                 <a:latin typeface="宋体" panose="02010600030101010101" pitchFamily="2" charset="-122"/>
                 <a:ea typeface="宋体" panose="02010600030101010101" pitchFamily="2" charset="-122"/>
               </a:rPr>
               <a:t>的“五脏六腑</a:t>
             </a:r>
             <a:r>
-              <a:rPr lang="en-US" altLang="zh-CN" sz="1875" dirty="0">
+              <a:rPr lang="en-US" altLang="zh-CN" sz="1875" dirty="0" smtClean="0">
                 <a:latin typeface="宋体" panose="02010600030101010101" pitchFamily="2" charset="-122"/>
                 <a:ea typeface="宋体" panose="02010600030101010101" pitchFamily="2" charset="-122"/>
               </a:rPr>
               <a:t>”</a:t>
             </a:r>
-          </a:p>
-          <a:p>
-            <a:pPr marL="485140" indent="-485140">
-              <a:lnSpc>
-                <a:spcPct val="200000"/>
-              </a:lnSpc>
-              <a:buClr>
-                <a:srgbClr val="FFC000"/>
-              </a:buClr>
-              <a:buFont typeface="Wingdings" panose="05000000000000000000" pitchFamily="2" charset="2"/>
-              <a:buChar char="ü"/>
-            </a:pPr>
-            <a:r>
-              <a:rPr lang="zh-CN" altLang="en-US" sz="1875" dirty="0">
-                <a:latin typeface="宋体" panose="02010600030101010101" pitchFamily="2" charset="-122"/>
-                <a:ea typeface="宋体" panose="02010600030101010101" pitchFamily="2" charset="-122"/>
-              </a:rPr>
-              <a:t>内存分配</a:t>
-            </a:r>
-            <a:endParaRPr lang="en-US" altLang="zh-CN" sz="1875" dirty="0">
+            <a:endParaRPr lang="en-US" altLang="zh-CN" sz="1875" dirty="0" smtClean="0">
               <a:latin typeface="宋体" panose="02010600030101010101" pitchFamily="2" charset="-122"/>
               <a:ea typeface="宋体" panose="02010600030101010101" pitchFamily="2" charset="-122"/>
             </a:endParaRPr>
@@ -20222,13 +20243,36 @@
               <a:buChar char="ü"/>
             </a:pPr>
             <a:r>
-              <a:rPr lang="zh-CN" altLang="en-US" sz="1875" dirty="0">
+              <a:rPr lang="zh-CN" altLang="en-US" sz="1875" dirty="0" smtClean="0">
                 <a:latin typeface="宋体" panose="02010600030101010101" pitchFamily="2" charset="-122"/>
                 <a:ea typeface="宋体" panose="02010600030101010101" pitchFamily="2" charset="-122"/>
               </a:rPr>
+              <a:t>内存分配</a:t>
+            </a:r>
+            <a:endParaRPr lang="en-US" altLang="zh-CN" sz="1875" dirty="0" smtClean="0">
+              <a:latin typeface="宋体" panose="02010600030101010101" pitchFamily="2" charset="-122"/>
+              <a:ea typeface="宋体" panose="02010600030101010101" pitchFamily="2" charset="-122"/>
+            </a:endParaRPr>
+          </a:p>
+          <a:p>
+            <a:pPr marL="485140" indent="-485140">
+              <a:lnSpc>
+                <a:spcPct val="200000"/>
+              </a:lnSpc>
+              <a:buClr>
+                <a:srgbClr val="FFC000"/>
+              </a:buClr>
+              <a:buFont typeface="Wingdings" panose="05000000000000000000" pitchFamily="2" charset="2"/>
+              <a:buChar char="ü"/>
+            </a:pPr>
+            <a:r>
+              <a:rPr lang="zh-CN" altLang="en-US" sz="1875" dirty="0" smtClean="0">
+                <a:latin typeface="宋体" panose="02010600030101010101" pitchFamily="2" charset="-122"/>
+                <a:ea typeface="宋体" panose="02010600030101010101" pitchFamily="2" charset="-122"/>
+              </a:rPr>
               <a:t>垃圾回收</a:t>
             </a:r>
-            <a:endParaRPr lang="en-US" altLang="zh-CN" sz="1875" dirty="0">
+            <a:endParaRPr lang="en-US" altLang="zh-CN" sz="1875" dirty="0" smtClean="0">
               <a:latin typeface="宋体" panose="02010600030101010101" pitchFamily="2" charset="-122"/>
               <a:ea typeface="宋体" panose="02010600030101010101" pitchFamily="2" charset="-122"/>
             </a:endParaRPr>
@@ -20244,7 +20288,7 @@
           <p:nvPr/>
         </p:nvPicPr>
         <p:blipFill>
-          <a:blip r:embed="rId3" cstate="print"/>
+          <a:blip r:embed="rId2" cstate="print"/>
           <a:srcRect/>
           <a:stretch>
             <a:fillRect/>
@@ -20270,7 +20314,7 @@
           <p:nvPr/>
         </p:nvPicPr>
         <p:blipFill>
-          <a:blip r:embed="rId4" cstate="print"/>
+          <a:blip r:embed="rId3" cstate="print"/>
           <a:srcRect/>
           <a:stretch>
             <a:fillRect/>
@@ -20564,7 +20608,7 @@
           <a:p>
             <a:pPr defTabSz="1292225"/>
             <a:r>
-              <a:rPr lang="zh-CN" altLang="en-US" sz="2900" dirty="0">
+              <a:rPr lang="zh-CN" altLang="en-US" sz="2900" dirty="0" smtClean="0">
                 <a:solidFill>
                   <a:srgbClr val="1D69A3"/>
                 </a:solidFill>
@@ -20573,6 +20617,13 @@
               </a:rPr>
               <a:t>运行时数据区</a:t>
             </a:r>
+            <a:endParaRPr lang="zh-CN" altLang="en-US" sz="2900" dirty="0" smtClean="0">
+              <a:solidFill>
+                <a:srgbClr val="1D69A3"/>
+              </a:solidFill>
+              <a:latin typeface="微软雅黑" panose="020B0503020204020204" pitchFamily="34" charset="-122"/>
+              <a:ea typeface="微软雅黑" panose="020B0503020204020204" pitchFamily="34" charset="-122"/>
+            </a:endParaRPr>
           </a:p>
         </p:txBody>
       </p:sp>
@@ -20587,7 +20638,7 @@
         <p:spPr bwMode="auto">
           <a:xfrm>
             <a:off x="118623" y="983643"/>
-            <a:ext cx="9803845" cy="2268010"/>
+            <a:ext cx="9803845" cy="2404745"/>
           </a:xfrm>
           <a:prstGeom prst="rect">
             <a:avLst/>
@@ -20613,21 +20664,21 @@
               </a:buClr>
             </a:pPr>
             <a:r>
-              <a:rPr lang="en-US" altLang="zh-CN" sz="2500" b="1" dirty="0">
+              <a:rPr lang="en-US" altLang="zh-CN" sz="2500" b="1" dirty="0" smtClean="0">
                 <a:latin typeface="宋体" panose="02010600030101010101" pitchFamily="2" charset="-122"/>
                 <a:ea typeface="宋体" panose="02010600030101010101" pitchFamily="2" charset="-122"/>
               </a:rPr>
               <a:t>JVM</a:t>
             </a:r>
             <a:r>
-              <a:rPr lang="zh-CN" altLang="en-US" sz="2500" b="1" dirty="0">
+              <a:rPr lang="zh-CN" altLang="en-US" sz="2500" b="1" dirty="0" smtClean="0">
                 <a:latin typeface="宋体" panose="02010600030101010101" pitchFamily="2" charset="-122"/>
                 <a:ea typeface="宋体" panose="02010600030101010101" pitchFamily="2" charset="-122"/>
               </a:rPr>
               <a:t>在运行过程中会把</a:t>
             </a:r>
             <a:r>
-              <a:rPr lang="zh-CN" altLang="en-US" sz="2500" b="1" dirty="0">
+              <a:rPr lang="zh-CN" altLang="en-US" sz="2500" b="1" dirty="0" smtClean="0">
                 <a:solidFill>
                   <a:srgbClr val="FF0000"/>
                 </a:solidFill>
@@ -20637,14 +20688,14 @@
               <a:t>它所管理的内存</a:t>
             </a:r>
             <a:r>
-              <a:rPr lang="zh-CN" altLang="en-US" sz="2500" b="1" dirty="0">
+              <a:rPr lang="zh-CN" altLang="en-US" sz="2500" b="1" dirty="0" smtClean="0">
                 <a:latin typeface="宋体" panose="02010600030101010101" pitchFamily="2" charset="-122"/>
                 <a:ea typeface="宋体" panose="02010600030101010101" pitchFamily="2" charset="-122"/>
               </a:rPr>
               <a:t>划分成</a:t>
             </a:r>
             <a:r>
-              <a:rPr lang="zh-CN" altLang="en-US" sz="2500" b="1" dirty="0">
+              <a:rPr lang="zh-CN" altLang="en-US" sz="2500" b="1" dirty="0" smtClean="0">
                 <a:solidFill>
                   <a:srgbClr val="FF0000"/>
                 </a:solidFill>
@@ -20654,14 +20705,14 @@
               <a:t>若干</a:t>
             </a:r>
             <a:r>
-              <a:rPr lang="zh-CN" altLang="en-US" sz="2500" b="1" dirty="0">
+              <a:rPr lang="zh-CN" altLang="en-US" sz="2500" b="1" dirty="0" smtClean="0">
                 <a:latin typeface="宋体" panose="02010600030101010101" pitchFamily="2" charset="-122"/>
                 <a:ea typeface="宋体" panose="02010600030101010101" pitchFamily="2" charset="-122"/>
               </a:rPr>
               <a:t>不同的</a:t>
             </a:r>
             <a:r>
-              <a:rPr lang="zh-CN" altLang="en-US" sz="2500" b="1" dirty="0">
+              <a:rPr lang="zh-CN" altLang="en-US" sz="2500" b="1" dirty="0" smtClean="0">
                 <a:solidFill>
                   <a:srgbClr val="FF0000"/>
                 </a:solidFill>
@@ -20671,13 +20722,13 @@
               <a:t>数据区域</a:t>
             </a:r>
             <a:r>
-              <a:rPr lang="zh-CN" altLang="en-US" sz="2500" b="1" dirty="0">
+              <a:rPr lang="zh-CN" altLang="en-US" sz="2500" b="1" dirty="0" smtClean="0">
                 <a:latin typeface="宋体" panose="02010600030101010101" pitchFamily="2" charset="-122"/>
                 <a:ea typeface="宋体" panose="02010600030101010101" pitchFamily="2" charset="-122"/>
               </a:rPr>
               <a:t>！</a:t>
             </a:r>
-            <a:endParaRPr lang="en-US" altLang="zh-CN" sz="2500" b="1" dirty="0">
+            <a:endParaRPr lang="en-US" altLang="zh-CN" sz="2500" b="1" dirty="0" smtClean="0">
               <a:latin typeface="宋体" panose="02010600030101010101" pitchFamily="2" charset="-122"/>
               <a:ea typeface="宋体" panose="02010600030101010101" pitchFamily="2" charset="-122"/>
             </a:endParaRPr>
@@ -20694,41 +20745,41 @@
               <a:buChar char="n"/>
             </a:pPr>
             <a:r>
-              <a:rPr lang="zh-CN" altLang="en-US" sz="2500" b="1" dirty="0">
+              <a:rPr lang="zh-CN" altLang="en-US" sz="2500" b="1" dirty="0" smtClean="0">
                 <a:latin typeface="宋体" panose="02010600030101010101" pitchFamily="2" charset="-122"/>
                 <a:ea typeface="宋体" panose="02010600030101010101" pitchFamily="2" charset="-122"/>
               </a:rPr>
               <a:t>线程私有</a:t>
             </a:r>
             <a:r>
-              <a:rPr lang="en-US" altLang="zh-CN" sz="2500" b="1" dirty="0">
+              <a:rPr lang="en-US" altLang="zh-CN" sz="2500" b="1" dirty="0" smtClean="0">
                 <a:latin typeface="宋体" panose="02010600030101010101" pitchFamily="2" charset="-122"/>
                 <a:ea typeface="宋体" panose="02010600030101010101" pitchFamily="2" charset="-122"/>
               </a:rPr>
               <a:t>(</a:t>
             </a:r>
             <a:r>
-              <a:rPr lang="zh-CN" altLang="en-US" sz="2500" b="1" dirty="0">
+              <a:rPr lang="zh-CN" altLang="en-US" sz="2500" b="1" dirty="0" smtClean="0">
                 <a:latin typeface="宋体" panose="02010600030101010101" pitchFamily="2" charset="-122"/>
                 <a:ea typeface="宋体" panose="02010600030101010101" pitchFamily="2" charset="-122"/>
               </a:rPr>
-              <a:t>用于运行指令</a:t>
-            </a:r>
-            <a:r>
-              <a:rPr lang="en-US" altLang="zh-CN" sz="2500" b="1" dirty="0">
+              <a:t>用于执行指令</a:t>
+            </a:r>
+            <a:r>
+              <a:rPr lang="en-US" altLang="zh-CN" sz="2500" b="1" dirty="0" smtClean="0">
                 <a:latin typeface="宋体" panose="02010600030101010101" pitchFamily="2" charset="-122"/>
                 <a:ea typeface="宋体" panose="02010600030101010101" pitchFamily="2" charset="-122"/>
               </a:rPr>
               <a:t>):</a:t>
             </a:r>
             <a:r>
-              <a:rPr lang="zh-CN" altLang="en-US" sz="2500" b="1" dirty="0">
+              <a:rPr lang="zh-CN" altLang="en-US" sz="2500" b="1" dirty="0" smtClean="0">
                 <a:latin typeface="宋体" panose="02010600030101010101" pitchFamily="2" charset="-122"/>
                 <a:ea typeface="宋体" panose="02010600030101010101" pitchFamily="2" charset="-122"/>
               </a:rPr>
               <a:t>程序计数器、虚拟机栈、本地方法栈</a:t>
             </a:r>
-            <a:endParaRPr lang="en-US" altLang="zh-CN" sz="2500" b="1" dirty="0">
+            <a:endParaRPr lang="en-US" altLang="zh-CN" sz="2500" b="1" dirty="0" smtClean="0">
               <a:latin typeface="宋体" panose="02010600030101010101" pitchFamily="2" charset="-122"/>
               <a:ea typeface="宋体" panose="02010600030101010101" pitchFamily="2" charset="-122"/>
             </a:endParaRPr>
@@ -20745,40 +20796,44 @@
               <a:buChar char="n"/>
             </a:pPr>
             <a:r>
-              <a:rPr lang="zh-CN" altLang="en-US" sz="2500" b="1" dirty="0">
+              <a:rPr lang="zh-CN" altLang="en-US" sz="2500" b="1" dirty="0" smtClean="0">
                 <a:latin typeface="宋体" panose="02010600030101010101" pitchFamily="2" charset="-122"/>
                 <a:ea typeface="宋体" panose="02010600030101010101" pitchFamily="2" charset="-122"/>
               </a:rPr>
               <a:t>线程共享</a:t>
             </a:r>
             <a:r>
-              <a:rPr lang="en-US" altLang="zh-CN" sz="2500" b="1" dirty="0">
+              <a:rPr lang="en-US" altLang="zh-CN" sz="2500" b="1" dirty="0" smtClean="0">
                 <a:latin typeface="宋体" panose="02010600030101010101" pitchFamily="2" charset="-122"/>
                 <a:ea typeface="宋体" panose="02010600030101010101" pitchFamily="2" charset="-122"/>
               </a:rPr>
               <a:t>(</a:t>
             </a:r>
             <a:r>
-              <a:rPr lang="zh-CN" altLang="en-US" sz="2500" b="1" dirty="0">
+              <a:rPr lang="zh-CN" altLang="en-US" sz="2500" b="1" dirty="0" smtClean="0">
                 <a:latin typeface="宋体" panose="02010600030101010101" pitchFamily="2" charset="-122"/>
                 <a:ea typeface="宋体" panose="02010600030101010101" pitchFamily="2" charset="-122"/>
               </a:rPr>
               <a:t>用于存储数据</a:t>
             </a:r>
             <a:r>
-              <a:rPr lang="en-US" altLang="zh-CN" sz="2500" b="1" dirty="0">
+              <a:rPr lang="en-US" altLang="zh-CN" sz="2500" b="1" dirty="0" smtClean="0">
                 <a:latin typeface="宋体" panose="02010600030101010101" pitchFamily="2" charset="-122"/>
                 <a:ea typeface="宋体" panose="02010600030101010101" pitchFamily="2" charset="-122"/>
               </a:rPr>
               <a:t>)</a:t>
             </a:r>
             <a:r>
-              <a:rPr lang="zh-CN" altLang="en-US" sz="2500" b="1" dirty="0">
+              <a:rPr lang="zh-CN" altLang="en-US" sz="2500" b="1" dirty="0" smtClean="0">
                 <a:latin typeface="宋体" panose="02010600030101010101" pitchFamily="2" charset="-122"/>
                 <a:ea typeface="宋体" panose="02010600030101010101" pitchFamily="2" charset="-122"/>
               </a:rPr>
               <a:t>：堆、方法区</a:t>
             </a:r>
+            <a:endParaRPr lang="zh-CN" altLang="en-US" sz="2500" b="1" dirty="0">
+              <a:latin typeface="宋体" panose="02010600030101010101" pitchFamily="2" charset="-122"/>
+              <a:ea typeface="宋体" panose="02010600030101010101" pitchFamily="2" charset="-122"/>
+            </a:endParaRPr>
           </a:p>
         </p:txBody>
       </p:sp>
@@ -20791,7 +20846,7 @@
           <p:nvPr/>
         </p:nvPicPr>
         <p:blipFill>
-          <a:blip r:embed="rId3"/>
+          <a:blip r:embed="rId2"/>
           <a:srcRect/>
           <a:stretch>
             <a:fillRect/>
@@ -20820,13 +20875,13 @@
   <p:clrMapOvr>
     <a:masterClrMapping/>
   </p:clrMapOvr>
-  <mc:AlternateContent xmlns:mc="http://schemas.openxmlformats.org/markup-compatibility/2006" xmlns:p14="http://schemas.microsoft.com/office/powerpoint/2010/main">
-    <mc:Choice Requires="p14">
+  <mc:AlternateContent xmlns:mc="http://schemas.openxmlformats.org/markup-compatibility/2006">
+    <mc:Choice xmlns:p14="http://schemas.microsoft.com/office/powerpoint/2010/main" Requires="p14">
       <p:transition spd="slow" p14:dur="1500">
         <p:random/>
       </p:transition>
     </mc:Choice>
-    <mc:Fallback xmlns="">
+    <mc:Fallback>
       <p:transition spd="slow">
         <p:random/>
       </p:transition>
@@ -21096,7 +21151,7 @@
           <a:p>
             <a:pPr defTabSz="1327150"/>
             <a:r>
-              <a:rPr lang="zh-CN" altLang="en-US" sz="2900" dirty="0">
+              <a:rPr lang="zh-CN" altLang="en-US" sz="2900" dirty="0" smtClean="0">
                 <a:solidFill>
                   <a:srgbClr val="1D69A3"/>
                 </a:solidFill>
@@ -21105,6 +21160,13 @@
               </a:rPr>
               <a:t>程序计数器</a:t>
             </a:r>
+            <a:endParaRPr lang="zh-CN" altLang="en-US" sz="2900" dirty="0" smtClean="0">
+              <a:solidFill>
+                <a:srgbClr val="1D69A3"/>
+              </a:solidFill>
+              <a:latin typeface="微软雅黑" panose="020B0503020204020204" pitchFamily="34" charset="-122"/>
+              <a:ea typeface="微软雅黑" panose="020B0503020204020204" pitchFamily="34" charset="-122"/>
+            </a:endParaRPr>
           </a:p>
         </p:txBody>
       </p:sp>
@@ -21151,28 +21213,48 @@
                 <a:latin typeface="微软雅黑" panose="020B0503020204020204" pitchFamily="34" charset="-122"/>
                 <a:ea typeface="微软雅黑" panose="020B0503020204020204" pitchFamily="34" charset="-122"/>
               </a:rPr>
-              <a:t>程序的计数器</a:t>
-            </a:r>
-            <a:r>
-              <a:rPr lang="en-US" altLang="zh-CN" sz="3000" dirty="0">
+              <a:t>程</a:t>
+            </a:r>
+            <a:r>
+              <a:rPr lang="zh-CN" altLang="en-US" sz="3000" dirty="0" smtClean="0">
                 <a:latin typeface="微软雅黑" panose="020B0503020204020204" pitchFamily="34" charset="-122"/>
                 <a:ea typeface="微软雅黑" panose="020B0503020204020204" pitchFamily="34" charset="-122"/>
               </a:rPr>
-              <a:t>(</a:t>
-            </a:r>
-            <a:r>
-              <a:rPr lang="zh-CN" altLang="en-US" sz="3000" dirty="0">
+              <a:t>序的计数器</a:t>
+            </a:r>
+            <a:r>
+              <a:rPr lang="en-US" altLang="zh-CN" sz="3000" dirty="0" smtClean="0">
                 <a:latin typeface="微软雅黑" panose="020B0503020204020204" pitchFamily="34" charset="-122"/>
                 <a:ea typeface="微软雅黑" panose="020B0503020204020204" pitchFamily="34" charset="-122"/>
               </a:rPr>
-              <a:t>唯一不会</a:t>
-            </a:r>
-            <a:r>
-              <a:rPr lang="en-US" altLang="zh-CN" sz="3000" dirty="0">
+              <a:t>(</a:t>
+            </a:r>
+            <a:r>
+              <a:rPr lang="zh-CN" altLang="en-US" sz="3000" dirty="0" smtClean="0">
+                <a:solidFill>
+                  <a:srgbClr val="FF0000"/>
+                </a:solidFill>
                 <a:latin typeface="微软雅黑" panose="020B0503020204020204" pitchFamily="34" charset="-122"/>
                 <a:ea typeface="微软雅黑" panose="020B0503020204020204" pitchFamily="34" charset="-122"/>
               </a:rPr>
-              <a:t>OOM)</a:t>
+              <a:t>唯一不会</a:t>
+            </a:r>
+            <a:r>
+              <a:rPr lang="en-US" altLang="zh-CN" sz="3000" dirty="0" smtClean="0">
+                <a:solidFill>
+                  <a:srgbClr val="FF0000"/>
+                </a:solidFill>
+                <a:latin typeface="微软雅黑" panose="020B0503020204020204" pitchFamily="34" charset="-122"/>
+                <a:ea typeface="微软雅黑" panose="020B0503020204020204" pitchFamily="34" charset="-122"/>
+              </a:rPr>
+              <a:t>OOM</a:t>
+            </a:r>
+            <a:r>
+              <a:rPr lang="en-US" altLang="zh-CN" sz="3000" dirty="0" smtClean="0">
+                <a:latin typeface="微软雅黑" panose="020B0503020204020204" pitchFamily="34" charset="-122"/>
+                <a:ea typeface="微软雅黑" panose="020B0503020204020204" pitchFamily="34" charset="-122"/>
+              </a:rPr>
+              <a:t>)</a:t>
             </a:r>
             <a:endParaRPr lang="zh-CN" altLang="en-US" sz="2200" dirty="0">
               <a:latin typeface="微软雅黑" panose="020B0503020204020204" pitchFamily="34" charset="-122"/>
@@ -21222,10 +21304,22 @@
                 <a:latin typeface="微软雅黑" panose="020B0503020204020204" pitchFamily="34" charset="-122"/>
                 <a:ea typeface="微软雅黑" panose="020B0503020204020204" pitchFamily="34" charset="-122"/>
               </a:rPr>
-              <a:t>字节码指令</a:t>
-            </a:r>
-            <a:r>
-              <a:rPr lang="zh-CN" altLang="en-US" sz="2200" dirty="0">
+              <a:t>字节码</a:t>
+            </a:r>
+            <a:r>
+              <a:rPr lang="zh-CN" altLang="en-US" sz="2200" dirty="0" smtClean="0">
+                <a:solidFill>
+                  <a:schemeClr val="accent5">
+                    <a:lumMod val="75000"/>
+                  </a:schemeClr>
+                </a:solidFill>
+                <a:latin typeface="微软雅黑" panose="020B0503020204020204" pitchFamily="34" charset="-122"/>
+                <a:ea typeface="微软雅黑" panose="020B0503020204020204" pitchFamily="34" charset="-122"/>
+              </a:rPr>
+              <a:t>指令</a:t>
+            </a:r>
+            <a:r>
+              <a:rPr lang="zh-CN" altLang="en-US" sz="2200" dirty="0" smtClean="0">
                 <a:latin typeface="微软雅黑" panose="020B0503020204020204" pitchFamily="34" charset="-122"/>
                 <a:ea typeface="微软雅黑" panose="020B0503020204020204" pitchFamily="34" charset="-122"/>
               </a:rPr>
@@ -21290,7 +21384,7 @@
         <p:spPr>
           <a:xfrm>
             <a:off x="285519" y="3400255"/>
-            <a:ext cx="4877036" cy="4041503"/>
+            <a:ext cx="4877036" cy="3484245"/>
           </a:xfrm>
           <a:prstGeom prst="rect">
             <a:avLst/>
@@ -21314,14 +21408,14 @@
               <a:buChar char="n"/>
             </a:pPr>
             <a:r>
-              <a:rPr lang="zh-CN" altLang="en-US" sz="2200" b="1" dirty="0">
+              <a:rPr lang="zh-CN" altLang="en-US" sz="2200" b="1" dirty="0" smtClean="0">
                 <a:latin typeface="宋体" panose="02010600030101010101" pitchFamily="2" charset="-122"/>
                 <a:ea typeface="宋体" panose="02010600030101010101" pitchFamily="2" charset="-122"/>
                 <a:cs typeface="宋体" panose="02010600030101010101" pitchFamily="2" charset="-122"/>
               </a:rPr>
               <a:t>为什么需要程序计数器（面试）</a:t>
             </a:r>
-            <a:endParaRPr lang="en-US" altLang="zh-CN" sz="2200" b="1" dirty="0">
+            <a:endParaRPr lang="en-US" altLang="zh-CN" sz="2200" b="1" dirty="0" smtClean="0">
               <a:latin typeface="宋体" panose="02010600030101010101" pitchFamily="2" charset="-122"/>
               <a:ea typeface="宋体" panose="02010600030101010101" pitchFamily="2" charset="-122"/>
               <a:cs typeface="宋体" panose="02010600030101010101" pitchFamily="2" charset="-122"/>
@@ -21339,7 +21433,7 @@
               <a:buChar char="Ø"/>
             </a:pPr>
             <a:r>
-              <a:rPr lang="en-US" altLang="zh-CN" sz="2200" dirty="0">
+              <a:rPr lang="en-US" altLang="zh-CN" sz="2200" dirty="0" smtClean="0">
                 <a:latin typeface="宋体" panose="02010600030101010101" pitchFamily="2" charset="-122"/>
                 <a:ea typeface="宋体" panose="02010600030101010101" pitchFamily="2" charset="-122"/>
                 <a:cs typeface="宋体" panose="02010600030101010101" pitchFamily="2" charset="-122"/>
@@ -21347,54 +21441,14 @@
               <a:t>Java</a:t>
             </a:r>
             <a:r>
-              <a:rPr lang="zh-CN" altLang="en-US" sz="2200" dirty="0">
+              <a:rPr lang="zh-CN" altLang="en-US" sz="2200" dirty="0" smtClean="0">
                 <a:latin typeface="宋体" panose="02010600030101010101" pitchFamily="2" charset="-122"/>
                 <a:ea typeface="宋体" panose="02010600030101010101" pitchFamily="2" charset="-122"/>
                 <a:cs typeface="宋体" panose="02010600030101010101" pitchFamily="2" charset="-122"/>
               </a:rPr>
-              <a:t>是多线程的，意味着线程需要进行上下文切换</a:t>
-            </a:r>
-            <a:endParaRPr lang="en-US" altLang="zh-CN" sz="2200" dirty="0">
-              <a:latin typeface="宋体" panose="02010600030101010101" pitchFamily="2" charset="-122"/>
-              <a:ea typeface="宋体" panose="02010600030101010101" pitchFamily="2" charset="-122"/>
-              <a:cs typeface="宋体" panose="02010600030101010101" pitchFamily="2" charset="-122"/>
-            </a:endParaRPr>
-          </a:p>
-          <a:p>
-            <a:pPr marL="373380" indent="-373380">
-              <a:lnSpc>
-                <a:spcPct val="200000"/>
-              </a:lnSpc>
-              <a:buClr>
-                <a:srgbClr val="FFC000"/>
-              </a:buClr>
-              <a:buFont typeface="Wingdings" panose="05000000000000000000" pitchFamily="2" charset="2"/>
-              <a:buChar char="Ø"/>
-            </a:pPr>
-            <a:r>
-              <a:rPr lang="zh-CN" altLang="en-US" sz="2200" dirty="0">
-                <a:latin typeface="宋体" panose="02010600030101010101" pitchFamily="2" charset="-122"/>
-                <a:ea typeface="宋体" panose="02010600030101010101" pitchFamily="2" charset="-122"/>
-                <a:cs typeface="宋体" panose="02010600030101010101" pitchFamily="2" charset="-122"/>
-              </a:rPr>
-              <a:t>程序计数器确保多线程情况下的程序正常执行</a:t>
-            </a:r>
-            <a:endParaRPr lang="en-US" altLang="zh-CN" sz="2200" dirty="0">
-              <a:latin typeface="宋体" panose="02010600030101010101" pitchFamily="2" charset="-122"/>
-              <a:ea typeface="宋体" panose="02010600030101010101" pitchFamily="2" charset="-122"/>
-              <a:cs typeface="宋体" panose="02010600030101010101" pitchFamily="2" charset="-122"/>
-            </a:endParaRPr>
-          </a:p>
-          <a:p>
-            <a:pPr marL="373380" indent="-373380">
-              <a:lnSpc>
-                <a:spcPct val="200000"/>
-              </a:lnSpc>
-              <a:buClr>
-                <a:srgbClr val="FFC000"/>
-              </a:buClr>
-            </a:pPr>
-            <a:endParaRPr lang="en-US" altLang="zh-CN" sz="2200" dirty="0">
+              <a:t>是多线程的，在进行线程上下文切换时，由程序计数器记录当前线程正在执行的指令，保证多线程下程序的正常运行</a:t>
+            </a:r>
+            <a:endParaRPr lang="zh-CN" altLang="en-US" sz="2200" dirty="0" smtClean="0">
               <a:latin typeface="宋体" panose="02010600030101010101" pitchFamily="2" charset="-122"/>
               <a:ea typeface="宋体" panose="02010600030101010101" pitchFamily="2" charset="-122"/>
               <a:cs typeface="宋体" panose="02010600030101010101" pitchFamily="2" charset="-122"/>
@@ -21411,7 +21465,7 @@
           <p:nvPr/>
         </p:nvPicPr>
         <p:blipFill>
-          <a:blip r:embed="rId3"/>
+          <a:blip r:embed="rId2"/>
           <a:srcRect/>
           <a:stretch>
             <a:fillRect/>
@@ -21473,13 +21527,13 @@
   <p:clrMapOvr>
     <a:masterClrMapping/>
   </p:clrMapOvr>
-  <mc:AlternateContent xmlns:mc="http://schemas.openxmlformats.org/markup-compatibility/2006" xmlns:p14="http://schemas.microsoft.com/office/powerpoint/2010/main">
-    <mc:Choice Requires="p14">
+  <mc:AlternateContent xmlns:mc="http://schemas.openxmlformats.org/markup-compatibility/2006">
+    <mc:Choice xmlns:p14="http://schemas.microsoft.com/office/powerpoint/2010/main" Requires="p14">
       <p:transition spd="slow" p14:dur="1500">
         <p:random/>
       </p:transition>
     </mc:Choice>
-    <mc:Fallback xmlns="">
+    <mc:Fallback>
       <p:transition spd="slow">
         <p:random/>
       </p:transition>
@@ -21681,133 +21735,133 @@
 </file>
 
 <file path=ppt/tags/tag1.xml><?xml version="1.0" encoding="utf-8"?>
-<p:tagLst xmlns:a="http://schemas.openxmlformats.org/drawingml/2006/main" xmlns:r="http://schemas.openxmlformats.org/officeDocument/2006/relationships" xmlns:p="http://schemas.openxmlformats.org/presentationml/2006/main">
+<p:tagLst xmlns:p="http://schemas.openxmlformats.org/presentationml/2006/main">
   <p:tag name="PA" val="v4.1.3"/>
 </p:tagLst>
 </file>
 
 <file path=ppt/tags/tag10.xml><?xml version="1.0" encoding="utf-8"?>
-<p:tagLst xmlns:a="http://schemas.openxmlformats.org/drawingml/2006/main" xmlns:r="http://schemas.openxmlformats.org/officeDocument/2006/relationships" xmlns:p="http://schemas.openxmlformats.org/presentationml/2006/main">
+<p:tagLst xmlns:p="http://schemas.openxmlformats.org/presentationml/2006/main">
   <p:tag name="PA" val="v4.1.3"/>
 </p:tagLst>
 </file>
 
 <file path=ppt/tags/tag11.xml><?xml version="1.0" encoding="utf-8"?>
-<p:tagLst xmlns:a="http://schemas.openxmlformats.org/drawingml/2006/main" xmlns:r="http://schemas.openxmlformats.org/officeDocument/2006/relationships" xmlns:p="http://schemas.openxmlformats.org/presentationml/2006/main">
+<p:tagLst xmlns:p="http://schemas.openxmlformats.org/presentationml/2006/main">
   <p:tag name="PA" val="v4.1.3"/>
 </p:tagLst>
 </file>
 
 <file path=ppt/tags/tag12.xml><?xml version="1.0" encoding="utf-8"?>
-<p:tagLst xmlns:a="http://schemas.openxmlformats.org/drawingml/2006/main" xmlns:r="http://schemas.openxmlformats.org/officeDocument/2006/relationships" xmlns:p="http://schemas.openxmlformats.org/presentationml/2006/main">
+<p:tagLst xmlns:p="http://schemas.openxmlformats.org/presentationml/2006/main">
   <p:tag name="PA" val="v4.1.3"/>
 </p:tagLst>
 </file>
 
 <file path=ppt/tags/tag13.xml><?xml version="1.0" encoding="utf-8"?>
-<p:tagLst xmlns:a="http://schemas.openxmlformats.org/drawingml/2006/main" xmlns:r="http://schemas.openxmlformats.org/officeDocument/2006/relationships" xmlns:p="http://schemas.openxmlformats.org/presentationml/2006/main">
+<p:tagLst xmlns:p="http://schemas.openxmlformats.org/presentationml/2006/main">
   <p:tag name="PA" val="v4.1.3"/>
 </p:tagLst>
 </file>
 
 <file path=ppt/tags/tag14.xml><?xml version="1.0" encoding="utf-8"?>
-<p:tagLst xmlns:a="http://schemas.openxmlformats.org/drawingml/2006/main" xmlns:r="http://schemas.openxmlformats.org/officeDocument/2006/relationships" xmlns:p="http://schemas.openxmlformats.org/presentationml/2006/main">
+<p:tagLst xmlns:p="http://schemas.openxmlformats.org/presentationml/2006/main">
   <p:tag name="PA" val="v4.1.3"/>
 </p:tagLst>
 </file>
 
 <file path=ppt/tags/tag15.xml><?xml version="1.0" encoding="utf-8"?>
-<p:tagLst xmlns:a="http://schemas.openxmlformats.org/drawingml/2006/main" xmlns:r="http://schemas.openxmlformats.org/officeDocument/2006/relationships" xmlns:p="http://schemas.openxmlformats.org/presentationml/2006/main">
+<p:tagLst xmlns:p="http://schemas.openxmlformats.org/presentationml/2006/main">
   <p:tag name="PA" val="v4.1.3"/>
 </p:tagLst>
 </file>
 
 <file path=ppt/tags/tag16.xml><?xml version="1.0" encoding="utf-8"?>
-<p:tagLst xmlns:a="http://schemas.openxmlformats.org/drawingml/2006/main" xmlns:r="http://schemas.openxmlformats.org/officeDocument/2006/relationships" xmlns:p="http://schemas.openxmlformats.org/presentationml/2006/main">
+<p:tagLst xmlns:p="http://schemas.openxmlformats.org/presentationml/2006/main">
   <p:tag name="PA" val="v4.1.3"/>
 </p:tagLst>
 </file>
 
 <file path=ppt/tags/tag17.xml><?xml version="1.0" encoding="utf-8"?>
-<p:tagLst xmlns:a="http://schemas.openxmlformats.org/drawingml/2006/main" xmlns:r="http://schemas.openxmlformats.org/officeDocument/2006/relationships" xmlns:p="http://schemas.openxmlformats.org/presentationml/2006/main">
+<p:tagLst xmlns:p="http://schemas.openxmlformats.org/presentationml/2006/main">
   <p:tag name="PA" val="v4.1.3"/>
 </p:tagLst>
 </file>
 
 <file path=ppt/tags/tag18.xml><?xml version="1.0" encoding="utf-8"?>
-<p:tagLst xmlns:a="http://schemas.openxmlformats.org/drawingml/2006/main" xmlns:r="http://schemas.openxmlformats.org/officeDocument/2006/relationships" xmlns:p="http://schemas.openxmlformats.org/presentationml/2006/main">
+<p:tagLst xmlns:p="http://schemas.openxmlformats.org/presentationml/2006/main">
   <p:tag name="PA" val="v4.1.3"/>
 </p:tagLst>
 </file>
 
 <file path=ppt/tags/tag19.xml><?xml version="1.0" encoding="utf-8"?>
-<p:tagLst xmlns:a="http://schemas.openxmlformats.org/drawingml/2006/main" xmlns:r="http://schemas.openxmlformats.org/officeDocument/2006/relationships" xmlns:p="http://schemas.openxmlformats.org/presentationml/2006/main">
+<p:tagLst xmlns:p="http://schemas.openxmlformats.org/presentationml/2006/main">
   <p:tag name="PA" val="v4.1.3"/>
 </p:tagLst>
 </file>
 
 <file path=ppt/tags/tag2.xml><?xml version="1.0" encoding="utf-8"?>
-<p:tagLst xmlns:a="http://schemas.openxmlformats.org/drawingml/2006/main" xmlns:r="http://schemas.openxmlformats.org/officeDocument/2006/relationships" xmlns:p="http://schemas.openxmlformats.org/presentationml/2006/main">
+<p:tagLst xmlns:p="http://schemas.openxmlformats.org/presentationml/2006/main">
   <p:tag name="PA" val="v4.1.3"/>
 </p:tagLst>
 </file>
 
 <file path=ppt/tags/tag20.xml><?xml version="1.0" encoding="utf-8"?>
-<p:tagLst xmlns:a="http://schemas.openxmlformats.org/drawingml/2006/main" xmlns:r="http://schemas.openxmlformats.org/officeDocument/2006/relationships" xmlns:p="http://schemas.openxmlformats.org/presentationml/2006/main">
+<p:tagLst xmlns:p="http://schemas.openxmlformats.org/presentationml/2006/main">
   <p:tag name="PA" val="v4.1.3"/>
 </p:tagLst>
 </file>
 
 <file path=ppt/tags/tag21.xml><?xml version="1.0" encoding="utf-8"?>
-<p:tagLst xmlns:a="http://schemas.openxmlformats.org/drawingml/2006/main" xmlns:r="http://schemas.openxmlformats.org/officeDocument/2006/relationships" xmlns:p="http://schemas.openxmlformats.org/presentationml/2006/main">
+<p:tagLst xmlns:p="http://schemas.openxmlformats.org/presentationml/2006/main">
   <p:tag name="PA" val="v4.1.3"/>
 </p:tagLst>
 </file>
 
 <file path=ppt/tags/tag22.xml><?xml version="1.0" encoding="utf-8"?>
-<p:tagLst xmlns:a="http://schemas.openxmlformats.org/drawingml/2006/main" xmlns:r="http://schemas.openxmlformats.org/officeDocument/2006/relationships" xmlns:p="http://schemas.openxmlformats.org/presentationml/2006/main">
+<p:tagLst xmlns:p="http://schemas.openxmlformats.org/presentationml/2006/main">
   <p:tag name="PA" val="v4.1.3"/>
 </p:tagLst>
 </file>
 
 <file path=ppt/tags/tag3.xml><?xml version="1.0" encoding="utf-8"?>
-<p:tagLst xmlns:a="http://schemas.openxmlformats.org/drawingml/2006/main" xmlns:r="http://schemas.openxmlformats.org/officeDocument/2006/relationships" xmlns:p="http://schemas.openxmlformats.org/presentationml/2006/main">
+<p:tagLst xmlns:p="http://schemas.openxmlformats.org/presentationml/2006/main">
   <p:tag name="PA" val="v4.1.3"/>
 </p:tagLst>
 </file>
 
 <file path=ppt/tags/tag4.xml><?xml version="1.0" encoding="utf-8"?>
-<p:tagLst xmlns:a="http://schemas.openxmlformats.org/drawingml/2006/main" xmlns:r="http://schemas.openxmlformats.org/officeDocument/2006/relationships" xmlns:p="http://schemas.openxmlformats.org/presentationml/2006/main">
+<p:tagLst xmlns:p="http://schemas.openxmlformats.org/presentationml/2006/main">
   <p:tag name="PA" val="v4.1.3"/>
 </p:tagLst>
 </file>
 
 <file path=ppt/tags/tag5.xml><?xml version="1.0" encoding="utf-8"?>
-<p:tagLst xmlns:a="http://schemas.openxmlformats.org/drawingml/2006/main" xmlns:r="http://schemas.openxmlformats.org/officeDocument/2006/relationships" xmlns:p="http://schemas.openxmlformats.org/presentationml/2006/main">
+<p:tagLst xmlns:p="http://schemas.openxmlformats.org/presentationml/2006/main">
   <p:tag name="PA" val="v4.1.3"/>
 </p:tagLst>
 </file>
 
 <file path=ppt/tags/tag6.xml><?xml version="1.0" encoding="utf-8"?>
-<p:tagLst xmlns:a="http://schemas.openxmlformats.org/drawingml/2006/main" xmlns:r="http://schemas.openxmlformats.org/officeDocument/2006/relationships" xmlns:p="http://schemas.openxmlformats.org/presentationml/2006/main">
+<p:tagLst xmlns:p="http://schemas.openxmlformats.org/presentationml/2006/main">
   <p:tag name="PA" val="v4.1.3"/>
 </p:tagLst>
 </file>
 
 <file path=ppt/tags/tag7.xml><?xml version="1.0" encoding="utf-8"?>
-<p:tagLst xmlns:a="http://schemas.openxmlformats.org/drawingml/2006/main" xmlns:r="http://schemas.openxmlformats.org/officeDocument/2006/relationships" xmlns:p="http://schemas.openxmlformats.org/presentationml/2006/main">
+<p:tagLst xmlns:p="http://schemas.openxmlformats.org/presentationml/2006/main">
   <p:tag name="PA" val="v4.1.3"/>
 </p:tagLst>
 </file>
 
 <file path=ppt/tags/tag8.xml><?xml version="1.0" encoding="utf-8"?>
-<p:tagLst xmlns:a="http://schemas.openxmlformats.org/drawingml/2006/main" xmlns:r="http://schemas.openxmlformats.org/officeDocument/2006/relationships" xmlns:p="http://schemas.openxmlformats.org/presentationml/2006/main">
+<p:tagLst xmlns:p="http://schemas.openxmlformats.org/presentationml/2006/main">
   <p:tag name="PA" val="v4.1.3"/>
 </p:tagLst>
 </file>
 
 <file path=ppt/tags/tag9.xml><?xml version="1.0" encoding="utf-8"?>
-<p:tagLst xmlns:a="http://schemas.openxmlformats.org/drawingml/2006/main" xmlns:r="http://schemas.openxmlformats.org/officeDocument/2006/relationships" xmlns:p="http://schemas.openxmlformats.org/presentationml/2006/main">
+<p:tagLst xmlns:p="http://schemas.openxmlformats.org/presentationml/2006/main">
   <p:tag name="PA" val="v4.1.3"/>
 </p:tagLst>
 </file>
@@ -22092,8 +22146,6 @@
       </a:bgFillStyleLst>
     </a:fmtScheme>
   </a:themeElements>
-  <a:objectDefaults/>
-  <a:extraClrSchemeLst/>
   <a:extLst>
     <a:ext uri="{05A4C25C-085E-4340-85A3-A5531E510DB2}">
       <thm15:themeFamily xmlns:thm15="http://schemas.microsoft.com/office/thememl/2012/main" name="Office Theme" id="{62F939B6-93AF-4DB8-9C6B-D6C7DFDC589F}" vid="{4A3C46E8-61CC-4603-A589-7422A47A8E4A}"/>
@@ -22353,8 +22405,6 @@
       </a:bgFillStyleLst>
     </a:fmtScheme>
   </a:themeElements>
-  <a:objectDefaults/>
-  <a:extraClrSchemeLst/>
   <a:extLst>
     <a:ext uri="{05A4C25C-085E-4340-85A3-A5531E510DB2}">
       <thm15:themeFamily xmlns:thm15="http://schemas.microsoft.com/office/thememl/2012/main" name="Office Theme" id="{62F939B6-93AF-4DB8-9C6B-D6C7DFDC589F}" vid="{4A3C46E8-61CC-4603-A589-7422A47A8E4A}"/>
